--- a/DraftSlides/Lecture0.pptx
+++ b/DraftSlides/Lecture0.pptx
@@ -6,7 +6,7 @@
     <p:sldMasterId id="2147483727" r:id="rId2"/>
   </p:sldMasterIdLst>
   <p:notesMasterIdLst>
-    <p:notesMasterId r:id="rId21"/>
+    <p:notesMasterId r:id="rId14"/>
   </p:notesMasterIdLst>
   <p:sldIdLst>
     <p:sldId id="405" r:id="rId3"/>
@@ -20,13 +20,6 @@
     <p:sldId id="457" r:id="rId11"/>
     <p:sldId id="537" r:id="rId12"/>
     <p:sldId id="538" r:id="rId13"/>
-    <p:sldId id="266" r:id="rId14"/>
-    <p:sldId id="277" r:id="rId15"/>
-    <p:sldId id="276" r:id="rId16"/>
-    <p:sldId id="279" r:id="rId17"/>
-    <p:sldId id="268" r:id="rId18"/>
-    <p:sldId id="270" r:id="rId19"/>
-    <p:sldId id="460" r:id="rId20"/>
   </p:sldIdLst>
   <p:sldSz cx="10080625" cy="7559675"/>
   <p:notesSz cx="7772400" cy="10058400"/>
@@ -226,6 +219,14 @@
     </p:ext>
   </p:extLst>
 </p:presentation>
+</file>
+
+<file path=ppt/revisionInfo.xml><?xml version="1.0" encoding="utf-8"?>
+<p1510:revInfo xmlns:a="http://schemas.openxmlformats.org/drawingml/2006/main" xmlns:r="http://schemas.openxmlformats.org/officeDocument/2006/relationships" xmlns:p1510="http://schemas.microsoft.com/office/powerpoint/2015/10/main">
+  <p1510:revLst>
+    <p1510:client id="{30857D54-4588-3C4E-A2F5-6176372D5AC7}" v="5" dt="2022-01-10T19:19:54.497"/>
+  </p1510:revLst>
+</p1510:revInfo>
 </file>
 
 <file path=ppt/changesInfos/changesInfo1.xml><?xml version="1.0" encoding="utf-8"?>
@@ -907,6 +908,124 @@
             <pc:docMk/>
             <pc:sldMk cId="2948289342" sldId="461"/>
             <ac:spMk id="3" creationId="{9FD46938-33A6-834D-B6CB-E3E730C275F4}"/>
+          </ac:spMkLst>
+        </pc:spChg>
+      </pc:sldChg>
+    </pc:docChg>
+  </pc:docChgLst>
+  <pc:docChgLst>
+    <pc:chgData name="Khattab, Sherif" userId="c83b1e15-36f3-4f46-aceb-05aac24c545e" providerId="ADAL" clId="{30857D54-4588-3C4E-A2F5-6176372D5AC7}"/>
+    <pc:docChg chg="custSel delSld modSld">
+      <pc:chgData name="Khattab, Sherif" userId="c83b1e15-36f3-4f46-aceb-05aac24c545e" providerId="ADAL" clId="{30857D54-4588-3C4E-A2F5-6176372D5AC7}" dt="2022-01-12T16:42:02.797" v="110" actId="2696"/>
+      <pc:docMkLst>
+        <pc:docMk/>
+      </pc:docMkLst>
+      <pc:sldChg chg="del">
+        <pc:chgData name="Khattab, Sherif" userId="c83b1e15-36f3-4f46-aceb-05aac24c545e" providerId="ADAL" clId="{30857D54-4588-3C4E-A2F5-6176372D5AC7}" dt="2022-01-12T16:42:02.797" v="110" actId="2696"/>
+        <pc:sldMkLst>
+          <pc:docMk/>
+          <pc:sldMk cId="2800745135" sldId="266"/>
+        </pc:sldMkLst>
+      </pc:sldChg>
+      <pc:sldChg chg="del">
+        <pc:chgData name="Khattab, Sherif" userId="c83b1e15-36f3-4f46-aceb-05aac24c545e" providerId="ADAL" clId="{30857D54-4588-3C4E-A2F5-6176372D5AC7}" dt="2022-01-12T16:42:02.797" v="110" actId="2696"/>
+        <pc:sldMkLst>
+          <pc:docMk/>
+          <pc:sldMk cId="3584211977" sldId="268"/>
+        </pc:sldMkLst>
+      </pc:sldChg>
+      <pc:sldChg chg="del">
+        <pc:chgData name="Khattab, Sherif" userId="c83b1e15-36f3-4f46-aceb-05aac24c545e" providerId="ADAL" clId="{30857D54-4588-3C4E-A2F5-6176372D5AC7}" dt="2022-01-12T16:42:02.797" v="110" actId="2696"/>
+        <pc:sldMkLst>
+          <pc:docMk/>
+          <pc:sldMk cId="2649896979" sldId="270"/>
+        </pc:sldMkLst>
+      </pc:sldChg>
+      <pc:sldChg chg="del">
+        <pc:chgData name="Khattab, Sherif" userId="c83b1e15-36f3-4f46-aceb-05aac24c545e" providerId="ADAL" clId="{30857D54-4588-3C4E-A2F5-6176372D5AC7}" dt="2022-01-12T16:42:02.797" v="110" actId="2696"/>
+        <pc:sldMkLst>
+          <pc:docMk/>
+          <pc:sldMk cId="1780042136" sldId="276"/>
+        </pc:sldMkLst>
+      </pc:sldChg>
+      <pc:sldChg chg="del">
+        <pc:chgData name="Khattab, Sherif" userId="c83b1e15-36f3-4f46-aceb-05aac24c545e" providerId="ADAL" clId="{30857D54-4588-3C4E-A2F5-6176372D5AC7}" dt="2022-01-12T16:42:02.797" v="110" actId="2696"/>
+        <pc:sldMkLst>
+          <pc:docMk/>
+          <pc:sldMk cId="1210624034" sldId="277"/>
+        </pc:sldMkLst>
+      </pc:sldChg>
+      <pc:sldChg chg="del">
+        <pc:chgData name="Khattab, Sherif" userId="c83b1e15-36f3-4f46-aceb-05aac24c545e" providerId="ADAL" clId="{30857D54-4588-3C4E-A2F5-6176372D5AC7}" dt="2022-01-12T16:42:02.797" v="110" actId="2696"/>
+        <pc:sldMkLst>
+          <pc:docMk/>
+          <pc:sldMk cId="3108092000" sldId="279"/>
+        </pc:sldMkLst>
+      </pc:sldChg>
+      <pc:sldChg chg="modSp mod">
+        <pc:chgData name="Khattab, Sherif" userId="c83b1e15-36f3-4f46-aceb-05aac24c545e" providerId="ADAL" clId="{30857D54-4588-3C4E-A2F5-6176372D5AC7}" dt="2022-01-10T19:15:34.295" v="7" actId="20577"/>
+        <pc:sldMkLst>
+          <pc:docMk/>
+          <pc:sldMk cId="0" sldId="405"/>
+        </pc:sldMkLst>
+        <pc:spChg chg="mod">
+          <ac:chgData name="Khattab, Sherif" userId="c83b1e15-36f3-4f46-aceb-05aac24c545e" providerId="ADAL" clId="{30857D54-4588-3C4E-A2F5-6176372D5AC7}" dt="2022-01-10T19:15:34.295" v="7" actId="20577"/>
+          <ac:spMkLst>
+            <pc:docMk/>
+            <pc:sldMk cId="0" sldId="405"/>
+            <ac:spMk id="3" creationId="{00000000-0000-0000-0000-000000000000}"/>
+          </ac:spMkLst>
+        </pc:spChg>
+      </pc:sldChg>
+      <pc:sldChg chg="modSp mod modAnim">
+        <pc:chgData name="Khattab, Sherif" userId="c83b1e15-36f3-4f46-aceb-05aac24c545e" providerId="ADAL" clId="{30857D54-4588-3C4E-A2F5-6176372D5AC7}" dt="2022-01-10T19:18:12.669" v="67"/>
+        <pc:sldMkLst>
+          <pc:docMk/>
+          <pc:sldMk cId="2759832941" sldId="455"/>
+        </pc:sldMkLst>
+        <pc:spChg chg="mod">
+          <ac:chgData name="Khattab, Sherif" userId="c83b1e15-36f3-4f46-aceb-05aac24c545e" providerId="ADAL" clId="{30857D54-4588-3C4E-A2F5-6176372D5AC7}" dt="2022-01-10T19:17:56.618" v="65" actId="15"/>
+          <ac:spMkLst>
+            <pc:docMk/>
+            <pc:sldMk cId="2759832941" sldId="455"/>
+            <ac:spMk id="4099" creationId="{00000000-0000-0000-0000-000000000000}"/>
+          </ac:spMkLst>
+        </pc:spChg>
+      </pc:sldChg>
+      <pc:sldChg chg="modSp mod">
+        <pc:chgData name="Khattab, Sherif" userId="c83b1e15-36f3-4f46-aceb-05aac24c545e" providerId="ADAL" clId="{30857D54-4588-3C4E-A2F5-6176372D5AC7}" dt="2022-01-10T19:19:07.143" v="102" actId="20577"/>
+        <pc:sldMkLst>
+          <pc:docMk/>
+          <pc:sldMk cId="208516079" sldId="456"/>
+        </pc:sldMkLst>
+        <pc:spChg chg="mod">
+          <ac:chgData name="Khattab, Sherif" userId="c83b1e15-36f3-4f46-aceb-05aac24c545e" providerId="ADAL" clId="{30857D54-4588-3C4E-A2F5-6176372D5AC7}" dt="2022-01-10T19:19:07.143" v="102" actId="20577"/>
+          <ac:spMkLst>
+            <pc:docMk/>
+            <pc:sldMk cId="208516079" sldId="456"/>
+            <ac:spMk id="3" creationId="{153A96EA-95D2-FF4C-AA7E-C120DE2C9897}"/>
+          </ac:spMkLst>
+        </pc:spChg>
+      </pc:sldChg>
+      <pc:sldChg chg="del">
+        <pc:chgData name="Khattab, Sherif" userId="c83b1e15-36f3-4f46-aceb-05aac24c545e" providerId="ADAL" clId="{30857D54-4588-3C4E-A2F5-6176372D5AC7}" dt="2022-01-12T16:42:02.797" v="110" actId="2696"/>
+        <pc:sldMkLst>
+          <pc:docMk/>
+          <pc:sldMk cId="3096182758" sldId="460"/>
+        </pc:sldMkLst>
+      </pc:sldChg>
+      <pc:sldChg chg="modSp mod">
+        <pc:chgData name="Khattab, Sherif" userId="c83b1e15-36f3-4f46-aceb-05aac24c545e" providerId="ADAL" clId="{30857D54-4588-3C4E-A2F5-6176372D5AC7}" dt="2022-01-10T19:20:00.621" v="109" actId="20577"/>
+        <pc:sldMkLst>
+          <pc:docMk/>
+          <pc:sldMk cId="3413618448" sldId="538"/>
+        </pc:sldMkLst>
+        <pc:spChg chg="mod">
+          <ac:chgData name="Khattab, Sherif" userId="c83b1e15-36f3-4f46-aceb-05aac24c545e" providerId="ADAL" clId="{30857D54-4588-3C4E-A2F5-6176372D5AC7}" dt="2022-01-10T19:20:00.621" v="109" actId="20577"/>
+          <ac:spMkLst>
+            <pc:docMk/>
+            <pc:sldMk cId="3413618448" sldId="538"/>
+            <ac:spMk id="6" creationId="{24F31BD1-DEA1-4D8D-9D06-D6CDB6A5D704}"/>
           </ac:spMkLst>
         </pc:spChg>
       </pc:sldChg>
@@ -3736,245 +3855,6 @@
 </p:notes>
 </file>
 
-<file path=ppt/notesSlides/notesSlide10.xml><?xml version="1.0" encoding="utf-8"?>
-<p:notes xmlns:a="http://schemas.openxmlformats.org/drawingml/2006/main" xmlns:r="http://schemas.openxmlformats.org/officeDocument/2006/relationships" xmlns:p="http://schemas.openxmlformats.org/presentationml/2006/main" showMasterSp="0" showMasterPhAnim="0">
-  <p:cSld>
-    <p:spTree>
-      <p:nvGrpSpPr>
-        <p:cNvPr id="1" name="Shape 117"/>
-        <p:cNvGrpSpPr/>
-        <p:nvPr/>
-      </p:nvGrpSpPr>
-      <p:grpSpPr>
-        <a:xfrm>
-          <a:off x="0" y="0"/>
-          <a:ext cx="0" cy="0"/>
-          <a:chOff x="0" y="0"/>
-          <a:chExt cx="0" cy="0"/>
-        </a:xfrm>
-      </p:grpSpPr>
-      <p:sp>
-        <p:nvSpPr>
-          <p:cNvPr id="118" name="Google Shape;118;g37cb39f69_064:notes"/>
-          <p:cNvSpPr>
-            <a:spLocks noGrp="1" noRot="1" noChangeAspect="1"/>
-          </p:cNvSpPr>
-          <p:nvPr>
-            <p:ph type="sldImg" idx="2"/>
-          </p:nvPr>
-        </p:nvSpPr>
-        <p:spPr>
-          <a:xfrm>
-            <a:off x="1143000" y="685800"/>
-            <a:ext cx="4572000" cy="3429000"/>
-          </a:xfrm>
-          <a:custGeom>
-            <a:avLst/>
-            <a:gdLst/>
-            <a:ahLst/>
-            <a:cxnLst/>
-            <a:rect l="0" t="0" r="0" b="0"/>
-            <a:pathLst>
-              <a:path w="120000" h="120000" extrusionOk="0">
-                <a:moveTo>
-                  <a:pt x="0" y="0"/>
-                </a:moveTo>
-                <a:lnTo>
-                  <a:pt x="120000" y="0"/>
-                </a:lnTo>
-                <a:lnTo>
-                  <a:pt x="120000" y="120000"/>
-                </a:lnTo>
-                <a:lnTo>
-                  <a:pt x="0" y="120000"/>
-                </a:lnTo>
-                <a:close/>
-              </a:path>
-            </a:pathLst>
-          </a:custGeom>
-        </p:spPr>
-      </p:sp>
-      <p:sp>
-        <p:nvSpPr>
-          <p:cNvPr id="119" name="Google Shape;119;g37cb39f69_064:notes"/>
-          <p:cNvSpPr txBox="1">
-            <a:spLocks noGrp="1"/>
-          </p:cNvSpPr>
-          <p:nvPr>
-            <p:ph type="body" idx="1"/>
-          </p:nvPr>
-        </p:nvSpPr>
-        <p:spPr>
-          <a:xfrm>
-            <a:off x="685800" y="4343400"/>
-            <a:ext cx="5486400" cy="4114800"/>
-          </a:xfrm>
-          <a:prstGeom prst="rect">
-            <a:avLst/>
-          </a:prstGeom>
-        </p:spPr>
-        <p:txBody>
-          <a:bodyPr spcFirstLastPara="1" wrap="square" lIns="91425" tIns="91425" rIns="91425" bIns="91425" anchor="t" anchorCtr="0">
-            <a:noAutofit/>
-          </a:bodyPr>
-          <a:lstStyle/>
-          <a:p>
-            <a:pPr marL="457200" lvl="0" indent="-317500">
-              <a:spcBef>
-                <a:spcPts val="0"/>
-              </a:spcBef>
-              <a:spcAft>
-                <a:spcPts val="0"/>
-              </a:spcAft>
-              <a:buSzPts val="1400"/>
-              <a:buChar char="●"/>
-            </a:pPr>
-            <a:r>
-              <a:rPr lang="en"/>
-              <a:t>OK, so not exactly n</a:t>
-            </a:r>
-            <a:r>
-              <a:rPr lang="en" baseline="30000"/>
-              <a:t>3</a:t>
-            </a:r>
-            <a:r>
-              <a:rPr lang="en"/>
-              <a:t>, but not greater than n</a:t>
-            </a:r>
-            <a:r>
-              <a:rPr lang="en" baseline="30000"/>
-              <a:t>3</a:t>
-            </a:r>
-            <a:r>
-              <a:rPr lang="en"/>
-              <a:t>, got it</a:t>
-            </a:r>
-            <a:endParaRPr/>
-          </a:p>
-        </p:txBody>
-      </p:sp>
-    </p:spTree>
-    <p:extLst>
-      <p:ext uri="{BB962C8B-B14F-4D97-AF65-F5344CB8AC3E}">
-        <p14:creationId xmlns:p14="http://schemas.microsoft.com/office/powerpoint/2010/main" val="3068784831"/>
-      </p:ext>
-    </p:extLst>
-  </p:cSld>
-  <p:clrMapOvr>
-    <a:masterClrMapping/>
-  </p:clrMapOvr>
-</p:notes>
-</file>
-
-<file path=ppt/notesSlides/notesSlide11.xml><?xml version="1.0" encoding="utf-8"?>
-<p:notes xmlns:a="http://schemas.openxmlformats.org/drawingml/2006/main" xmlns:r="http://schemas.openxmlformats.org/officeDocument/2006/relationships" xmlns:p="http://schemas.openxmlformats.org/presentationml/2006/main" showMasterSp="0" showMasterPhAnim="0">
-  <p:cSld>
-    <p:spTree>
-      <p:nvGrpSpPr>
-        <p:cNvPr id="1" name="Shape 131"/>
-        <p:cNvGrpSpPr/>
-        <p:nvPr/>
-      </p:nvGrpSpPr>
-      <p:grpSpPr>
-        <a:xfrm>
-          <a:off x="0" y="0"/>
-          <a:ext cx="0" cy="0"/>
-          <a:chOff x="0" y="0"/>
-          <a:chExt cx="0" cy="0"/>
-        </a:xfrm>
-      </p:grpSpPr>
-      <p:sp>
-        <p:nvSpPr>
-          <p:cNvPr id="132" name="Google Shape;132;g1177ea160b_0_21:notes"/>
-          <p:cNvSpPr>
-            <a:spLocks noGrp="1" noRot="1" noChangeAspect="1"/>
-          </p:cNvSpPr>
-          <p:nvPr>
-            <p:ph type="sldImg" idx="2"/>
-          </p:nvPr>
-        </p:nvSpPr>
-        <p:spPr>
-          <a:xfrm>
-            <a:off x="1143000" y="685800"/>
-            <a:ext cx="4572000" cy="3429000"/>
-          </a:xfrm>
-          <a:custGeom>
-            <a:avLst/>
-            <a:gdLst/>
-            <a:ahLst/>
-            <a:cxnLst/>
-            <a:rect l="0" t="0" r="0" b="0"/>
-            <a:pathLst>
-              <a:path w="120000" h="120000" extrusionOk="0">
-                <a:moveTo>
-                  <a:pt x="0" y="0"/>
-                </a:moveTo>
-                <a:lnTo>
-                  <a:pt x="120000" y="0"/>
-                </a:lnTo>
-                <a:lnTo>
-                  <a:pt x="120000" y="120000"/>
-                </a:lnTo>
-                <a:lnTo>
-                  <a:pt x="0" y="120000"/>
-                </a:lnTo>
-                <a:close/>
-              </a:path>
-            </a:pathLst>
-          </a:custGeom>
-        </p:spPr>
-      </p:sp>
-      <p:sp>
-        <p:nvSpPr>
-          <p:cNvPr id="133" name="Google Shape;133;g1177ea160b_0_21:notes"/>
-          <p:cNvSpPr txBox="1">
-            <a:spLocks noGrp="1"/>
-          </p:cNvSpPr>
-          <p:nvPr>
-            <p:ph type="body" idx="1"/>
-          </p:nvPr>
-        </p:nvSpPr>
-        <p:spPr>
-          <a:xfrm>
-            <a:off x="685800" y="4343400"/>
-            <a:ext cx="5486400" cy="4114800"/>
-          </a:xfrm>
-          <a:prstGeom prst="rect">
-            <a:avLst/>
-          </a:prstGeom>
-        </p:spPr>
-        <p:txBody>
-          <a:bodyPr spcFirstLastPara="1" wrap="square" lIns="91425" tIns="91425" rIns="91425" bIns="91425" anchor="t" anchorCtr="0">
-            <a:noAutofit/>
-          </a:bodyPr>
-          <a:lstStyle/>
-          <a:p>
-            <a:pPr marL="0" lvl="0" indent="0" rtl="0">
-              <a:spcBef>
-                <a:spcPts val="0"/>
-              </a:spcBef>
-              <a:spcAft>
-                <a:spcPts val="0"/>
-              </a:spcAft>
-              <a:buNone/>
-            </a:pPr>
-            <a:endParaRPr/>
-          </a:p>
-        </p:txBody>
-      </p:sp>
-    </p:spTree>
-    <p:extLst>
-      <p:ext uri="{BB962C8B-B14F-4D97-AF65-F5344CB8AC3E}">
-        <p14:creationId xmlns:p14="http://schemas.microsoft.com/office/powerpoint/2010/main" val="665915831"/>
-      </p:ext>
-    </p:extLst>
-  </p:cSld>
-  <p:clrMapOvr>
-    <a:masterClrMapping/>
-  </p:clrMapOvr>
-</p:notes>
-</file>
-
 <file path=ppt/notesSlides/notesSlide2.xml><?xml version="1.0" encoding="utf-8"?>
 <p:notes xmlns:a="http://schemas.openxmlformats.org/drawingml/2006/main" xmlns:r="http://schemas.openxmlformats.org/officeDocument/2006/relationships" xmlns:p="http://schemas.openxmlformats.org/presentationml/2006/main" showMasterSp="0" showMasterPhAnim="0">
   <p:cSld>
@@ -4556,7 +4436,7 @@
           <a:bodyPr/>
           <a:lstStyle/>
           <a:p>
-            <a:endParaRPr lang="en-US" sz="1200" b="0" kern="1200" dirty="0">
+            <a:endParaRPr lang="en-US" sz="1200" b="0" kern="1200">
               <a:solidFill>
                 <a:schemeClr val="tx1"/>
               </a:solidFill>
@@ -4708,7 +4588,7 @@
           <a:bodyPr/>
           <a:lstStyle/>
           <a:p>
-            <a:endParaRPr lang="en-US" sz="1200" b="0" kern="1200" dirty="0">
+            <a:endParaRPr lang="en-US" sz="1200" b="0" kern="1200">
               <a:solidFill>
                 <a:schemeClr val="tx1"/>
               </a:solidFill>
@@ -4816,630 +4696,6 @@
 </p:notes>
 </file>
 
-<file path=ppt/notesSlides/notesSlide6.xml><?xml version="1.0" encoding="utf-8"?>
-<p:notes xmlns:a="http://schemas.openxmlformats.org/drawingml/2006/main" xmlns:r="http://schemas.openxmlformats.org/officeDocument/2006/relationships" xmlns:p="http://schemas.openxmlformats.org/presentationml/2006/main" showMasterSp="0" showMasterPhAnim="0">
-  <p:cSld>
-    <p:spTree>
-      <p:nvGrpSpPr>
-        <p:cNvPr id="1" name="Shape 103"/>
-        <p:cNvGrpSpPr/>
-        <p:nvPr/>
-      </p:nvGrpSpPr>
-      <p:grpSpPr>
-        <a:xfrm>
-          <a:off x="0" y="0"/>
-          <a:ext cx="0" cy="0"/>
-          <a:chOff x="0" y="0"/>
-          <a:chExt cx="0" cy="0"/>
-        </a:xfrm>
-      </p:grpSpPr>
-      <p:sp>
-        <p:nvSpPr>
-          <p:cNvPr id="104" name="Google Shape;104;g37cb39f69_069:notes"/>
-          <p:cNvSpPr>
-            <a:spLocks noGrp="1" noRot="1" noChangeAspect="1"/>
-          </p:cNvSpPr>
-          <p:nvPr>
-            <p:ph type="sldImg" idx="2"/>
-          </p:nvPr>
-        </p:nvSpPr>
-        <p:spPr>
-          <a:xfrm>
-            <a:off x="1143000" y="685800"/>
-            <a:ext cx="4572000" cy="3429000"/>
-          </a:xfrm>
-          <a:custGeom>
-            <a:avLst/>
-            <a:gdLst/>
-            <a:ahLst/>
-            <a:cxnLst/>
-            <a:rect l="0" t="0" r="0" b="0"/>
-            <a:pathLst>
-              <a:path w="120000" h="120000" extrusionOk="0">
-                <a:moveTo>
-                  <a:pt x="0" y="0"/>
-                </a:moveTo>
-                <a:lnTo>
-                  <a:pt x="120000" y="0"/>
-                </a:lnTo>
-                <a:lnTo>
-                  <a:pt x="120000" y="120000"/>
-                </a:lnTo>
-                <a:lnTo>
-                  <a:pt x="0" y="120000"/>
-                </a:lnTo>
-                <a:close/>
-              </a:path>
-            </a:pathLst>
-          </a:custGeom>
-        </p:spPr>
-      </p:sp>
-      <p:sp>
-        <p:nvSpPr>
-          <p:cNvPr id="105" name="Google Shape;105;g37cb39f69_069:notes"/>
-          <p:cNvSpPr txBox="1">
-            <a:spLocks noGrp="1"/>
-          </p:cNvSpPr>
-          <p:nvPr>
-            <p:ph type="body" idx="1"/>
-          </p:nvPr>
-        </p:nvSpPr>
-        <p:spPr>
-          <a:xfrm>
-            <a:off x="685800" y="4343400"/>
-            <a:ext cx="5486400" cy="4114800"/>
-          </a:xfrm>
-          <a:prstGeom prst="rect">
-            <a:avLst/>
-          </a:prstGeom>
-        </p:spPr>
-        <p:txBody>
-          <a:bodyPr spcFirstLastPara="1" wrap="square" lIns="91425" tIns="91425" rIns="91425" bIns="91425" anchor="t" anchorCtr="0">
-            <a:noAutofit/>
-          </a:bodyPr>
-          <a:lstStyle/>
-          <a:p>
-            <a:pPr marL="457200" lvl="0" indent="-317500" rtl="0">
-              <a:spcBef>
-                <a:spcPts val="0"/>
-              </a:spcBef>
-              <a:spcAft>
-                <a:spcPts val="0"/>
-              </a:spcAft>
-              <a:buSzPts val="1400"/>
-              <a:buChar char="●"/>
-            </a:pPr>
-            <a:r>
-              <a:rPr lang="en"/>
-              <a:t>Storytime:</a:t>
-            </a:r>
-            <a:endParaRPr/>
-          </a:p>
-          <a:p>
-            <a:pPr marL="914400" lvl="1" indent="-317500" rtl="0">
-              <a:spcBef>
-                <a:spcPts val="0"/>
-              </a:spcBef>
-              <a:spcAft>
-                <a:spcPts val="0"/>
-              </a:spcAft>
-              <a:buSzPts val="1400"/>
-              <a:buChar char="○"/>
-            </a:pPr>
-            <a:r>
-              <a:rPr lang="en"/>
-              <a:t>Implemented a new algorithm and it runs forever</a:t>
-            </a:r>
-            <a:endParaRPr/>
-          </a:p>
-          <a:p>
-            <a:pPr marL="1371600" lvl="2" indent="-317500" rtl="0">
-              <a:spcBef>
-                <a:spcPts val="0"/>
-              </a:spcBef>
-              <a:spcAft>
-                <a:spcPts val="0"/>
-              </a:spcAft>
-              <a:buSzPts val="1400"/>
-              <a:buChar char="■"/>
-            </a:pPr>
-            <a:r>
-              <a:rPr lang="en"/>
-              <a:t>Problem with the algorithm?</a:t>
-            </a:r>
-            <a:endParaRPr/>
-          </a:p>
-          <a:p>
-            <a:pPr marL="1371600" lvl="2" indent="-317500" rtl="0">
-              <a:spcBef>
-                <a:spcPts val="0"/>
-              </a:spcBef>
-              <a:spcAft>
-                <a:spcPts val="0"/>
-              </a:spcAft>
-              <a:buSzPts val="1400"/>
-              <a:buChar char="■"/>
-            </a:pPr>
-            <a:r>
-              <a:rPr lang="en"/>
-              <a:t>Or just a bug?</a:t>
-            </a:r>
-            <a:endParaRPr/>
-          </a:p>
-          <a:p>
-            <a:pPr marL="457200" lvl="0" indent="-317500" rtl="0">
-              <a:spcBef>
-                <a:spcPts val="0"/>
-              </a:spcBef>
-              <a:spcAft>
-                <a:spcPts val="0"/>
-              </a:spcAft>
-              <a:buSzPts val="1400"/>
-              <a:buChar char="●"/>
-            </a:pPr>
-            <a:r>
-              <a:rPr lang="en"/>
-              <a:t>What if the implementation doesn't end up being worth it?</a:t>
-            </a:r>
-            <a:endParaRPr/>
-          </a:p>
-          <a:p>
-            <a:pPr marL="457200" lvl="0" indent="-317500" rtl="0">
-              <a:spcBef>
-                <a:spcPts val="0"/>
-              </a:spcBef>
-              <a:spcAft>
-                <a:spcPts val="0"/>
-              </a:spcAft>
-              <a:buSzPts val="1400"/>
-              <a:buChar char="●"/>
-            </a:pPr>
-            <a:r>
-              <a:rPr lang="en"/>
-              <a:t>What if the algorithm is infeasible?</a:t>
-            </a:r>
-            <a:endParaRPr/>
-          </a:p>
-          <a:p>
-            <a:pPr marL="457200" lvl="0" indent="-317500" rtl="0">
-              <a:spcBef>
-                <a:spcPts val="0"/>
-              </a:spcBef>
-              <a:spcAft>
-                <a:spcPts val="0"/>
-              </a:spcAft>
-              <a:buSzPts val="1400"/>
-              <a:buChar char="●"/>
-            </a:pPr>
-            <a:r>
-              <a:rPr lang="en"/>
-              <a:t>STILL USEFUL!</a:t>
-            </a:r>
-            <a:endParaRPr/>
-          </a:p>
-          <a:p>
-            <a:pPr marL="914400" lvl="1" indent="-317500" rtl="0">
-              <a:spcBef>
-                <a:spcPts val="0"/>
-              </a:spcBef>
-              <a:spcAft>
-                <a:spcPts val="0"/>
-              </a:spcAft>
-              <a:buSzPts val="1400"/>
-              <a:buChar char="○"/>
-            </a:pPr>
-            <a:r>
-              <a:rPr lang="en"/>
-              <a:t>Experimental evaluation</a:t>
-            </a:r>
-            <a:endParaRPr/>
-          </a:p>
-          <a:p>
-            <a:pPr marL="914400" lvl="1" indent="-317500">
-              <a:spcBef>
-                <a:spcPts val="0"/>
-              </a:spcBef>
-              <a:spcAft>
-                <a:spcPts val="0"/>
-              </a:spcAft>
-              <a:buSzPts val="1400"/>
-              <a:buChar char="○"/>
-            </a:pPr>
-            <a:r>
-              <a:rPr lang="en"/>
-              <a:t>Benchmarking</a:t>
-            </a:r>
-            <a:endParaRPr/>
-          </a:p>
-        </p:txBody>
-      </p:sp>
-    </p:spTree>
-    <p:extLst>
-      <p:ext uri="{BB962C8B-B14F-4D97-AF65-F5344CB8AC3E}">
-        <p14:creationId xmlns:p14="http://schemas.microsoft.com/office/powerpoint/2010/main" val="3851567739"/>
-      </p:ext>
-    </p:extLst>
-  </p:cSld>
-  <p:clrMapOvr>
-    <a:masterClrMapping/>
-  </p:clrMapOvr>
-</p:notes>
-</file>
-
-<file path=ppt/notesSlides/notesSlide7.xml><?xml version="1.0" encoding="utf-8"?>
-<p:notes xmlns:a="http://schemas.openxmlformats.org/drawingml/2006/main" xmlns:r="http://schemas.openxmlformats.org/officeDocument/2006/relationships" xmlns:p="http://schemas.openxmlformats.org/presentationml/2006/main" showMasterSp="0" showMasterPhAnim="0">
-  <p:cSld>
-    <p:spTree>
-      <p:nvGrpSpPr>
-        <p:cNvPr id="1" name="Shape 205"/>
-        <p:cNvGrpSpPr/>
-        <p:nvPr/>
-      </p:nvGrpSpPr>
-      <p:grpSpPr>
-        <a:xfrm>
-          <a:off x="0" y="0"/>
-          <a:ext cx="0" cy="0"/>
-          <a:chOff x="0" y="0"/>
-          <a:chExt cx="0" cy="0"/>
-        </a:xfrm>
-      </p:grpSpPr>
-      <p:sp>
-        <p:nvSpPr>
-          <p:cNvPr id="206" name="Google Shape;206;g5febfe234_10:notes"/>
-          <p:cNvSpPr>
-            <a:spLocks noGrp="1" noRot="1" noChangeAspect="1"/>
-          </p:cNvSpPr>
-          <p:nvPr>
-            <p:ph type="sldImg" idx="2"/>
-          </p:nvPr>
-        </p:nvSpPr>
-        <p:spPr>
-          <a:xfrm>
-            <a:off x="1143000" y="685800"/>
-            <a:ext cx="4572000" cy="3429000"/>
-          </a:xfrm>
-          <a:custGeom>
-            <a:avLst/>
-            <a:gdLst/>
-            <a:ahLst/>
-            <a:cxnLst/>
-            <a:rect l="0" t="0" r="0" b="0"/>
-            <a:pathLst>
-              <a:path w="120000" h="120000" extrusionOk="0">
-                <a:moveTo>
-                  <a:pt x="0" y="0"/>
-                </a:moveTo>
-                <a:lnTo>
-                  <a:pt x="120000" y="0"/>
-                </a:lnTo>
-                <a:lnTo>
-                  <a:pt x="120000" y="120000"/>
-                </a:lnTo>
-                <a:lnTo>
-                  <a:pt x="0" y="120000"/>
-                </a:lnTo>
-                <a:close/>
-              </a:path>
-            </a:pathLst>
-          </a:custGeom>
-        </p:spPr>
-      </p:sp>
-      <p:sp>
-        <p:nvSpPr>
-          <p:cNvPr id="207" name="Google Shape;207;g5febfe234_10:notes"/>
-          <p:cNvSpPr txBox="1">
-            <a:spLocks noGrp="1"/>
-          </p:cNvSpPr>
-          <p:nvPr>
-            <p:ph type="body" idx="1"/>
-          </p:nvPr>
-        </p:nvSpPr>
-        <p:spPr>
-          <a:xfrm>
-            <a:off x="685800" y="4343400"/>
-            <a:ext cx="5486400" cy="4114800"/>
-          </a:xfrm>
-          <a:prstGeom prst="rect">
-            <a:avLst/>
-          </a:prstGeom>
-        </p:spPr>
-        <p:txBody>
-          <a:bodyPr spcFirstLastPara="1" wrap="square" lIns="91425" tIns="91425" rIns="91425" bIns="91425" anchor="t" anchorCtr="0">
-            <a:noAutofit/>
-          </a:bodyPr>
-          <a:lstStyle/>
-          <a:p>
-            <a:pPr marL="0" lvl="0" indent="0">
-              <a:spcBef>
-                <a:spcPts val="0"/>
-              </a:spcBef>
-              <a:spcAft>
-                <a:spcPts val="0"/>
-              </a:spcAft>
-              <a:buNone/>
-            </a:pPr>
-            <a:endParaRPr/>
-          </a:p>
-        </p:txBody>
-      </p:sp>
-    </p:spTree>
-    <p:extLst>
-      <p:ext uri="{BB962C8B-B14F-4D97-AF65-F5344CB8AC3E}">
-        <p14:creationId xmlns:p14="http://schemas.microsoft.com/office/powerpoint/2010/main" val="2169865606"/>
-      </p:ext>
-    </p:extLst>
-  </p:cSld>
-  <p:clrMapOvr>
-    <a:masterClrMapping/>
-  </p:clrMapOvr>
-</p:notes>
-</file>
-
-<file path=ppt/notesSlides/notesSlide8.xml><?xml version="1.0" encoding="utf-8"?>
-<p:notes xmlns:a="http://schemas.openxmlformats.org/drawingml/2006/main" xmlns:r="http://schemas.openxmlformats.org/officeDocument/2006/relationships" xmlns:p="http://schemas.openxmlformats.org/presentationml/2006/main" showMasterSp="0" showMasterPhAnim="0">
-  <p:cSld>
-    <p:spTree>
-      <p:nvGrpSpPr>
-        <p:cNvPr id="1" name="Shape 198"/>
-        <p:cNvGrpSpPr/>
-        <p:nvPr/>
-      </p:nvGrpSpPr>
-      <p:grpSpPr>
-        <a:xfrm>
-          <a:off x="0" y="0"/>
-          <a:ext cx="0" cy="0"/>
-          <a:chOff x="0" y="0"/>
-          <a:chExt cx="0" cy="0"/>
-        </a:xfrm>
-      </p:grpSpPr>
-      <p:sp>
-        <p:nvSpPr>
-          <p:cNvPr id="199" name="Google Shape;199;g37cb39f69_0104:notes"/>
-          <p:cNvSpPr>
-            <a:spLocks noGrp="1" noRot="1" noChangeAspect="1"/>
-          </p:cNvSpPr>
-          <p:nvPr>
-            <p:ph type="sldImg" idx="2"/>
-          </p:nvPr>
-        </p:nvSpPr>
-        <p:spPr>
-          <a:xfrm>
-            <a:off x="1143000" y="685800"/>
-            <a:ext cx="4572000" cy="3429000"/>
-          </a:xfrm>
-          <a:custGeom>
-            <a:avLst/>
-            <a:gdLst/>
-            <a:ahLst/>
-            <a:cxnLst/>
-            <a:rect l="0" t="0" r="0" b="0"/>
-            <a:pathLst>
-              <a:path w="120000" h="120000" extrusionOk="0">
-                <a:moveTo>
-                  <a:pt x="0" y="0"/>
-                </a:moveTo>
-                <a:lnTo>
-                  <a:pt x="120000" y="0"/>
-                </a:lnTo>
-                <a:lnTo>
-                  <a:pt x="120000" y="120000"/>
-                </a:lnTo>
-                <a:lnTo>
-                  <a:pt x="0" y="120000"/>
-                </a:lnTo>
-                <a:close/>
-              </a:path>
-            </a:pathLst>
-          </a:custGeom>
-        </p:spPr>
-      </p:sp>
-      <p:sp>
-        <p:nvSpPr>
-          <p:cNvPr id="200" name="Google Shape;200;g37cb39f69_0104:notes"/>
-          <p:cNvSpPr txBox="1">
-            <a:spLocks noGrp="1"/>
-          </p:cNvSpPr>
-          <p:nvPr>
-            <p:ph type="body" idx="1"/>
-          </p:nvPr>
-        </p:nvSpPr>
-        <p:spPr>
-          <a:xfrm>
-            <a:off x="685800" y="4343400"/>
-            <a:ext cx="5486400" cy="4114800"/>
-          </a:xfrm>
-          <a:prstGeom prst="rect">
-            <a:avLst/>
-          </a:prstGeom>
-        </p:spPr>
-        <p:txBody>
-          <a:bodyPr spcFirstLastPara="1" wrap="square" lIns="91425" tIns="91425" rIns="91425" bIns="91425" anchor="t" anchorCtr="0">
-            <a:noAutofit/>
-          </a:bodyPr>
-          <a:lstStyle/>
-          <a:p>
-            <a:pPr marL="0" lvl="0" indent="0">
-              <a:spcBef>
-                <a:spcPts val="0"/>
-              </a:spcBef>
-              <a:spcAft>
-                <a:spcPts val="0"/>
-              </a:spcAft>
-              <a:buNone/>
-            </a:pPr>
-            <a:endParaRPr/>
-          </a:p>
-        </p:txBody>
-      </p:sp>
-    </p:spTree>
-    <p:extLst>
-      <p:ext uri="{BB962C8B-B14F-4D97-AF65-F5344CB8AC3E}">
-        <p14:creationId xmlns:p14="http://schemas.microsoft.com/office/powerpoint/2010/main" val="2150025457"/>
-      </p:ext>
-    </p:extLst>
-  </p:cSld>
-  <p:clrMapOvr>
-    <a:masterClrMapping/>
-  </p:clrMapOvr>
-</p:notes>
-</file>
-
-<file path=ppt/notesSlides/notesSlide9.xml><?xml version="1.0" encoding="utf-8"?>
-<p:notes xmlns:a="http://schemas.openxmlformats.org/drawingml/2006/main" xmlns:r="http://schemas.openxmlformats.org/officeDocument/2006/relationships" xmlns:p="http://schemas.openxmlformats.org/presentationml/2006/main" showMasterSp="0" showMasterPhAnim="0">
-  <p:cSld>
-    <p:spTree>
-      <p:nvGrpSpPr>
-        <p:cNvPr id="1" name="Shape 245"/>
-        <p:cNvGrpSpPr/>
-        <p:nvPr/>
-      </p:nvGrpSpPr>
-      <p:grpSpPr>
-        <a:xfrm>
-          <a:off x="0" y="0"/>
-          <a:ext cx="0" cy="0"/>
-          <a:chOff x="0" y="0"/>
-          <a:chExt cx="0" cy="0"/>
-        </a:xfrm>
-      </p:grpSpPr>
-      <p:sp>
-        <p:nvSpPr>
-          <p:cNvPr id="246" name="Google Shape;246;g1177ea160b_0_16:notes"/>
-          <p:cNvSpPr>
-            <a:spLocks noGrp="1" noRot="1" noChangeAspect="1"/>
-          </p:cNvSpPr>
-          <p:nvPr>
-            <p:ph type="sldImg" idx="2"/>
-          </p:nvPr>
-        </p:nvSpPr>
-        <p:spPr>
-          <a:xfrm>
-            <a:off x="1143000" y="685800"/>
-            <a:ext cx="4572000" cy="3429000"/>
-          </a:xfrm>
-          <a:custGeom>
-            <a:avLst/>
-            <a:gdLst/>
-            <a:ahLst/>
-            <a:cxnLst/>
-            <a:rect l="0" t="0" r="0" b="0"/>
-            <a:pathLst>
-              <a:path w="120000" h="120000" extrusionOk="0">
-                <a:moveTo>
-                  <a:pt x="0" y="0"/>
-                </a:moveTo>
-                <a:lnTo>
-                  <a:pt x="120000" y="0"/>
-                </a:lnTo>
-                <a:lnTo>
-                  <a:pt x="120000" y="120000"/>
-                </a:lnTo>
-                <a:lnTo>
-                  <a:pt x="0" y="120000"/>
-                </a:lnTo>
-                <a:close/>
-              </a:path>
-            </a:pathLst>
-          </a:custGeom>
-        </p:spPr>
-      </p:sp>
-      <p:sp>
-        <p:nvSpPr>
-          <p:cNvPr id="247" name="Google Shape;247;g1177ea160b_0_16:notes"/>
-          <p:cNvSpPr txBox="1">
-            <a:spLocks noGrp="1"/>
-          </p:cNvSpPr>
-          <p:nvPr>
-            <p:ph type="body" idx="1"/>
-          </p:nvPr>
-        </p:nvSpPr>
-        <p:spPr>
-          <a:xfrm>
-            <a:off x="685800" y="4343400"/>
-            <a:ext cx="5486400" cy="4114800"/>
-          </a:xfrm>
-          <a:prstGeom prst="rect">
-            <a:avLst/>
-          </a:prstGeom>
-        </p:spPr>
-        <p:txBody>
-          <a:bodyPr spcFirstLastPara="1" wrap="square" lIns="91425" tIns="91425" rIns="91425" bIns="91425" anchor="t" anchorCtr="0">
-            <a:noAutofit/>
-          </a:bodyPr>
-          <a:lstStyle/>
-          <a:p>
-            <a:pPr marL="457200" lvl="0" indent="-317500">
-              <a:spcBef>
-                <a:spcPts val="0"/>
-              </a:spcBef>
-              <a:spcAft>
-                <a:spcPts val="0"/>
-              </a:spcAft>
-              <a:buSzPts val="1400"/>
-              <a:buChar char="●"/>
-            </a:pPr>
-            <a:r>
-              <a:rPr lang="en"/>
-              <a:t>Wait, we just compared some function (e.g., n</a:t>
-            </a:r>
-            <a:r>
-              <a:rPr lang="en" baseline="30000"/>
-              <a:t>3</a:t>
-            </a:r>
-            <a:r>
-              <a:rPr lang="en"/>
-              <a:t>) to the function modelling our runtime??</a:t>
-            </a:r>
-            <a:endParaRPr/>
-          </a:p>
-          <a:p>
-            <a:pPr marL="457200" lvl="0" indent="-317500">
-              <a:spcBef>
-                <a:spcPts val="0"/>
-              </a:spcBef>
-              <a:spcAft>
-                <a:spcPts val="0"/>
-              </a:spcAft>
-              <a:buSzPts val="1400"/>
-              <a:buChar char="●"/>
-            </a:pPr>
-            <a:r>
-              <a:rPr lang="en"/>
-              <a:t>Can we use O for other resources??</a:t>
-            </a:r>
-            <a:endParaRPr/>
-          </a:p>
-          <a:p>
-            <a:pPr marL="914400" lvl="1" indent="-317500" rtl="0">
-              <a:spcBef>
-                <a:spcPts val="0"/>
-              </a:spcBef>
-              <a:spcAft>
-                <a:spcPts val="0"/>
-              </a:spcAft>
-              <a:buSzPts val="1400"/>
-              <a:buChar char="○"/>
-            </a:pPr>
-            <a:r>
-              <a:rPr lang="en"/>
-              <a:t>YES! memory!</a:t>
-            </a:r>
-            <a:endParaRPr/>
-          </a:p>
-        </p:txBody>
-      </p:sp>
-    </p:spTree>
-    <p:extLst>
-      <p:ext uri="{BB962C8B-B14F-4D97-AF65-F5344CB8AC3E}">
-        <p14:creationId xmlns:p14="http://schemas.microsoft.com/office/powerpoint/2010/main" val="2586577342"/>
-      </p:ext>
-    </p:extLst>
-  </p:cSld>
-  <p:clrMapOvr>
-    <a:masterClrMapping/>
-  </p:clrMapOvr>
-</p:notes>
-</file>
-
 <file path=ppt/slideLayouts/slideLayout1.xml><?xml version="1.0" encoding="utf-8"?>
 <p:sldLayout xmlns:a="http://schemas.openxmlformats.org/drawingml/2006/main" xmlns:r="http://schemas.openxmlformats.org/officeDocument/2006/relationships" xmlns:p="http://schemas.openxmlformats.org/presentationml/2006/main" type="title" preserve="1">
   <p:cSld name="Title Slide">
@@ -7887,7 +7143,6 @@
               <a:rPr lang="en-US"/>
               <a:t>Click to edit Master title style</a:t>
             </a:r>
-            <a:endParaRPr lang="en-US" dirty="0"/>
           </a:p>
         </p:txBody>
       </p:sp>
@@ -7952,7 +7207,6 @@
               <a:rPr lang="en-US"/>
               <a:t>Click to edit Master subtitle style</a:t>
             </a:r>
-            <a:endParaRPr lang="en-US" dirty="0"/>
           </a:p>
         </p:txBody>
       </p:sp>
@@ -7973,7 +7227,7 @@
           <a:p>
             <a:fld id="{E98E3CD5-59C7-5D4B-94B5-AABB2E99B94E}" type="datetimeFigureOut">
               <a:rPr lang="en-US" smtClean="0"/>
-              <a:t>9/2/2021</a:t>
+              <a:t>1/12/22</a:t>
             </a:fld>
             <a:endParaRPr lang="en-US"/>
           </a:p>
@@ -8070,7 +7324,6 @@
               <a:rPr lang="en-US"/>
               <a:t>Click to edit Master title style</a:t>
             </a:r>
-            <a:endParaRPr lang="en-US" dirty="0"/>
           </a:p>
         </p:txBody>
       </p:sp>
@@ -8122,7 +7375,6 @@
               <a:rPr lang="en-US"/>
               <a:t>Fifth level</a:t>
             </a:r>
-            <a:endParaRPr lang="en-US" dirty="0"/>
           </a:p>
         </p:txBody>
       </p:sp>
@@ -8143,7 +7395,7 @@
           <a:p>
             <a:fld id="{E98E3CD5-59C7-5D4B-94B5-AABB2E99B94E}" type="datetimeFigureOut">
               <a:rPr lang="en-US" smtClean="0"/>
-              <a:t>9/2/2021</a:t>
+              <a:t>1/12/22</a:t>
             </a:fld>
             <a:endParaRPr lang="en-US"/>
           </a:p>
@@ -8249,7 +7501,6 @@
               <a:rPr lang="en-US"/>
               <a:t>Click to edit Master title style</a:t>
             </a:r>
-            <a:endParaRPr lang="en-US" dirty="0"/>
           </a:p>
         </p:txBody>
       </p:sp>
@@ -8389,7 +7640,7 @@
           <a:p>
             <a:fld id="{E98E3CD5-59C7-5D4B-94B5-AABB2E99B94E}" type="datetimeFigureOut">
               <a:rPr lang="en-US" smtClean="0"/>
-              <a:t>9/2/2021</a:t>
+              <a:t>1/12/22</a:t>
             </a:fld>
             <a:endParaRPr lang="en-US"/>
           </a:p>
@@ -8706,7 +7957,6 @@
               <a:rPr lang="en-US"/>
               <a:t>Click to edit Master title style</a:t>
             </a:r>
-            <a:endParaRPr lang="en-US" dirty="0"/>
           </a:p>
         </p:txBody>
       </p:sp>
@@ -8763,7 +8013,6 @@
               <a:rPr lang="en-US"/>
               <a:t>Fifth level</a:t>
             </a:r>
-            <a:endParaRPr lang="en-US" dirty="0"/>
           </a:p>
         </p:txBody>
       </p:sp>
@@ -8820,7 +8069,6 @@
               <a:rPr lang="en-US"/>
               <a:t>Fifth level</a:t>
             </a:r>
-            <a:endParaRPr lang="en-US" dirty="0"/>
           </a:p>
         </p:txBody>
       </p:sp>
@@ -8841,7 +8089,7 @@
           <a:p>
             <a:fld id="{E98E3CD5-59C7-5D4B-94B5-AABB2E99B94E}" type="datetimeFigureOut">
               <a:rPr lang="en-US" smtClean="0"/>
-              <a:t>9/2/2021</a:t>
+              <a:t>1/12/22</a:t>
             </a:fld>
             <a:endParaRPr lang="en-US"/>
           </a:p>
@@ -8943,7 +8191,6 @@
               <a:rPr lang="en-US"/>
               <a:t>Click to edit Master title style</a:t>
             </a:r>
-            <a:endParaRPr lang="en-US" dirty="0"/>
           </a:p>
         </p:txBody>
       </p:sp>
@@ -9065,7 +8312,6 @@
               <a:rPr lang="en-US"/>
               <a:t>Fifth level</a:t>
             </a:r>
-            <a:endParaRPr lang="en-US" dirty="0"/>
           </a:p>
         </p:txBody>
       </p:sp>
@@ -9187,7 +8433,6 @@
               <a:rPr lang="en-US"/>
               <a:t>Fifth level</a:t>
             </a:r>
-            <a:endParaRPr lang="en-US" dirty="0"/>
           </a:p>
         </p:txBody>
       </p:sp>
@@ -9208,7 +8453,7 @@
           <a:p>
             <a:fld id="{E98E3CD5-59C7-5D4B-94B5-AABB2E99B94E}" type="datetimeFigureOut">
               <a:rPr lang="en-US" smtClean="0"/>
-              <a:t>9/2/2021</a:t>
+              <a:t>1/12/22</a:t>
             </a:fld>
             <a:endParaRPr lang="en-US"/>
           </a:p>
@@ -9305,7 +8550,6 @@
               <a:rPr lang="en-US"/>
               <a:t>Click to edit Master title style</a:t>
             </a:r>
-            <a:endParaRPr lang="en-US" dirty="0"/>
           </a:p>
         </p:txBody>
       </p:sp>
@@ -9326,7 +8570,7 @@
           <a:p>
             <a:fld id="{E98E3CD5-59C7-5D4B-94B5-AABB2E99B94E}" type="datetimeFigureOut">
               <a:rPr lang="en-US" smtClean="0"/>
-              <a:t>9/2/2021</a:t>
+              <a:t>1/12/22</a:t>
             </a:fld>
             <a:endParaRPr lang="en-US"/>
           </a:p>
@@ -9421,7 +8665,7 @@
           <a:p>
             <a:fld id="{E98E3CD5-59C7-5D4B-94B5-AABB2E99B94E}" type="datetimeFigureOut">
               <a:rPr lang="en-US" smtClean="0"/>
-              <a:t>9/2/2021</a:t>
+              <a:t>1/12/22</a:t>
             </a:fld>
             <a:endParaRPr lang="en-US"/>
           </a:p>
@@ -9527,7 +8771,6 @@
               <a:rPr lang="en-US"/>
               <a:t>Click to edit Master title style</a:t>
             </a:r>
-            <a:endParaRPr lang="en-US" dirty="0"/>
           </a:p>
         </p:txBody>
       </p:sp>
@@ -9612,7 +8855,6 @@
               <a:rPr lang="en-US"/>
               <a:t>Fifth level</a:t>
             </a:r>
-            <a:endParaRPr lang="en-US" dirty="0"/>
           </a:p>
         </p:txBody>
       </p:sp>
@@ -9698,7 +8940,7 @@
           <a:p>
             <a:fld id="{E98E3CD5-59C7-5D4B-94B5-AABB2E99B94E}" type="datetimeFigureOut">
               <a:rPr lang="en-US" smtClean="0"/>
-              <a:t>9/2/2021</a:t>
+              <a:t>1/12/22</a:t>
             </a:fld>
             <a:endParaRPr lang="en-US"/>
           </a:p>
@@ -9804,7 +9046,6 @@
               <a:rPr lang="en-US"/>
               <a:t>Click to edit Master title style</a:t>
             </a:r>
-            <a:endParaRPr lang="en-US" dirty="0"/>
           </a:p>
         </p:txBody>
       </p:sp>
@@ -9869,7 +9110,6 @@
               <a:rPr lang="en-US"/>
               <a:t>Click icon to add picture</a:t>
             </a:r>
-            <a:endParaRPr lang="en-US" dirty="0"/>
           </a:p>
         </p:txBody>
       </p:sp>
@@ -9955,7 +9195,7 @@
           <a:p>
             <a:fld id="{E98E3CD5-59C7-5D4B-94B5-AABB2E99B94E}" type="datetimeFigureOut">
               <a:rPr lang="en-US" smtClean="0"/>
-              <a:t>9/2/2021</a:t>
+              <a:t>1/12/22</a:t>
             </a:fld>
             <a:endParaRPr lang="en-US"/>
           </a:p>
@@ -10052,7 +9292,6 @@
               <a:rPr lang="en-US"/>
               <a:t>Click to edit Master title style</a:t>
             </a:r>
-            <a:endParaRPr lang="en-US" dirty="0"/>
           </a:p>
         </p:txBody>
       </p:sp>
@@ -10104,7 +9343,6 @@
               <a:rPr lang="en-US"/>
               <a:t>Fifth level</a:t>
             </a:r>
-            <a:endParaRPr lang="en-US" dirty="0"/>
           </a:p>
         </p:txBody>
       </p:sp>
@@ -10125,7 +9363,7 @@
           <a:p>
             <a:fld id="{E98E3CD5-59C7-5D4B-94B5-AABB2E99B94E}" type="datetimeFigureOut">
               <a:rPr lang="en-US" smtClean="0"/>
-              <a:t>9/2/2021</a:t>
+              <a:t>1/12/22</a:t>
             </a:fld>
             <a:endParaRPr lang="en-US"/>
           </a:p>
@@ -10227,7 +9465,6 @@
               <a:rPr lang="en-US"/>
               <a:t>Click to edit Master title style</a:t>
             </a:r>
-            <a:endParaRPr lang="en-US" dirty="0"/>
           </a:p>
         </p:txBody>
       </p:sp>
@@ -10284,7 +9521,6 @@
               <a:rPr lang="en-US"/>
               <a:t>Fifth level</a:t>
             </a:r>
-            <a:endParaRPr lang="en-US" dirty="0"/>
           </a:p>
         </p:txBody>
       </p:sp>
@@ -10305,7 +9541,7 @@
           <a:p>
             <a:fld id="{E98E3CD5-59C7-5D4B-94B5-AABB2E99B94E}" type="datetimeFigureOut">
               <a:rPr lang="en-US" smtClean="0"/>
-              <a:t>9/2/2021</a:t>
+              <a:t>1/12/22</a:t>
             </a:fld>
             <a:endParaRPr lang="en-US"/>
           </a:p>
@@ -10428,22 +9664,22 @@
           </a:lstStyle>
           <a:p>
             <a:r>
-              <a:rPr lang="en-US" dirty="0"/>
+              <a:rPr lang="en-US"/>
               <a:t>Title </a:t>
             </a:r>
             <a:r>
-              <a:rPr lang="en-US" dirty="0" err="1"/>
+              <a:rPr lang="en-US" err="1"/>
               <a:t>Acumin</a:t>
             </a:r>
             <a:r>
-              <a:rPr lang="en-US" dirty="0"/>
+              <a:rPr lang="en-US"/>
               <a:t> Pro Extra Cond Bold Italic 36 </a:t>
             </a:r>
             <a:r>
-              <a:rPr lang="en-US" dirty="0" err="1"/>
+              <a:rPr lang="en-US" err="1"/>
               <a:t>pt</a:t>
             </a:r>
-            <a:endParaRPr lang="en-US" dirty="0"/>
+            <a:endParaRPr lang="en-US"/>
           </a:p>
         </p:txBody>
       </p:sp>
@@ -10513,22 +9749,22 @@
           </a:lstStyle>
           <a:p>
             <a:r>
-              <a:rPr lang="en-US" dirty="0"/>
+              <a:rPr lang="en-US"/>
               <a:t>Subhead </a:t>
             </a:r>
             <a:r>
-              <a:rPr lang="en-US" dirty="0" err="1"/>
+              <a:rPr lang="en-US" err="1"/>
               <a:t>Acumin</a:t>
             </a:r>
             <a:r>
-              <a:rPr lang="en-US" dirty="0"/>
+              <a:rPr lang="en-US"/>
               <a:t> Pro Semi Cond Bold 22 </a:t>
             </a:r>
             <a:r>
-              <a:rPr lang="en-US" dirty="0" err="1"/>
+              <a:rPr lang="en-US" err="1"/>
               <a:t>pt</a:t>
             </a:r>
-            <a:endParaRPr lang="en-US" dirty="0"/>
+            <a:endParaRPr lang="en-US"/>
           </a:p>
         </p:txBody>
       </p:sp>
@@ -10585,40 +9821,40 @@
           <a:p>
             <a:pPr lvl="0"/>
             <a:r>
-              <a:rPr lang="en-US" dirty="0"/>
+              <a:rPr lang="en-US"/>
               <a:t>Bulleted copy. </a:t>
             </a:r>
             <a:r>
-              <a:rPr lang="en-US" dirty="0" err="1"/>
+              <a:rPr lang="en-US" err="1"/>
               <a:t>Acumin</a:t>
             </a:r>
             <a:r>
-              <a:rPr lang="en-US" dirty="0"/>
+              <a:rPr lang="en-US"/>
               <a:t> Pro Reg 18 pt. Keep it short with bite-size chunks of information.</a:t>
             </a:r>
           </a:p>
           <a:p>
             <a:pPr lvl="0"/>
-            <a:endParaRPr lang="en-US" dirty="0"/>
+            <a:endParaRPr lang="en-US"/>
           </a:p>
           <a:p>
             <a:pPr lvl="0"/>
             <a:r>
-              <a:rPr lang="en-US" dirty="0"/>
+              <a:rPr lang="en-US"/>
               <a:t>Bulleted copy. </a:t>
             </a:r>
             <a:r>
-              <a:rPr lang="en-US" dirty="0" err="1"/>
+              <a:rPr lang="en-US" err="1"/>
               <a:t>Acumin</a:t>
             </a:r>
             <a:r>
-              <a:rPr lang="en-US" dirty="0"/>
+              <a:rPr lang="en-US"/>
               <a:t> Pro Reg 18 pt. Keep it short with bite-size chunks of information.</a:t>
             </a:r>
           </a:p>
           <a:p>
             <a:pPr lvl="0"/>
-            <a:endParaRPr lang="en-US" dirty="0"/>
+            <a:endParaRPr lang="en-US"/>
           </a:p>
           <a:p>
             <a:pPr marL="226808" marR="0" lvl="0" indent="-226808" algn="l" defTabSz="378013" rtl="0" eaLnBrk="1" fontAlgn="auto" latinLnBrk="0" hangingPunct="1">
@@ -10639,25 +9875,25 @@
               <a:defRPr/>
             </a:pPr>
             <a:r>
-              <a:rPr lang="en-US" dirty="0"/>
+              <a:rPr lang="en-US"/>
               <a:t>Bulleted copy. </a:t>
             </a:r>
             <a:r>
-              <a:rPr lang="en-US" dirty="0" err="1"/>
+              <a:rPr lang="en-US" err="1"/>
               <a:t>Acumin</a:t>
             </a:r>
             <a:r>
-              <a:rPr lang="en-US" dirty="0"/>
+              <a:rPr lang="en-US"/>
               <a:t> Pro Reg 18 pt. Keep it short with bite-size chunks of information.</a:t>
             </a:r>
           </a:p>
           <a:p>
             <a:pPr lvl="0"/>
-            <a:endParaRPr lang="en-US" dirty="0"/>
+            <a:endParaRPr lang="en-US"/>
           </a:p>
           <a:p>
             <a:pPr lvl="0"/>
-            <a:endParaRPr lang="en-US" dirty="0"/>
+            <a:endParaRPr lang="en-US"/>
           </a:p>
         </p:txBody>
       </p:sp>
@@ -10706,7 +9942,7 @@
           <a:p>
             <a:pPr lvl="0"/>
             <a:r>
-              <a:rPr lang="en-US" dirty="0"/>
+              <a:rPr lang="en-US"/>
               <a:t>Insert picture or chart here</a:t>
             </a:r>
           </a:p>
@@ -10755,9 +9991,9 @@
             <a:fld id="{E0C8DACD-4E35-4E4C-AC75-C3DE50F04E7E}" type="datetime1">
               <a:rPr lang="en-US" smtClean="0"/>
               <a:pPr/>
-              <a:t>9/2/2021</a:t>
+              <a:t>1/12/22</a:t>
             </a:fld>
-            <a:endParaRPr lang="en-US" dirty="0"/>
+            <a:endParaRPr lang="en-US"/>
           </a:p>
         </p:txBody>
       </p:sp>
@@ -10807,7 +10043,7 @@
               <a:pPr/>
               <a:t>‹#›</a:t>
             </a:fld>
-            <a:endParaRPr lang="en-US" dirty="0"/>
+            <a:endParaRPr lang="en-US"/>
           </a:p>
         </p:txBody>
       </p:sp>
@@ -13087,7 +12323,6 @@
               <a:rPr lang="en-US"/>
               <a:t>Click to edit Master title style</a:t>
             </a:r>
-            <a:endParaRPr lang="en-US" dirty="0"/>
           </a:p>
         </p:txBody>
       </p:sp>
@@ -13149,7 +12384,6 @@
               <a:rPr lang="en-US"/>
               <a:t>Fifth level</a:t>
             </a:r>
-            <a:endParaRPr lang="en-US" dirty="0"/>
           </a:p>
         </p:txBody>
       </p:sp>
@@ -13188,7 +12422,7 @@
           <a:p>
             <a:fld id="{E98E3CD5-59C7-5D4B-94B5-AABB2E99B94E}" type="datetimeFigureOut">
               <a:rPr lang="en-US" smtClean="0"/>
-              <a:t>9/2/2021</a:t>
+              <a:t>1/12/22</a:t>
             </a:fld>
             <a:endParaRPr lang="en-US"/>
           </a:p>
@@ -14076,8 +13310,8 @@
           <a:lstStyle/>
           <a:p>
             <a:r>
-              <a:rPr lang="en-US" dirty="0"/>
-              <a:t>Fall 2021</a:t>
+              <a:rPr lang="en-US"/>
+              <a:t>Spring 2022</a:t>
             </a:r>
           </a:p>
           <a:p>
@@ -14087,7 +13321,7 @@
               </a:lnSpc>
             </a:pPr>
             <a:r>
-              <a:rPr lang="en-GB" altLang="en-US" sz="4000" dirty="0"/>
+              <a:rPr lang="en-GB" altLang="en-US" sz="4000"/>
               <a:t>Sherif Khattab</a:t>
             </a:r>
           </a:p>
@@ -14098,7 +13332,7 @@
               </a:lnSpc>
             </a:pPr>
             <a:r>
-              <a:rPr lang="en-GB" altLang="en-US" dirty="0"/>
+              <a:rPr lang="en-GB" altLang="en-US"/>
               <a:t>ksm73@pitt.edu</a:t>
             </a:r>
           </a:p>
@@ -14382,7 +13616,7 @@
           <a:lstStyle/>
           <a:p>
             <a:r>
-              <a:rPr lang="en-US" sz="3638" dirty="0" err="1">
+              <a:rPr lang="en-US" sz="3638" err="1">
                 <a:solidFill>
                   <a:srgbClr val="7030A0"/>
                 </a:solidFill>
@@ -14390,7 +13624,7 @@
               <a:t>CourseMIRROR</a:t>
             </a:r>
             <a:r>
-              <a:rPr lang="en-US" sz="3638" dirty="0">
+              <a:rPr lang="en-US" sz="3638">
                 <a:solidFill>
                   <a:srgbClr val="7030A0"/>
                 </a:solidFill>
@@ -14461,9 +13695,9 @@
                 <a:buClrTx/>
                 <a:buSzTx/>
               </a:pPr>
-              <a:t>9/2/2021</a:t>
+              <a:t>1/12/22</a:t>
             </a:fld>
-            <a:endParaRPr lang="en-US" dirty="0">
+            <a:endParaRPr lang="en-US">
               <a:solidFill>
                 <a:prstClr val="white">
                   <a:alpha val="70000"/>
@@ -14530,7 +13764,7 @@
               </a:pPr>
               <a:t>10</a:t>
             </a:fld>
-            <a:endParaRPr lang="en-US" dirty="0">
+            <a:endParaRPr lang="en-US">
               <a:solidFill>
                 <a:prstClr val="white"/>
               </a:solidFill>
@@ -14789,7 +14023,7 @@
               <a:buChar char="•"/>
             </a:pPr>
             <a:r>
-              <a:rPr lang="en-US" sz="2150" b="0" dirty="0">
+              <a:rPr lang="en-US" sz="2150" b="0">
                 <a:solidFill>
                   <a:prstClr val="black"/>
                 </a:solidFill>
@@ -14816,7 +14050,7 @@
               <a:buChar char="•"/>
             </a:pPr>
             <a:r>
-              <a:rPr lang="en-US" sz="2150" b="0" dirty="0">
+              <a:rPr lang="en-US" sz="2150" b="0">
                 <a:solidFill>
                   <a:prstClr val="black"/>
                 </a:solidFill>
@@ -14843,7 +14077,7 @@
               <a:buChar char="•"/>
             </a:pPr>
             <a:r>
-              <a:rPr lang="en-US" sz="2150" b="0" dirty="0">
+              <a:rPr lang="en-US" sz="2150" b="0">
                 <a:solidFill>
                   <a:prstClr val="black"/>
                 </a:solidFill>
@@ -14851,7 +14085,7 @@
               <a:t>You will receive </a:t>
             </a:r>
             <a:r>
-              <a:rPr lang="en-US" sz="2150" dirty="0">
+              <a:rPr lang="en-US" sz="2150">
                 <a:solidFill>
                   <a:srgbClr val="FF0000"/>
                 </a:solidFill>
@@ -14859,7 +14093,7 @@
               <a:t>1%</a:t>
             </a:r>
             <a:r>
-              <a:rPr lang="en-US" sz="2150" b="0" dirty="0">
+              <a:rPr lang="en-US" sz="2150" b="0">
                 <a:solidFill>
                   <a:prstClr val="black"/>
                 </a:solidFill>
@@ -14867,14 +14101,14 @@
               <a:t> points of extra credit for your participation </a:t>
             </a:r>
             <a:r>
-              <a:rPr lang="en-US" sz="1819" b="0" dirty="0">
+              <a:rPr lang="en-US" sz="1819" b="0">
                 <a:solidFill>
                   <a:srgbClr val="ED7D31"/>
                 </a:solidFill>
               </a:rPr>
               <a:t>when the response rate is 60% or more.</a:t>
             </a:r>
-            <a:endParaRPr lang="en-US" sz="2150" b="0" dirty="0">
+            <a:endParaRPr lang="en-US" sz="2150" b="0">
               <a:solidFill>
                 <a:prstClr val="black"/>
               </a:solidFill>
@@ -14899,7 +14133,7 @@
               <a:buChar char="•"/>
             </a:pPr>
             <a:r>
-              <a:rPr lang="en-US" sz="2150" b="0" dirty="0">
+              <a:rPr lang="en-US" sz="2150" b="0">
                 <a:solidFill>
                   <a:prstClr val="black"/>
                 </a:solidFill>
@@ -14907,7 +14141,7 @@
               <a:t>If you have an iOS device (iPhone or iPad), please go to Apple App Store and search for “</a:t>
             </a:r>
             <a:r>
-              <a:rPr lang="en-US" sz="2150" b="0" dirty="0" err="1">
+              <a:rPr lang="en-US" sz="2150" b="0" err="1">
                 <a:solidFill>
                   <a:prstClr val="black"/>
                 </a:solidFill>
@@ -14915,7 +14149,7 @@
               <a:t>CourseMIRROR</a:t>
             </a:r>
             <a:r>
-              <a:rPr lang="en-US" sz="2150" b="0" dirty="0">
+              <a:rPr lang="en-US" sz="2150" b="0">
                 <a:solidFill>
                   <a:prstClr val="black"/>
                 </a:solidFill>
@@ -14942,7 +14176,7 @@
               <a:buChar char="•"/>
             </a:pPr>
             <a:r>
-              <a:rPr lang="en-US" sz="2150" b="0" dirty="0">
+              <a:rPr lang="en-US" sz="2150" b="0">
                 <a:solidFill>
                   <a:prstClr val="black"/>
                 </a:solidFill>
@@ -14969,7 +14203,7 @@
               <a:buChar char="•"/>
             </a:pPr>
             <a:r>
-              <a:rPr lang="en-US" sz="2150" b="0" dirty="0">
+              <a:rPr lang="en-US" sz="2150" b="0">
                 <a:solidFill>
                   <a:prstClr val="black"/>
                 </a:solidFill>
@@ -14977,7 +14211,7 @@
               <a:t>After creating an account, you need to go to your email to confirm your account. (</a:t>
             </a:r>
             <a:r>
-              <a:rPr lang="en-US" sz="2150" b="0" i="1" dirty="0">
+              <a:rPr lang="en-US" sz="2150" b="0" i="1">
                 <a:solidFill>
                   <a:prstClr val="black"/>
                 </a:solidFill>
@@ -14985,7 +14219,7 @@
               <a:t>If you do not receive a confirmation email, please check your spam folder(s) too</a:t>
             </a:r>
             <a:r>
-              <a:rPr lang="en-US" sz="2150" b="0" dirty="0">
+              <a:rPr lang="en-US" sz="2150" b="0">
                 <a:solidFill>
                   <a:prstClr val="black"/>
                 </a:solidFill>
@@ -15011,7 +14245,7 @@
               <a:buFont typeface="Arial" panose="020B0604020202020204" pitchFamily="34" charset="0"/>
               <a:buChar char="•"/>
             </a:pPr>
-            <a:endParaRPr lang="en-US" sz="1984" b="0" dirty="0">
+            <a:endParaRPr lang="en-US" sz="1984" b="0">
               <a:solidFill>
                 <a:srgbClr val="0000FF"/>
               </a:solidFill>
@@ -15033,7 +14267,7 @@
               </a:buClr>
               <a:buSzTx/>
             </a:pPr>
-            <a:endParaRPr lang="en-US" sz="1984" dirty="0">
+            <a:endParaRPr lang="en-US" sz="1984">
               <a:solidFill>
                 <a:srgbClr val="ED7D31"/>
               </a:solidFill>
@@ -15057,7 +14291,7 @@
               <a:buFont typeface="Arial" panose="020B0604020202020204" pitchFamily="34" charset="0"/>
               <a:buChar char="•"/>
             </a:pPr>
-            <a:endParaRPr lang="en-US" sz="1984" dirty="0">
+            <a:endParaRPr lang="en-US" sz="1984">
               <a:solidFill>
                 <a:srgbClr val="ED7D31"/>
               </a:solidFill>
@@ -15223,7 +14457,7 @@
               </a:pPr>
               <a:t>10</a:t>
             </a:fld>
-            <a:endParaRPr lang="en-US" sz="827" dirty="0">
+            <a:endParaRPr lang="en-US" sz="827">
               <a:solidFill>
                 <a:prstClr val="white"/>
               </a:solidFill>
@@ -15563,7 +14797,7 @@
           <a:lstStyle/>
           <a:p>
             <a:r>
-              <a:rPr lang="en-US" sz="3638" dirty="0" err="1">
+              <a:rPr lang="en-US" sz="3638" err="1">
                 <a:solidFill>
                   <a:srgbClr val="7030A0"/>
                 </a:solidFill>
@@ -15571,7 +14805,7 @@
               <a:t>CourseMIRROR</a:t>
             </a:r>
             <a:r>
-              <a:rPr lang="en-US" sz="3638" dirty="0">
+              <a:rPr lang="en-US" sz="3638">
                 <a:solidFill>
                   <a:srgbClr val="7030A0"/>
                 </a:solidFill>
@@ -15642,9 +14876,9 @@
                 <a:buClrTx/>
                 <a:buSzTx/>
               </a:pPr>
-              <a:t>9/2/2021</a:t>
+              <a:t>1/12/22</a:t>
             </a:fld>
-            <a:endParaRPr lang="en-US" dirty="0">
+            <a:endParaRPr lang="en-US">
               <a:solidFill>
                 <a:prstClr val="white">
                   <a:alpha val="70000"/>
@@ -15711,7 +14945,7 @@
               </a:pPr>
               <a:t>11</a:t>
             </a:fld>
-            <a:endParaRPr lang="en-US" dirty="0">
+            <a:endParaRPr lang="en-US">
               <a:solidFill>
                 <a:prstClr val="white"/>
               </a:solidFill>
@@ -15970,23 +15204,23 @@
               <a:buChar char="•"/>
             </a:pPr>
             <a:r>
-              <a:rPr lang="en-US" sz="2315" b="0" dirty="0">
+              <a:rPr lang="en-US" sz="2315" b="0">
                 <a:solidFill>
                   <a:prstClr val="black"/>
                 </a:solidFill>
               </a:rPr>
-              <a:t>You will need a passcode to find our course within the CourseMIRROR app. Passcode for your class </a:t>
-            </a:r>
-            <a:r>
-              <a:rPr lang="en-US" sz="2315" dirty="0" err="1">
+              <a:t>You will need a passcode to find our course within the CourseMIRROR app. Passcode for your class is </a:t>
+            </a:r>
+            <a:r>
+              <a:rPr lang="en-US" sz="2315" err="1">
                 <a:solidFill>
                   <a:srgbClr val="0000FF"/>
                 </a:solidFill>
               </a:rPr>
-              <a:t>hdihcq</a:t>
-            </a:r>
-            <a:r>
-              <a:rPr lang="en-US" sz="2315" dirty="0">
+              <a:t>tnxinh</a:t>
+            </a:r>
+            <a:r>
+              <a:rPr lang="en-US" sz="2315">
                 <a:solidFill>
                   <a:srgbClr val="0000FF"/>
                 </a:solidFill>
@@ -15994,52 +15228,12 @@
               <a:t> </a:t>
             </a:r>
             <a:r>
-              <a:rPr lang="en-US" sz="2315" b="0" dirty="0">
+              <a:rPr lang="en-US" sz="2315" b="0">
                 <a:solidFill>
                   <a:prstClr val="black"/>
                 </a:solidFill>
               </a:rPr>
-              <a:t>(all lower case)</a:t>
-            </a:r>
-            <a:r>
-              <a:rPr lang="en-US" sz="2315" dirty="0">
-                <a:solidFill>
-                  <a:srgbClr val="0000FF"/>
-                </a:solidFill>
-              </a:rPr>
-              <a:t> </a:t>
-            </a:r>
-            <a:r>
-              <a:rPr lang="en-US" sz="2315" b="0" dirty="0">
-                <a:solidFill>
-                  <a:prstClr val="black"/>
-                </a:solidFill>
-              </a:rPr>
-              <a:t>and for the MW 3:00 pm section is </a:t>
-            </a:r>
-            <a:r>
-              <a:rPr lang="en-US" sz="2315" dirty="0" err="1">
-                <a:solidFill>
-                  <a:srgbClr val="0000FF"/>
-                </a:solidFill>
-              </a:rPr>
-              <a:t>tyunqf</a:t>
-            </a:r>
-            <a:r>
-              <a:rPr lang="en-US" sz="2315" dirty="0">
-                <a:solidFill>
-                  <a:srgbClr val="0000FF"/>
-                </a:solidFill>
-              </a:rPr>
-              <a:t>. </a:t>
-            </a:r>
-            <a:r>
-              <a:rPr lang="en-US" sz="2315" b="0" dirty="0">
-                <a:solidFill>
-                  <a:prstClr val="black"/>
-                </a:solidFill>
-              </a:rPr>
-              <a:t>(all lower case). </a:t>
+              <a:t>(all lower case).</a:t>
             </a:r>
           </a:p>
           <a:p>
@@ -16061,7 +15255,7 @@
               <a:buChar char="•"/>
             </a:pPr>
             <a:r>
-              <a:rPr lang="en-US" sz="2315" b="0" dirty="0">
+              <a:rPr lang="en-US" sz="2315" b="0">
                 <a:solidFill>
                   <a:prstClr val="black"/>
                 </a:solidFill>
@@ -16069,7 +15263,7 @@
               <a:t>Please watch the tutorial videos regarding how to install and use the app via </a:t>
             </a:r>
             <a:r>
-              <a:rPr lang="en-US" sz="2315" b="0" dirty="0">
+              <a:rPr lang="en-US" sz="2315" b="0">
                 <a:solidFill>
                   <a:prstClr val="black"/>
                 </a:solidFill>
@@ -16078,7 +15272,7 @@
               <a:t>https://www.youtube.com/channel/UC-DzfOmeS1l5fBDLL2qwYzQ</a:t>
             </a:r>
             <a:r>
-              <a:rPr lang="en-US" sz="2315" b="0" dirty="0">
+              <a:rPr lang="en-US" sz="2315" b="0">
                 <a:solidFill>
                   <a:prstClr val="black"/>
                 </a:solidFill>
@@ -16105,7 +15299,7 @@
               <a:buChar char="•"/>
             </a:pPr>
             <a:r>
-              <a:rPr lang="en-US" sz="2315" b="0" dirty="0">
+              <a:rPr lang="en-US" sz="2315" b="0">
                 <a:solidFill>
                   <a:prstClr val="black"/>
                 </a:solidFill>
@@ -16113,7 +15307,7 @@
               <a:t>If you have any trouble with the app, you may send an email to </a:t>
             </a:r>
             <a:r>
-              <a:rPr lang="en-US" sz="2315" b="0" dirty="0">
+              <a:rPr lang="en-US" sz="2315" b="0">
                 <a:solidFill>
                   <a:prstClr val="black"/>
                 </a:solidFill>
@@ -16121,7 +15315,7 @@
               </a:rPr>
               <a:t>coursemirror.development@gmail.com</a:t>
             </a:r>
-            <a:endParaRPr lang="en-US" sz="2315" b="0" dirty="0">
+            <a:endParaRPr lang="en-US" sz="2315" b="0">
               <a:solidFill>
                 <a:prstClr val="black"/>
               </a:solidFill>
@@ -16145,7 +15339,7 @@
               <a:buFont typeface="Arial" panose="020B0604020202020204" pitchFamily="34" charset="0"/>
               <a:buChar char="•"/>
             </a:pPr>
-            <a:endParaRPr lang="en-US" sz="2315" b="0" dirty="0">
+            <a:endParaRPr lang="en-US" sz="2315" b="0">
               <a:solidFill>
                 <a:prstClr val="black"/>
               </a:solidFill>
@@ -16169,7 +15363,7 @@
               <a:buFont typeface="Arial" panose="020B0604020202020204" pitchFamily="34" charset="0"/>
               <a:buChar char="•"/>
             </a:pPr>
-            <a:endParaRPr lang="en-US" sz="2646" b="0" dirty="0">
+            <a:endParaRPr lang="en-US" sz="2646" b="0">
               <a:solidFill>
                 <a:prstClr val="black"/>
               </a:solidFill>
@@ -16193,7 +15387,7 @@
               <a:buFont typeface="Arial" panose="020B0604020202020204" pitchFamily="34" charset="0"/>
               <a:buChar char="•"/>
             </a:pPr>
-            <a:endParaRPr lang="en-US" sz="2646" b="0" dirty="0">
+            <a:endParaRPr lang="en-US" sz="2646" b="0">
               <a:solidFill>
                 <a:prstClr val="black"/>
               </a:solidFill>
@@ -16217,7 +15411,7 @@
               <a:buFont typeface="Arial" panose="020B0604020202020204" pitchFamily="34" charset="0"/>
               <a:buChar char="•"/>
             </a:pPr>
-            <a:endParaRPr lang="en-US" sz="2646" b="0" dirty="0">
+            <a:endParaRPr lang="en-US" sz="2646" b="0">
               <a:solidFill>
                 <a:prstClr val="black"/>
               </a:solidFill>
@@ -16239,7 +15433,7 @@
               </a:buClr>
               <a:buSzTx/>
             </a:pPr>
-            <a:endParaRPr lang="en-US" sz="2315" b="0" dirty="0">
+            <a:endParaRPr lang="en-US" sz="2315" b="0">
               <a:solidFill>
                 <a:prstClr val="black"/>
               </a:solidFill>
@@ -16263,7 +15457,7 @@
               <a:buFont typeface="Arial" panose="020B0604020202020204" pitchFamily="34" charset="0"/>
               <a:buChar char="•"/>
             </a:pPr>
-            <a:endParaRPr lang="en-US" sz="1984" b="0" dirty="0">
+            <a:endParaRPr lang="en-US" sz="1984" b="0">
               <a:solidFill>
                 <a:srgbClr val="0000FF"/>
               </a:solidFill>
@@ -16285,7 +15479,7 @@
               </a:buClr>
               <a:buSzTx/>
             </a:pPr>
-            <a:endParaRPr lang="en-US" sz="1984" dirty="0">
+            <a:endParaRPr lang="en-US" sz="1984">
               <a:solidFill>
                 <a:srgbClr val="ED7D31"/>
               </a:solidFill>
@@ -16309,7 +15503,7 @@
               <a:buFont typeface="Arial" panose="020B0604020202020204" pitchFamily="34" charset="0"/>
               <a:buChar char="•"/>
             </a:pPr>
-            <a:endParaRPr lang="en-US" sz="1984" dirty="0">
+            <a:endParaRPr lang="en-US" sz="1984">
               <a:solidFill>
                 <a:srgbClr val="ED7D31"/>
               </a:solidFill>
@@ -16475,7 +15669,7 @@
               </a:pPr>
               <a:t>11</a:t>
             </a:fld>
-            <a:endParaRPr lang="en-US" sz="827" dirty="0">
+            <a:endParaRPr lang="en-US" sz="827">
               <a:solidFill>
                 <a:prstClr val="white"/>
               </a:solidFill>
@@ -16487,3937 +15681,6 @@
     <p:extLst>
       <p:ext uri="{BB962C8B-B14F-4D97-AF65-F5344CB8AC3E}">
         <p14:creationId xmlns:p14="http://schemas.microsoft.com/office/powerpoint/2010/main" val="3413618448"/>
-      </p:ext>
-    </p:extLst>
-  </p:cSld>
-  <p:clrMapOvr>
-    <a:masterClrMapping/>
-  </p:clrMapOvr>
-</p:sld>
-</file>
-
-<file path=ppt/slides/slide12.xml><?xml version="1.0" encoding="utf-8"?>
-<p:sld xmlns:a="http://schemas.openxmlformats.org/drawingml/2006/main" xmlns:r="http://schemas.openxmlformats.org/officeDocument/2006/relationships" xmlns:p="http://schemas.openxmlformats.org/presentationml/2006/main">
-  <p:cSld>
-    <p:spTree>
-      <p:nvGrpSpPr>
-        <p:cNvPr id="1" name="Shape 106"/>
-        <p:cNvGrpSpPr/>
-        <p:nvPr/>
-      </p:nvGrpSpPr>
-      <p:grpSpPr>
-        <a:xfrm>
-          <a:off x="0" y="0"/>
-          <a:ext cx="0" cy="0"/>
-          <a:chOff x="0" y="0"/>
-          <a:chExt cx="0" cy="0"/>
-        </a:xfrm>
-      </p:grpSpPr>
-      <p:sp>
-        <p:nvSpPr>
-          <p:cNvPr id="108" name="Google Shape;108;p18"/>
-          <p:cNvSpPr txBox="1">
-            <a:spLocks noGrp="1"/>
-          </p:cNvSpPr>
-          <p:nvPr>
-            <p:ph type="title"/>
-          </p:nvPr>
-        </p:nvSpPr>
-        <p:spPr>
-          <a:prstGeom prst="rect">
-            <a:avLst/>
-          </a:prstGeom>
-        </p:spPr>
-        <p:txBody>
-          <a:bodyPr spcFirstLastPara="1" wrap="square" lIns="100779" tIns="100779" rIns="100779" bIns="100779" anchor="b" anchorCtr="0">
-            <a:noAutofit/>
-          </a:bodyPr>
-          <a:lstStyle/>
-          <a:p>
-            <a:r>
-              <a:rPr lang="en" sz="3600"/>
-              <a:t>How to determine an algorithm’s performance</a:t>
-            </a:r>
-            <a:endParaRPr sz="3600"/>
-          </a:p>
-        </p:txBody>
-      </p:sp>
-      <p:sp>
-        <p:nvSpPr>
-          <p:cNvPr id="107" name="Google Shape;107;p18"/>
-          <p:cNvSpPr txBox="1">
-            <a:spLocks noGrp="1"/>
-          </p:cNvSpPr>
-          <p:nvPr>
-            <p:ph idx="1"/>
-          </p:nvPr>
-        </p:nvSpPr>
-        <p:spPr>
-          <a:prstGeom prst="rect">
-            <a:avLst/>
-          </a:prstGeom>
-        </p:spPr>
-        <p:txBody>
-          <a:bodyPr spcFirstLastPara="1" wrap="square" lIns="100779" tIns="100779" rIns="100779" bIns="100779" anchor="t" anchorCtr="0">
-            <a:noAutofit/>
-          </a:bodyPr>
-          <a:lstStyle/>
-          <a:p>
-            <a:pPr marL="457200" indent="-457200">
-              <a:lnSpc>
-                <a:spcPct val="200000"/>
-              </a:lnSpc>
-              <a:buFont typeface="Arial" panose="020B0604020202020204" pitchFamily="34" charset="0"/>
-              <a:buChar char="•"/>
-            </a:pPr>
-            <a:r>
-              <a:rPr lang="en">
-                <a:solidFill>
-                  <a:srgbClr val="002B5E"/>
-                </a:solidFill>
-              </a:rPr>
-              <a:t>Implement it and measure performance</a:t>
-            </a:r>
-            <a:endParaRPr>
-              <a:solidFill>
-                <a:srgbClr val="002B5E"/>
-              </a:solidFill>
-            </a:endParaRPr>
-          </a:p>
-          <a:p>
-            <a:pPr marL="914400" lvl="1" indent="-457200">
-              <a:lnSpc>
-                <a:spcPct val="200000"/>
-              </a:lnSpc>
-              <a:buFont typeface="Arial" panose="020B0604020202020204" pitchFamily="34" charset="0"/>
-              <a:buChar char="•"/>
-            </a:pPr>
-            <a:r>
-              <a:rPr lang="en">
-                <a:solidFill>
-                  <a:srgbClr val="002B5E"/>
-                </a:solidFill>
-              </a:rPr>
-              <a:t>Any problems with this approach?</a:t>
-            </a:r>
-            <a:endParaRPr>
-              <a:solidFill>
-                <a:srgbClr val="002B5E"/>
-              </a:solidFill>
-            </a:endParaRPr>
-          </a:p>
-          <a:p>
-            <a:pPr marL="457200" indent="-457200">
-              <a:lnSpc>
-                <a:spcPct val="200000"/>
-              </a:lnSpc>
-              <a:buFont typeface="Arial" panose="020B0604020202020204" pitchFamily="34" charset="0"/>
-              <a:buChar char="•"/>
-            </a:pPr>
-            <a:r>
-              <a:rPr lang="en">
-                <a:solidFill>
-                  <a:srgbClr val="002B5E"/>
-                </a:solidFill>
-              </a:rPr>
-              <a:t>Algorithm Analysis</a:t>
-            </a:r>
-            <a:endParaRPr/>
-          </a:p>
-          <a:p>
-            <a:pPr marL="914400" lvl="1" indent="-457200">
-              <a:lnSpc>
-                <a:spcPct val="200000"/>
-              </a:lnSpc>
-              <a:buFont typeface="Arial" panose="020B0604020202020204" pitchFamily="34" charset="0"/>
-              <a:buChar char="•"/>
-            </a:pPr>
-            <a:r>
-              <a:rPr lang="en">
-                <a:solidFill>
-                  <a:srgbClr val="002B5E"/>
-                </a:solidFill>
-              </a:rPr>
-              <a:t>Determine </a:t>
-            </a:r>
-            <a:r>
-              <a:rPr lang="en" i="1">
-                <a:solidFill>
-                  <a:srgbClr val="002B5E"/>
-                </a:solidFill>
-              </a:rPr>
-              <a:t>resource usage</a:t>
-            </a:r>
-            <a:r>
-              <a:rPr lang="en">
-                <a:solidFill>
-                  <a:srgbClr val="002B5E"/>
-                </a:solidFill>
-              </a:rPr>
-              <a:t> as a function of </a:t>
-            </a:r>
-            <a:r>
-              <a:rPr lang="en" i="1">
-                <a:solidFill>
-                  <a:srgbClr val="002B5E"/>
-                </a:solidFill>
-              </a:rPr>
-              <a:t>input size</a:t>
-            </a:r>
-            <a:endParaRPr i="1">
-              <a:solidFill>
-                <a:srgbClr val="002B5E"/>
-              </a:solidFill>
-            </a:endParaRPr>
-          </a:p>
-          <a:p>
-            <a:pPr marL="914400" lvl="1" indent="-457200">
-              <a:lnSpc>
-                <a:spcPct val="200000"/>
-              </a:lnSpc>
-              <a:buFont typeface="Arial" panose="020B0604020202020204" pitchFamily="34" charset="0"/>
-              <a:buChar char="•"/>
-            </a:pPr>
-            <a:r>
-              <a:rPr lang="en">
-                <a:solidFill>
-                  <a:srgbClr val="002B5E"/>
-                </a:solidFill>
-              </a:rPr>
-              <a:t>Measure </a:t>
-            </a:r>
-            <a:r>
-              <a:rPr lang="en" i="1">
-                <a:solidFill>
-                  <a:srgbClr val="002B5E"/>
-                </a:solidFill>
-              </a:rPr>
-              <a:t>asymptotic</a:t>
-            </a:r>
-            <a:r>
-              <a:rPr lang="en">
-                <a:solidFill>
-                  <a:srgbClr val="002B5E"/>
-                </a:solidFill>
-              </a:rPr>
-              <a:t> performance</a:t>
-            </a:r>
-            <a:endParaRPr>
-              <a:solidFill>
-                <a:srgbClr val="002B5E"/>
-              </a:solidFill>
-            </a:endParaRPr>
-          </a:p>
-          <a:p>
-            <a:pPr marL="1257300" lvl="2" indent="-342900">
-              <a:lnSpc>
-                <a:spcPct val="200000"/>
-              </a:lnSpc>
-              <a:buFont typeface="Arial" panose="020B0604020202020204" pitchFamily="34" charset="0"/>
-              <a:buChar char="•"/>
-            </a:pPr>
-            <a:r>
-              <a:rPr lang="en">
-                <a:solidFill>
-                  <a:srgbClr val="002B5E"/>
-                </a:solidFill>
-              </a:rPr>
-              <a:t>Performance as input size increases to infinity</a:t>
-            </a:r>
-            <a:endParaRPr>
-              <a:solidFill>
-                <a:srgbClr val="002B5E"/>
-              </a:solidFill>
-            </a:endParaRPr>
-          </a:p>
-        </p:txBody>
-      </p:sp>
-      <p:sp>
-        <p:nvSpPr>
-          <p:cNvPr id="109" name="Google Shape;109;p18"/>
-          <p:cNvSpPr txBox="1">
-            <a:spLocks noGrp="1"/>
-          </p:cNvSpPr>
-          <p:nvPr>
-            <p:ph type="sldNum" idx="12"/>
-          </p:nvPr>
-        </p:nvSpPr>
-        <p:spPr>
-          <a:prstGeom prst="rect">
-            <a:avLst/>
-          </a:prstGeom>
-        </p:spPr>
-        <p:txBody>
-          <a:bodyPr spcFirstLastPara="1" wrap="square" lIns="100779" tIns="100779" rIns="100779" bIns="100779" anchor="ctr" anchorCtr="0">
-            <a:noAutofit/>
-          </a:bodyPr>
-          <a:lstStyle/>
-          <a:p>
-            <a:pPr defTabSz="1007943" fontAlgn="auto" hangingPunct="1">
-              <a:lnSpc>
-                <a:spcPct val="100000"/>
-              </a:lnSpc>
-              <a:spcBef>
-                <a:spcPts val="0"/>
-              </a:spcBef>
-              <a:spcAft>
-                <a:spcPts val="0"/>
-              </a:spcAft>
-              <a:buSzTx/>
-            </a:pPr>
-            <a:fld id="{00000000-1234-1234-1234-123412341234}" type="slidenum">
-              <a:rPr lang="en" kern="0"/>
-              <a:pPr defTabSz="1007943" fontAlgn="auto" hangingPunct="1">
-                <a:lnSpc>
-                  <a:spcPct val="100000"/>
-                </a:lnSpc>
-                <a:spcBef>
-                  <a:spcPts val="0"/>
-                </a:spcBef>
-                <a:spcAft>
-                  <a:spcPts val="0"/>
-                </a:spcAft>
-                <a:buSzTx/>
-              </a:pPr>
-              <a:t>12</a:t>
-            </a:fld>
-            <a:endParaRPr kern="0"/>
-          </a:p>
-        </p:txBody>
-      </p:sp>
-      <p:sp>
-        <p:nvSpPr>
-          <p:cNvPr id="3" name="Footer Placeholder 2">
-            <a:extLst>
-              <a:ext uri="{FF2B5EF4-FFF2-40B4-BE49-F238E27FC236}">
-                <a16:creationId xmlns:a16="http://schemas.microsoft.com/office/drawing/2014/main" id="{E2DC9275-797F-A84D-90BF-46EB74CC9184}"/>
-              </a:ext>
-            </a:extLst>
-          </p:cNvPr>
-          <p:cNvSpPr>
-            <a:spLocks noGrp="1"/>
-          </p:cNvSpPr>
-          <p:nvPr>
-            <p:ph type="ftr" idx="11"/>
-          </p:nvPr>
-        </p:nvSpPr>
-        <p:spPr/>
-        <p:txBody>
-          <a:bodyPr/>
-          <a:lstStyle/>
-          <a:p>
-            <a:pPr>
-              <a:defRPr/>
-            </a:pPr>
-            <a:r>
-              <a:rPr lang="en-US">
-                <a:latin typeface="+mn-lt"/>
-              </a:rPr>
-              <a:t>CS 1501 – Algorithm Implementation – Sherif Khattab</a:t>
-            </a:r>
-            <a:endParaRPr lang="en-GB"/>
-          </a:p>
-        </p:txBody>
-      </p:sp>
-    </p:spTree>
-    <p:extLst>
-      <p:ext uri="{BB962C8B-B14F-4D97-AF65-F5344CB8AC3E}">
-        <p14:creationId xmlns:p14="http://schemas.microsoft.com/office/powerpoint/2010/main" val="2800745135"/>
-      </p:ext>
-    </p:extLst>
-  </p:cSld>
-  <p:clrMapOvr>
-    <a:masterClrMapping/>
-  </p:clrMapOvr>
-  <p:timing>
-    <p:tnLst>
-      <p:par>
-        <p:cTn id="1" dur="indefinite" restart="never" nodeType="tmRoot">
-          <p:childTnLst>
-            <p:seq concurrent="1" nextAc="seek">
-              <p:cTn id="2" dur="indefinite" nodeType="mainSeq">
-                <p:childTnLst>
-                  <p:par>
-                    <p:cTn id="3" fill="hold">
-                      <p:stCondLst>
-                        <p:cond delay="indefinite"/>
-                      </p:stCondLst>
-                      <p:childTnLst>
-                        <p:par>
-                          <p:cTn id="4" fill="hold">
-                            <p:stCondLst>
-                              <p:cond delay="0"/>
-                            </p:stCondLst>
-                            <p:childTnLst>
-                              <p:par>
-                                <p:cTn id="5" presetID="10" presetClass="entr" presetSubtype="0" fill="hold" nodeType="clickEffect">
-                                  <p:stCondLst>
-                                    <p:cond delay="0"/>
-                                  </p:stCondLst>
-                                  <p:childTnLst>
-                                    <p:set>
-                                      <p:cBhvr>
-                                        <p:cTn id="6" dur="1" fill="hold">
-                                          <p:stCondLst>
-                                            <p:cond delay="0"/>
-                                          </p:stCondLst>
-                                        </p:cTn>
-                                        <p:tgtEl>
-                                          <p:spTgt spid="107">
-                                            <p:txEl>
-                                              <p:pRg st="0" end="0"/>
-                                            </p:txEl>
-                                          </p:spTgt>
-                                        </p:tgtEl>
-                                        <p:attrNameLst>
-                                          <p:attrName>style.visibility</p:attrName>
-                                        </p:attrNameLst>
-                                      </p:cBhvr>
-                                      <p:to>
-                                        <p:strVal val="visible"/>
-                                      </p:to>
-                                    </p:set>
-                                    <p:animEffect transition="in" filter="fade">
-                                      <p:cBhvr>
-                                        <p:cTn id="7" dur="100"/>
-                                        <p:tgtEl>
-                                          <p:spTgt spid="107">
-                                            <p:txEl>
-                                              <p:pRg st="0" end="0"/>
-                                            </p:txEl>
-                                          </p:spTgt>
-                                        </p:tgtEl>
-                                      </p:cBhvr>
-                                    </p:animEffect>
-                                  </p:childTnLst>
-                                </p:cTn>
-                              </p:par>
-                            </p:childTnLst>
-                          </p:cTn>
-                        </p:par>
-                      </p:childTnLst>
-                    </p:cTn>
-                  </p:par>
-                  <p:par>
-                    <p:cTn id="8" fill="hold">
-                      <p:stCondLst>
-                        <p:cond delay="indefinite"/>
-                      </p:stCondLst>
-                      <p:childTnLst>
-                        <p:par>
-                          <p:cTn id="9" fill="hold">
-                            <p:stCondLst>
-                              <p:cond delay="0"/>
-                            </p:stCondLst>
-                            <p:childTnLst>
-                              <p:par>
-                                <p:cTn id="10" presetID="10" presetClass="entr" presetSubtype="0" fill="hold" nodeType="clickEffect">
-                                  <p:stCondLst>
-                                    <p:cond delay="0"/>
-                                  </p:stCondLst>
-                                  <p:childTnLst>
-                                    <p:set>
-                                      <p:cBhvr>
-                                        <p:cTn id="11" dur="1" fill="hold">
-                                          <p:stCondLst>
-                                            <p:cond delay="0"/>
-                                          </p:stCondLst>
-                                        </p:cTn>
-                                        <p:tgtEl>
-                                          <p:spTgt spid="107">
-                                            <p:txEl>
-                                              <p:pRg st="1" end="1"/>
-                                            </p:txEl>
-                                          </p:spTgt>
-                                        </p:tgtEl>
-                                        <p:attrNameLst>
-                                          <p:attrName>style.visibility</p:attrName>
-                                        </p:attrNameLst>
-                                      </p:cBhvr>
-                                      <p:to>
-                                        <p:strVal val="visible"/>
-                                      </p:to>
-                                    </p:set>
-                                    <p:animEffect transition="in" filter="fade">
-                                      <p:cBhvr>
-                                        <p:cTn id="12" dur="100"/>
-                                        <p:tgtEl>
-                                          <p:spTgt spid="107">
-                                            <p:txEl>
-                                              <p:pRg st="1" end="1"/>
-                                            </p:txEl>
-                                          </p:spTgt>
-                                        </p:tgtEl>
-                                      </p:cBhvr>
-                                    </p:animEffect>
-                                  </p:childTnLst>
-                                </p:cTn>
-                              </p:par>
-                            </p:childTnLst>
-                          </p:cTn>
-                        </p:par>
-                      </p:childTnLst>
-                    </p:cTn>
-                  </p:par>
-                  <p:par>
-                    <p:cTn id="13" fill="hold">
-                      <p:stCondLst>
-                        <p:cond delay="indefinite"/>
-                      </p:stCondLst>
-                      <p:childTnLst>
-                        <p:par>
-                          <p:cTn id="14" fill="hold">
-                            <p:stCondLst>
-                              <p:cond delay="0"/>
-                            </p:stCondLst>
-                            <p:childTnLst>
-                              <p:par>
-                                <p:cTn id="15" presetID="10" presetClass="entr" presetSubtype="0" fill="hold" nodeType="clickEffect">
-                                  <p:stCondLst>
-                                    <p:cond delay="0"/>
-                                  </p:stCondLst>
-                                  <p:childTnLst>
-                                    <p:set>
-                                      <p:cBhvr>
-                                        <p:cTn id="16" dur="1" fill="hold">
-                                          <p:stCondLst>
-                                            <p:cond delay="0"/>
-                                          </p:stCondLst>
-                                        </p:cTn>
-                                        <p:tgtEl>
-                                          <p:spTgt spid="107">
-                                            <p:txEl>
-                                              <p:pRg st="2" end="2"/>
-                                            </p:txEl>
-                                          </p:spTgt>
-                                        </p:tgtEl>
-                                        <p:attrNameLst>
-                                          <p:attrName>style.visibility</p:attrName>
-                                        </p:attrNameLst>
-                                      </p:cBhvr>
-                                      <p:to>
-                                        <p:strVal val="visible"/>
-                                      </p:to>
-                                    </p:set>
-                                    <p:animEffect transition="in" filter="fade">
-                                      <p:cBhvr>
-                                        <p:cTn id="17" dur="100"/>
-                                        <p:tgtEl>
-                                          <p:spTgt spid="107">
-                                            <p:txEl>
-                                              <p:pRg st="2" end="2"/>
-                                            </p:txEl>
-                                          </p:spTgt>
-                                        </p:tgtEl>
-                                      </p:cBhvr>
-                                    </p:animEffect>
-                                  </p:childTnLst>
-                                </p:cTn>
-                              </p:par>
-                            </p:childTnLst>
-                          </p:cTn>
-                        </p:par>
-                      </p:childTnLst>
-                    </p:cTn>
-                  </p:par>
-                  <p:par>
-                    <p:cTn id="18" fill="hold">
-                      <p:stCondLst>
-                        <p:cond delay="indefinite"/>
-                      </p:stCondLst>
-                      <p:childTnLst>
-                        <p:par>
-                          <p:cTn id="19" fill="hold">
-                            <p:stCondLst>
-                              <p:cond delay="0"/>
-                            </p:stCondLst>
-                            <p:childTnLst>
-                              <p:par>
-                                <p:cTn id="20" presetID="10" presetClass="entr" presetSubtype="0" fill="hold" nodeType="clickEffect">
-                                  <p:stCondLst>
-                                    <p:cond delay="0"/>
-                                  </p:stCondLst>
-                                  <p:childTnLst>
-                                    <p:set>
-                                      <p:cBhvr>
-                                        <p:cTn id="21" dur="1" fill="hold">
-                                          <p:stCondLst>
-                                            <p:cond delay="0"/>
-                                          </p:stCondLst>
-                                        </p:cTn>
-                                        <p:tgtEl>
-                                          <p:spTgt spid="107">
-                                            <p:txEl>
-                                              <p:pRg st="3" end="3"/>
-                                            </p:txEl>
-                                          </p:spTgt>
-                                        </p:tgtEl>
-                                        <p:attrNameLst>
-                                          <p:attrName>style.visibility</p:attrName>
-                                        </p:attrNameLst>
-                                      </p:cBhvr>
-                                      <p:to>
-                                        <p:strVal val="visible"/>
-                                      </p:to>
-                                    </p:set>
-                                    <p:animEffect transition="in" filter="fade">
-                                      <p:cBhvr>
-                                        <p:cTn id="22" dur="100"/>
-                                        <p:tgtEl>
-                                          <p:spTgt spid="107">
-                                            <p:txEl>
-                                              <p:pRg st="3" end="3"/>
-                                            </p:txEl>
-                                          </p:spTgt>
-                                        </p:tgtEl>
-                                      </p:cBhvr>
-                                    </p:animEffect>
-                                  </p:childTnLst>
-                                </p:cTn>
-                              </p:par>
-                            </p:childTnLst>
-                          </p:cTn>
-                        </p:par>
-                      </p:childTnLst>
-                    </p:cTn>
-                  </p:par>
-                  <p:par>
-                    <p:cTn id="23" fill="hold">
-                      <p:stCondLst>
-                        <p:cond delay="indefinite"/>
-                      </p:stCondLst>
-                      <p:childTnLst>
-                        <p:par>
-                          <p:cTn id="24" fill="hold">
-                            <p:stCondLst>
-                              <p:cond delay="0"/>
-                            </p:stCondLst>
-                            <p:childTnLst>
-                              <p:par>
-                                <p:cTn id="25" presetID="10" presetClass="entr" presetSubtype="0" fill="hold" nodeType="clickEffect">
-                                  <p:stCondLst>
-                                    <p:cond delay="0"/>
-                                  </p:stCondLst>
-                                  <p:childTnLst>
-                                    <p:set>
-                                      <p:cBhvr>
-                                        <p:cTn id="26" dur="1" fill="hold">
-                                          <p:stCondLst>
-                                            <p:cond delay="0"/>
-                                          </p:stCondLst>
-                                        </p:cTn>
-                                        <p:tgtEl>
-                                          <p:spTgt spid="107">
-                                            <p:txEl>
-                                              <p:pRg st="4" end="4"/>
-                                            </p:txEl>
-                                          </p:spTgt>
-                                        </p:tgtEl>
-                                        <p:attrNameLst>
-                                          <p:attrName>style.visibility</p:attrName>
-                                        </p:attrNameLst>
-                                      </p:cBhvr>
-                                      <p:to>
-                                        <p:strVal val="visible"/>
-                                      </p:to>
-                                    </p:set>
-                                    <p:animEffect transition="in" filter="fade">
-                                      <p:cBhvr>
-                                        <p:cTn id="27" dur="100"/>
-                                        <p:tgtEl>
-                                          <p:spTgt spid="107">
-                                            <p:txEl>
-                                              <p:pRg st="4" end="4"/>
-                                            </p:txEl>
-                                          </p:spTgt>
-                                        </p:tgtEl>
-                                      </p:cBhvr>
-                                    </p:animEffect>
-                                  </p:childTnLst>
-                                </p:cTn>
-                              </p:par>
-                            </p:childTnLst>
-                          </p:cTn>
-                        </p:par>
-                      </p:childTnLst>
-                    </p:cTn>
-                  </p:par>
-                  <p:par>
-                    <p:cTn id="28" fill="hold">
-                      <p:stCondLst>
-                        <p:cond delay="indefinite"/>
-                      </p:stCondLst>
-                      <p:childTnLst>
-                        <p:par>
-                          <p:cTn id="29" fill="hold">
-                            <p:stCondLst>
-                              <p:cond delay="0"/>
-                            </p:stCondLst>
-                            <p:childTnLst>
-                              <p:par>
-                                <p:cTn id="30" presetID="10" presetClass="entr" presetSubtype="0" fill="hold" nodeType="clickEffect">
-                                  <p:stCondLst>
-                                    <p:cond delay="0"/>
-                                  </p:stCondLst>
-                                  <p:childTnLst>
-                                    <p:set>
-                                      <p:cBhvr>
-                                        <p:cTn id="31" dur="1" fill="hold">
-                                          <p:stCondLst>
-                                            <p:cond delay="0"/>
-                                          </p:stCondLst>
-                                        </p:cTn>
-                                        <p:tgtEl>
-                                          <p:spTgt spid="107">
-                                            <p:txEl>
-                                              <p:pRg st="5" end="5"/>
-                                            </p:txEl>
-                                          </p:spTgt>
-                                        </p:tgtEl>
-                                        <p:attrNameLst>
-                                          <p:attrName>style.visibility</p:attrName>
-                                        </p:attrNameLst>
-                                      </p:cBhvr>
-                                      <p:to>
-                                        <p:strVal val="visible"/>
-                                      </p:to>
-                                    </p:set>
-                                    <p:animEffect transition="in" filter="fade">
-                                      <p:cBhvr>
-                                        <p:cTn id="32" dur="100"/>
-                                        <p:tgtEl>
-                                          <p:spTgt spid="107">
-                                            <p:txEl>
-                                              <p:pRg st="5" end="5"/>
-                                            </p:txEl>
-                                          </p:spTgt>
-                                        </p:tgtEl>
-                                      </p:cBhvr>
-                                    </p:animEffect>
-                                  </p:childTnLst>
-                                </p:cTn>
-                              </p:par>
-                            </p:childTnLst>
-                          </p:cTn>
-                        </p:par>
-                      </p:childTnLst>
-                    </p:cTn>
-                  </p:par>
-                </p:childTnLst>
-              </p:cTn>
-              <p:prevCondLst>
-                <p:cond evt="onPrev" delay="0">
-                  <p:tgtEl>
-                    <p:sldTgt/>
-                  </p:tgtEl>
-                </p:cond>
-              </p:prevCondLst>
-              <p:nextCondLst>
-                <p:cond evt="onNext" delay="0">
-                  <p:tgtEl>
-                    <p:sldTgt/>
-                  </p:tgtEl>
-                </p:cond>
-              </p:nextCondLst>
-            </p:seq>
-          </p:childTnLst>
-        </p:cTn>
-      </p:par>
-    </p:tnLst>
-  </p:timing>
-</p:sld>
-</file>
-
-<file path=ppt/slides/slide13.xml><?xml version="1.0" encoding="utf-8"?>
-<p:sld xmlns:a="http://schemas.openxmlformats.org/drawingml/2006/main" xmlns:r="http://schemas.openxmlformats.org/officeDocument/2006/relationships" xmlns:p="http://schemas.openxmlformats.org/presentationml/2006/main">
-  <p:cSld>
-    <p:spTree>
-      <p:nvGrpSpPr>
-        <p:cNvPr id="1" name="Shape 208"/>
-        <p:cNvGrpSpPr/>
-        <p:nvPr/>
-      </p:nvGrpSpPr>
-      <p:grpSpPr>
-        <a:xfrm>
-          <a:off x="0" y="0"/>
-          <a:ext cx="0" cy="0"/>
-          <a:chOff x="0" y="0"/>
-          <a:chExt cx="0" cy="0"/>
-        </a:xfrm>
-      </p:grpSpPr>
-      <p:sp>
-        <p:nvSpPr>
-          <p:cNvPr id="209" name="Google Shape;209;p29"/>
-          <p:cNvSpPr txBox="1">
-            <a:spLocks noGrp="1"/>
-          </p:cNvSpPr>
-          <p:nvPr>
-            <p:ph type="title"/>
-          </p:nvPr>
-        </p:nvSpPr>
-        <p:spPr>
-          <a:prstGeom prst="rect">
-            <a:avLst/>
-          </a:prstGeom>
-        </p:spPr>
-        <p:txBody>
-          <a:bodyPr spcFirstLastPara="1" wrap="square" lIns="100779" tIns="100779" rIns="100779" bIns="100779" anchor="b" anchorCtr="0">
-            <a:noAutofit/>
-          </a:bodyPr>
-          <a:lstStyle/>
-          <a:p>
-            <a:r>
-              <a:rPr lang="en-US"/>
-              <a:t>Asymptotic performance</a:t>
-            </a:r>
-            <a:endParaRPr/>
-          </a:p>
-        </p:txBody>
-      </p:sp>
-      <p:sp>
-        <p:nvSpPr>
-          <p:cNvPr id="2" name="Content Placeholder 1">
-            <a:extLst>
-              <a:ext uri="{FF2B5EF4-FFF2-40B4-BE49-F238E27FC236}">
-                <a16:creationId xmlns:a16="http://schemas.microsoft.com/office/drawing/2014/main" id="{0DA9A52E-504C-6D48-90B5-0799538BCAEC}"/>
-              </a:ext>
-            </a:extLst>
-          </p:cNvPr>
-          <p:cNvSpPr>
-            <a:spLocks noGrp="1"/>
-          </p:cNvSpPr>
-          <p:nvPr>
-            <p:ph idx="1"/>
-          </p:nvPr>
-        </p:nvSpPr>
-        <p:spPr/>
-        <p:txBody>
-          <a:bodyPr/>
-          <a:lstStyle/>
-          <a:p>
-            <a:pPr marL="0" indent="0">
-              <a:buNone/>
-            </a:pPr>
-            <a:r>
-              <a:rPr lang="en-US"/>
-              <a:t>Focus more on the </a:t>
-            </a:r>
-            <a:r>
-              <a:rPr lang="en-US" b="1" u="sng"/>
-              <a:t>rate of growth </a:t>
-            </a:r>
-            <a:r>
-              <a:rPr lang="en-US"/>
-              <a:t>than on exact values</a:t>
-            </a:r>
-          </a:p>
-          <a:p>
-            <a:pPr lvl="1"/>
-            <a:r>
-              <a:rPr lang="en-US"/>
-              <a:t>How fast the function increases when the input increases</a:t>
-            </a:r>
-          </a:p>
-          <a:p>
-            <a:endParaRPr lang="en-US"/>
-          </a:p>
-        </p:txBody>
-      </p:sp>
-      <p:sp>
-        <p:nvSpPr>
-          <p:cNvPr id="213" name="Google Shape;213;p29"/>
-          <p:cNvSpPr txBox="1">
-            <a:spLocks noGrp="1"/>
-          </p:cNvSpPr>
-          <p:nvPr>
-            <p:ph type="sldNum" idx="12"/>
-          </p:nvPr>
-        </p:nvSpPr>
-        <p:spPr>
-          <a:prstGeom prst="rect">
-            <a:avLst/>
-          </a:prstGeom>
-        </p:spPr>
-        <p:txBody>
-          <a:bodyPr spcFirstLastPara="1" wrap="square" lIns="100779" tIns="100779" rIns="100779" bIns="100779" anchor="ctr" anchorCtr="0">
-            <a:noAutofit/>
-          </a:bodyPr>
-          <a:lstStyle/>
-          <a:p>
-            <a:pPr defTabSz="1007943" fontAlgn="auto" hangingPunct="1">
-              <a:lnSpc>
-                <a:spcPct val="100000"/>
-              </a:lnSpc>
-              <a:spcBef>
-                <a:spcPts val="0"/>
-              </a:spcBef>
-              <a:spcAft>
-                <a:spcPts val="0"/>
-              </a:spcAft>
-              <a:buSzTx/>
-            </a:pPr>
-            <a:fld id="{00000000-1234-1234-1234-123412341234}" type="slidenum">
-              <a:rPr lang="en" kern="0"/>
-              <a:pPr defTabSz="1007943" fontAlgn="auto" hangingPunct="1">
-                <a:lnSpc>
-                  <a:spcPct val="100000"/>
-                </a:lnSpc>
-                <a:spcBef>
-                  <a:spcPts val="0"/>
-                </a:spcBef>
-                <a:spcAft>
-                  <a:spcPts val="0"/>
-                </a:spcAft>
-                <a:buSzTx/>
-              </a:pPr>
-              <a:t>13</a:t>
-            </a:fld>
-            <a:endParaRPr kern="0"/>
-          </a:p>
-        </p:txBody>
-      </p:sp>
-      <p:pic>
-        <p:nvPicPr>
-          <p:cNvPr id="210" name="Google Shape;210;p29" descr="orders2.png"/>
-          <p:cNvPicPr preferRelativeResize="0"/>
-          <p:nvPr/>
-        </p:nvPicPr>
-        <p:blipFill>
-          <a:blip r:embed="rId3">
-            <a:alphaModFix/>
-          </a:blip>
-          <a:stretch>
-            <a:fillRect/>
-          </a:stretch>
-        </p:blipFill>
-        <p:spPr>
-          <a:xfrm>
-            <a:off x="1588053" y="1916260"/>
-            <a:ext cx="7189518" cy="5392138"/>
-          </a:xfrm>
-          <a:prstGeom prst="rect">
-            <a:avLst/>
-          </a:prstGeom>
-          <a:noFill/>
-          <a:ln w="19050" cap="flat" cmpd="sng">
-            <a:solidFill>
-              <a:schemeClr val="dk2"/>
-            </a:solidFill>
-            <a:prstDash val="solid"/>
-            <a:round/>
-            <a:headEnd type="none" w="sm" len="sm"/>
-            <a:tailEnd type="none" w="sm" len="sm"/>
-          </a:ln>
-        </p:spPr>
-      </p:pic>
-      <p:pic>
-        <p:nvPicPr>
-          <p:cNvPr id="211" name="Google Shape;211;p29" descr="orders3.png"/>
-          <p:cNvPicPr preferRelativeResize="0"/>
-          <p:nvPr/>
-        </p:nvPicPr>
-        <p:blipFill>
-          <a:blip r:embed="rId4">
-            <a:alphaModFix/>
-          </a:blip>
-          <a:stretch>
-            <a:fillRect/>
-          </a:stretch>
-        </p:blipFill>
-        <p:spPr>
-          <a:xfrm>
-            <a:off x="1588053" y="1934175"/>
-            <a:ext cx="7189518" cy="5392138"/>
-          </a:xfrm>
-          <a:prstGeom prst="rect">
-            <a:avLst/>
-          </a:prstGeom>
-          <a:noFill/>
-          <a:ln w="19050" cap="flat" cmpd="sng">
-            <a:solidFill>
-              <a:schemeClr val="dk2"/>
-            </a:solidFill>
-            <a:prstDash val="solid"/>
-            <a:round/>
-            <a:headEnd type="none" w="sm" len="sm"/>
-            <a:tailEnd type="none" w="sm" len="sm"/>
-          </a:ln>
-        </p:spPr>
-      </p:pic>
-      <p:pic>
-        <p:nvPicPr>
-          <p:cNvPr id="212" name="Google Shape;212;p29" descr="orders4.png"/>
-          <p:cNvPicPr preferRelativeResize="0"/>
-          <p:nvPr/>
-        </p:nvPicPr>
-        <p:blipFill>
-          <a:blip r:embed="rId5">
-            <a:alphaModFix/>
-          </a:blip>
-          <a:stretch>
-            <a:fillRect/>
-          </a:stretch>
-        </p:blipFill>
-        <p:spPr>
-          <a:xfrm>
-            <a:off x="1588053" y="1940525"/>
-            <a:ext cx="7189518" cy="5392138"/>
-          </a:xfrm>
-          <a:prstGeom prst="rect">
-            <a:avLst/>
-          </a:prstGeom>
-          <a:noFill/>
-          <a:ln w="19050" cap="flat" cmpd="sng">
-            <a:solidFill>
-              <a:schemeClr val="dk2"/>
-            </a:solidFill>
-            <a:prstDash val="solid"/>
-            <a:round/>
-            <a:headEnd type="none" w="sm" len="sm"/>
-            <a:tailEnd type="none" w="sm" len="sm"/>
-          </a:ln>
-        </p:spPr>
-      </p:pic>
-      <p:sp>
-        <p:nvSpPr>
-          <p:cNvPr id="4" name="Footer Placeholder 3">
-            <a:extLst>
-              <a:ext uri="{FF2B5EF4-FFF2-40B4-BE49-F238E27FC236}">
-                <a16:creationId xmlns:a16="http://schemas.microsoft.com/office/drawing/2014/main" id="{E41F2C5F-322F-5F4B-822F-B1C1EE87789A}"/>
-              </a:ext>
-            </a:extLst>
-          </p:cNvPr>
-          <p:cNvSpPr>
-            <a:spLocks noGrp="1"/>
-          </p:cNvSpPr>
-          <p:nvPr>
-            <p:ph type="ftr" idx="11"/>
-          </p:nvPr>
-        </p:nvSpPr>
-        <p:spPr/>
-        <p:txBody>
-          <a:bodyPr/>
-          <a:lstStyle/>
-          <a:p>
-            <a:pPr>
-              <a:defRPr/>
-            </a:pPr>
-            <a:r>
-              <a:rPr lang="en-US">
-                <a:latin typeface="+mn-lt"/>
-              </a:rPr>
-              <a:t>CS 1501 – Algorithm Implementation – Sherif Khattab</a:t>
-            </a:r>
-            <a:endParaRPr lang="en-GB"/>
-          </a:p>
-        </p:txBody>
-      </p:sp>
-    </p:spTree>
-    <p:extLst>
-      <p:ext uri="{BB962C8B-B14F-4D97-AF65-F5344CB8AC3E}">
-        <p14:creationId xmlns:p14="http://schemas.microsoft.com/office/powerpoint/2010/main" val="1210624034"/>
-      </p:ext>
-    </p:extLst>
-  </p:cSld>
-  <p:clrMapOvr>
-    <a:masterClrMapping/>
-  </p:clrMapOvr>
-  <p:timing>
-    <p:tnLst>
-      <p:par>
-        <p:cTn id="1" dur="indefinite" restart="never" nodeType="tmRoot">
-          <p:childTnLst>
-            <p:seq concurrent="1" nextAc="seek">
-              <p:cTn id="2" dur="indefinite" nodeType="mainSeq">
-                <p:childTnLst>
-                  <p:par>
-                    <p:cTn id="3" fill="hold">
-                      <p:stCondLst>
-                        <p:cond delay="indefinite"/>
-                      </p:stCondLst>
-                      <p:childTnLst>
-                        <p:par>
-                          <p:cTn id="4" fill="hold">
-                            <p:stCondLst>
-                              <p:cond delay="0"/>
-                            </p:stCondLst>
-                            <p:childTnLst>
-                              <p:par>
-                                <p:cTn id="5" presetID="1" presetClass="entr" presetSubtype="0" fill="hold" nodeType="clickEffect">
-                                  <p:stCondLst>
-                                    <p:cond delay="0"/>
-                                  </p:stCondLst>
-                                  <p:childTnLst>
-                                    <p:set>
-                                      <p:cBhvr>
-                                        <p:cTn id="6" dur="1" fill="hold">
-                                          <p:stCondLst>
-                                            <p:cond delay="0"/>
-                                          </p:stCondLst>
-                                        </p:cTn>
-                                        <p:tgtEl>
-                                          <p:spTgt spid="210"/>
-                                        </p:tgtEl>
-                                        <p:attrNameLst>
-                                          <p:attrName>style.visibility</p:attrName>
-                                        </p:attrNameLst>
-                                      </p:cBhvr>
-                                      <p:to>
-                                        <p:strVal val="visible"/>
-                                      </p:to>
-                                    </p:set>
-                                  </p:childTnLst>
-                                </p:cTn>
-                              </p:par>
-                            </p:childTnLst>
-                          </p:cTn>
-                        </p:par>
-                      </p:childTnLst>
-                    </p:cTn>
-                  </p:par>
-                  <p:par>
-                    <p:cTn id="7" fill="hold">
-                      <p:stCondLst>
-                        <p:cond delay="indefinite"/>
-                      </p:stCondLst>
-                      <p:childTnLst>
-                        <p:par>
-                          <p:cTn id="8" fill="hold">
-                            <p:stCondLst>
-                              <p:cond delay="0"/>
-                            </p:stCondLst>
-                            <p:childTnLst>
-                              <p:par>
-                                <p:cTn id="9" presetID="10" presetClass="entr" presetSubtype="0" fill="hold" nodeType="clickEffect">
-                                  <p:stCondLst>
-                                    <p:cond delay="0"/>
-                                  </p:stCondLst>
-                                  <p:childTnLst>
-                                    <p:set>
-                                      <p:cBhvr>
-                                        <p:cTn id="10" dur="1" fill="hold">
-                                          <p:stCondLst>
-                                            <p:cond delay="0"/>
-                                          </p:stCondLst>
-                                        </p:cTn>
-                                        <p:tgtEl>
-                                          <p:spTgt spid="211"/>
-                                        </p:tgtEl>
-                                        <p:attrNameLst>
-                                          <p:attrName>style.visibility</p:attrName>
-                                        </p:attrNameLst>
-                                      </p:cBhvr>
-                                      <p:to>
-                                        <p:strVal val="visible"/>
-                                      </p:to>
-                                    </p:set>
-                                    <p:animEffect transition="in" filter="fade">
-                                      <p:cBhvr>
-                                        <p:cTn id="11" dur="100"/>
-                                        <p:tgtEl>
-                                          <p:spTgt spid="211"/>
-                                        </p:tgtEl>
-                                      </p:cBhvr>
-                                    </p:animEffect>
-                                  </p:childTnLst>
-                                </p:cTn>
-                              </p:par>
-                            </p:childTnLst>
-                          </p:cTn>
-                        </p:par>
-                      </p:childTnLst>
-                    </p:cTn>
-                  </p:par>
-                  <p:par>
-                    <p:cTn id="12" fill="hold">
-                      <p:stCondLst>
-                        <p:cond delay="indefinite"/>
-                      </p:stCondLst>
-                      <p:childTnLst>
-                        <p:par>
-                          <p:cTn id="13" fill="hold">
-                            <p:stCondLst>
-                              <p:cond delay="0"/>
-                            </p:stCondLst>
-                            <p:childTnLst>
-                              <p:par>
-                                <p:cTn id="14" presetID="10" presetClass="entr" presetSubtype="0" fill="hold" nodeType="clickEffect">
-                                  <p:stCondLst>
-                                    <p:cond delay="0"/>
-                                  </p:stCondLst>
-                                  <p:childTnLst>
-                                    <p:set>
-                                      <p:cBhvr>
-                                        <p:cTn id="15" dur="1" fill="hold">
-                                          <p:stCondLst>
-                                            <p:cond delay="0"/>
-                                          </p:stCondLst>
-                                        </p:cTn>
-                                        <p:tgtEl>
-                                          <p:spTgt spid="212"/>
-                                        </p:tgtEl>
-                                        <p:attrNameLst>
-                                          <p:attrName>style.visibility</p:attrName>
-                                        </p:attrNameLst>
-                                      </p:cBhvr>
-                                      <p:to>
-                                        <p:strVal val="visible"/>
-                                      </p:to>
-                                    </p:set>
-                                    <p:animEffect transition="in" filter="fade">
-                                      <p:cBhvr>
-                                        <p:cTn id="16" dur="100"/>
-                                        <p:tgtEl>
-                                          <p:spTgt spid="212"/>
-                                        </p:tgtEl>
-                                      </p:cBhvr>
-                                    </p:animEffect>
-                                  </p:childTnLst>
-                                </p:cTn>
-                              </p:par>
-                            </p:childTnLst>
-                          </p:cTn>
-                        </p:par>
-                      </p:childTnLst>
-                    </p:cTn>
-                  </p:par>
-                </p:childTnLst>
-              </p:cTn>
-              <p:prevCondLst>
-                <p:cond evt="onPrev" delay="0">
-                  <p:tgtEl>
-                    <p:sldTgt/>
-                  </p:tgtEl>
-                </p:cond>
-              </p:prevCondLst>
-              <p:nextCondLst>
-                <p:cond evt="onNext" delay="0">
-                  <p:tgtEl>
-                    <p:sldTgt/>
-                  </p:tgtEl>
-                </p:cond>
-              </p:nextCondLst>
-            </p:seq>
-          </p:childTnLst>
-        </p:cTn>
-      </p:par>
-    </p:tnLst>
-  </p:timing>
-</p:sld>
-</file>
-
-<file path=ppt/slides/slide14.xml><?xml version="1.0" encoding="utf-8"?>
-<p:sld xmlns:a="http://schemas.openxmlformats.org/drawingml/2006/main" xmlns:r="http://schemas.openxmlformats.org/officeDocument/2006/relationships" xmlns:p="http://schemas.openxmlformats.org/presentationml/2006/main">
-  <p:cSld>
-    <p:spTree>
-      <p:nvGrpSpPr>
-        <p:cNvPr id="1" name="Shape 201"/>
-        <p:cNvGrpSpPr/>
-        <p:nvPr/>
-      </p:nvGrpSpPr>
-      <p:grpSpPr>
-        <a:xfrm>
-          <a:off x="0" y="0"/>
-          <a:ext cx="0" cy="0"/>
-          <a:chOff x="0" y="0"/>
-          <a:chExt cx="0" cy="0"/>
-        </a:xfrm>
-      </p:grpSpPr>
-      <p:sp>
-        <p:nvSpPr>
-          <p:cNvPr id="203" name="Google Shape;203;p28"/>
-          <p:cNvSpPr txBox="1">
-            <a:spLocks noGrp="1"/>
-          </p:cNvSpPr>
-          <p:nvPr>
-            <p:ph type="title"/>
-          </p:nvPr>
-        </p:nvSpPr>
-        <p:spPr>
-          <a:prstGeom prst="rect">
-            <a:avLst/>
-          </a:prstGeom>
-        </p:spPr>
-        <p:txBody>
-          <a:bodyPr spcFirstLastPara="1" wrap="square" lIns="100779" tIns="100779" rIns="100779" bIns="100779" anchor="b" anchorCtr="0">
-            <a:noAutofit/>
-          </a:bodyPr>
-          <a:lstStyle/>
-          <a:p>
-            <a:r>
-              <a:rPr lang="en"/>
-              <a:t>Common orders of growth</a:t>
-            </a:r>
-            <a:endParaRPr/>
-          </a:p>
-        </p:txBody>
-      </p:sp>
-      <p:sp>
-        <p:nvSpPr>
-          <p:cNvPr id="202" name="Google Shape;202;p28"/>
-          <p:cNvSpPr txBox="1">
-            <a:spLocks noGrp="1"/>
-          </p:cNvSpPr>
-          <p:nvPr>
-            <p:ph idx="1"/>
-          </p:nvPr>
-        </p:nvSpPr>
-        <p:spPr>
-          <a:prstGeom prst="rect">
-            <a:avLst/>
-          </a:prstGeom>
-        </p:spPr>
-        <p:txBody>
-          <a:bodyPr spcFirstLastPara="1" wrap="square" lIns="100779" tIns="100779" rIns="100779" bIns="100779" anchor="t" anchorCtr="0">
-            <a:normAutofit fontScale="70000" lnSpcReduction="20000"/>
-          </a:bodyPr>
-          <a:lstStyle/>
-          <a:p>
-            <a:pPr>
-              <a:lnSpc>
-                <a:spcPct val="200000"/>
-              </a:lnSpc>
-            </a:pPr>
-            <a:r>
-              <a:rPr lang="en"/>
-              <a:t>Constant - 1</a:t>
-            </a:r>
-            <a:endParaRPr/>
-          </a:p>
-          <a:p>
-            <a:pPr>
-              <a:lnSpc>
-                <a:spcPct val="200000"/>
-              </a:lnSpc>
-              <a:spcBef>
-                <a:spcPts val="0"/>
-              </a:spcBef>
-            </a:pPr>
-            <a:r>
-              <a:rPr lang="en"/>
-              <a:t>Logarithmic - log n</a:t>
-            </a:r>
-            <a:endParaRPr/>
-          </a:p>
-          <a:p>
-            <a:pPr>
-              <a:lnSpc>
-                <a:spcPct val="200000"/>
-              </a:lnSpc>
-              <a:spcBef>
-                <a:spcPts val="0"/>
-              </a:spcBef>
-            </a:pPr>
-            <a:r>
-              <a:rPr lang="en"/>
-              <a:t>Linear - n</a:t>
-            </a:r>
-            <a:endParaRPr/>
-          </a:p>
-          <a:p>
-            <a:pPr>
-              <a:lnSpc>
-                <a:spcPct val="200000"/>
-              </a:lnSpc>
-              <a:spcBef>
-                <a:spcPts val="0"/>
-              </a:spcBef>
-            </a:pPr>
-            <a:r>
-              <a:rPr lang="en" err="1"/>
-              <a:t>Linearithmic</a:t>
-            </a:r>
-            <a:r>
-              <a:rPr lang="en"/>
-              <a:t> - n log n</a:t>
-            </a:r>
-            <a:endParaRPr/>
-          </a:p>
-          <a:p>
-            <a:pPr>
-              <a:lnSpc>
-                <a:spcPct val="200000"/>
-              </a:lnSpc>
-              <a:spcBef>
-                <a:spcPts val="0"/>
-              </a:spcBef>
-            </a:pPr>
-            <a:r>
-              <a:rPr lang="en"/>
-              <a:t>Quadratic - n</a:t>
-            </a:r>
-            <a:r>
-              <a:rPr lang="en" baseline="30000"/>
-              <a:t>2</a:t>
-            </a:r>
-            <a:endParaRPr baseline="30000"/>
-          </a:p>
-          <a:p>
-            <a:pPr>
-              <a:lnSpc>
-                <a:spcPct val="200000"/>
-              </a:lnSpc>
-              <a:spcBef>
-                <a:spcPts val="0"/>
-              </a:spcBef>
-            </a:pPr>
-            <a:r>
-              <a:rPr lang="en"/>
-              <a:t>Cubic - n</a:t>
-            </a:r>
-            <a:r>
-              <a:rPr lang="en" baseline="30000"/>
-              <a:t>3</a:t>
-            </a:r>
-            <a:endParaRPr baseline="30000"/>
-          </a:p>
-          <a:p>
-            <a:pPr>
-              <a:lnSpc>
-                <a:spcPct val="200000"/>
-              </a:lnSpc>
-              <a:spcBef>
-                <a:spcPts val="0"/>
-              </a:spcBef>
-            </a:pPr>
-            <a:r>
-              <a:rPr lang="en"/>
-              <a:t>Exponential - 2</a:t>
-            </a:r>
-            <a:r>
-              <a:rPr lang="en" baseline="30000"/>
-              <a:t>n</a:t>
-            </a:r>
-            <a:endParaRPr baseline="30000"/>
-          </a:p>
-          <a:p>
-            <a:pPr>
-              <a:lnSpc>
-                <a:spcPct val="200000"/>
-              </a:lnSpc>
-              <a:spcBef>
-                <a:spcPts val="0"/>
-              </a:spcBef>
-            </a:pPr>
-            <a:r>
-              <a:rPr lang="en"/>
-              <a:t>Factorial - n!</a:t>
-            </a:r>
-            <a:endParaRPr/>
-          </a:p>
-        </p:txBody>
-      </p:sp>
-      <p:sp>
-        <p:nvSpPr>
-          <p:cNvPr id="204" name="Google Shape;204;p28"/>
-          <p:cNvSpPr txBox="1">
-            <a:spLocks noGrp="1"/>
-          </p:cNvSpPr>
-          <p:nvPr>
-            <p:ph type="sldNum" idx="12"/>
-          </p:nvPr>
-        </p:nvSpPr>
-        <p:spPr>
-          <a:prstGeom prst="rect">
-            <a:avLst/>
-          </a:prstGeom>
-        </p:spPr>
-        <p:txBody>
-          <a:bodyPr spcFirstLastPara="1" wrap="square" lIns="100779" tIns="100779" rIns="100779" bIns="100779" anchor="ctr" anchorCtr="0">
-            <a:noAutofit/>
-          </a:bodyPr>
-          <a:lstStyle/>
-          <a:p>
-            <a:pPr defTabSz="1007943" fontAlgn="auto" hangingPunct="1">
-              <a:lnSpc>
-                <a:spcPct val="100000"/>
-              </a:lnSpc>
-              <a:spcBef>
-                <a:spcPts val="0"/>
-              </a:spcBef>
-              <a:spcAft>
-                <a:spcPts val="0"/>
-              </a:spcAft>
-              <a:buSzTx/>
-            </a:pPr>
-            <a:fld id="{00000000-1234-1234-1234-123412341234}" type="slidenum">
-              <a:rPr lang="en" kern="0"/>
-              <a:pPr defTabSz="1007943" fontAlgn="auto" hangingPunct="1">
-                <a:lnSpc>
-                  <a:spcPct val="100000"/>
-                </a:lnSpc>
-                <a:spcBef>
-                  <a:spcPts val="0"/>
-                </a:spcBef>
-                <a:spcAft>
-                  <a:spcPts val="0"/>
-                </a:spcAft>
-                <a:buSzTx/>
-              </a:pPr>
-              <a:t>14</a:t>
-            </a:fld>
-            <a:endParaRPr kern="0"/>
-          </a:p>
-        </p:txBody>
-      </p:sp>
-      <p:sp>
-        <p:nvSpPr>
-          <p:cNvPr id="3" name="Footer Placeholder 2">
-            <a:extLst>
-              <a:ext uri="{FF2B5EF4-FFF2-40B4-BE49-F238E27FC236}">
-                <a16:creationId xmlns:a16="http://schemas.microsoft.com/office/drawing/2014/main" id="{C5F29660-E481-524C-908F-1D6B88F3947E}"/>
-              </a:ext>
-            </a:extLst>
-          </p:cNvPr>
-          <p:cNvSpPr>
-            <a:spLocks noGrp="1"/>
-          </p:cNvSpPr>
-          <p:nvPr>
-            <p:ph type="ftr" idx="11"/>
-          </p:nvPr>
-        </p:nvSpPr>
-        <p:spPr/>
-        <p:txBody>
-          <a:bodyPr/>
-          <a:lstStyle/>
-          <a:p>
-            <a:pPr>
-              <a:defRPr/>
-            </a:pPr>
-            <a:r>
-              <a:rPr lang="en-US">
-                <a:latin typeface="+mn-lt"/>
-              </a:rPr>
-              <a:t>CS 1501 – Algorithm Implementation – Sherif Khattab</a:t>
-            </a:r>
-            <a:endParaRPr lang="en-GB"/>
-          </a:p>
-        </p:txBody>
-      </p:sp>
-    </p:spTree>
-    <p:extLst>
-      <p:ext uri="{BB962C8B-B14F-4D97-AF65-F5344CB8AC3E}">
-        <p14:creationId xmlns:p14="http://schemas.microsoft.com/office/powerpoint/2010/main" val="1780042136"/>
-      </p:ext>
-    </p:extLst>
-  </p:cSld>
-  <p:clrMapOvr>
-    <a:masterClrMapping/>
-  </p:clrMapOvr>
-  <p:timing>
-    <p:tnLst>
-      <p:par>
-        <p:cTn id="1" dur="indefinite" restart="never" nodeType="tmRoot">
-          <p:childTnLst>
-            <p:seq concurrent="1" nextAc="seek">
-              <p:cTn id="2" dur="indefinite" nodeType="mainSeq">
-                <p:childTnLst>
-                  <p:par>
-                    <p:cTn id="3" fill="hold">
-                      <p:stCondLst>
-                        <p:cond delay="indefinite"/>
-                      </p:stCondLst>
-                      <p:childTnLst>
-                        <p:par>
-                          <p:cTn id="4" fill="hold">
-                            <p:stCondLst>
-                              <p:cond delay="0"/>
-                            </p:stCondLst>
-                            <p:childTnLst>
-                              <p:par>
-                                <p:cTn id="5" presetID="10" presetClass="entr" presetSubtype="0" fill="hold" nodeType="clickEffect">
-                                  <p:stCondLst>
-                                    <p:cond delay="0"/>
-                                  </p:stCondLst>
-                                  <p:childTnLst>
-                                    <p:set>
-                                      <p:cBhvr>
-                                        <p:cTn id="6" dur="1" fill="hold">
-                                          <p:stCondLst>
-                                            <p:cond delay="0"/>
-                                          </p:stCondLst>
-                                        </p:cTn>
-                                        <p:tgtEl>
-                                          <p:spTgt spid="202">
-                                            <p:txEl>
-                                              <p:pRg st="0" end="0"/>
-                                            </p:txEl>
-                                          </p:spTgt>
-                                        </p:tgtEl>
-                                        <p:attrNameLst>
-                                          <p:attrName>style.visibility</p:attrName>
-                                        </p:attrNameLst>
-                                      </p:cBhvr>
-                                      <p:to>
-                                        <p:strVal val="visible"/>
-                                      </p:to>
-                                    </p:set>
-                                    <p:animEffect transition="in" filter="fade">
-                                      <p:cBhvr>
-                                        <p:cTn id="7" dur="100"/>
-                                        <p:tgtEl>
-                                          <p:spTgt spid="202">
-                                            <p:txEl>
-                                              <p:pRg st="0" end="0"/>
-                                            </p:txEl>
-                                          </p:spTgt>
-                                        </p:tgtEl>
-                                      </p:cBhvr>
-                                    </p:animEffect>
-                                  </p:childTnLst>
-                                </p:cTn>
-                              </p:par>
-                            </p:childTnLst>
-                          </p:cTn>
-                        </p:par>
-                      </p:childTnLst>
-                    </p:cTn>
-                  </p:par>
-                  <p:par>
-                    <p:cTn id="8" fill="hold">
-                      <p:stCondLst>
-                        <p:cond delay="indefinite"/>
-                      </p:stCondLst>
-                      <p:childTnLst>
-                        <p:par>
-                          <p:cTn id="9" fill="hold">
-                            <p:stCondLst>
-                              <p:cond delay="0"/>
-                            </p:stCondLst>
-                            <p:childTnLst>
-                              <p:par>
-                                <p:cTn id="10" presetID="10" presetClass="entr" presetSubtype="0" fill="hold" nodeType="clickEffect">
-                                  <p:stCondLst>
-                                    <p:cond delay="0"/>
-                                  </p:stCondLst>
-                                  <p:childTnLst>
-                                    <p:set>
-                                      <p:cBhvr>
-                                        <p:cTn id="11" dur="1" fill="hold">
-                                          <p:stCondLst>
-                                            <p:cond delay="0"/>
-                                          </p:stCondLst>
-                                        </p:cTn>
-                                        <p:tgtEl>
-                                          <p:spTgt spid="202">
-                                            <p:txEl>
-                                              <p:pRg st="1" end="1"/>
-                                            </p:txEl>
-                                          </p:spTgt>
-                                        </p:tgtEl>
-                                        <p:attrNameLst>
-                                          <p:attrName>style.visibility</p:attrName>
-                                        </p:attrNameLst>
-                                      </p:cBhvr>
-                                      <p:to>
-                                        <p:strVal val="visible"/>
-                                      </p:to>
-                                    </p:set>
-                                    <p:animEffect transition="in" filter="fade">
-                                      <p:cBhvr>
-                                        <p:cTn id="12" dur="100"/>
-                                        <p:tgtEl>
-                                          <p:spTgt spid="202">
-                                            <p:txEl>
-                                              <p:pRg st="1" end="1"/>
-                                            </p:txEl>
-                                          </p:spTgt>
-                                        </p:tgtEl>
-                                      </p:cBhvr>
-                                    </p:animEffect>
-                                  </p:childTnLst>
-                                </p:cTn>
-                              </p:par>
-                            </p:childTnLst>
-                          </p:cTn>
-                        </p:par>
-                      </p:childTnLst>
-                    </p:cTn>
-                  </p:par>
-                  <p:par>
-                    <p:cTn id="13" fill="hold">
-                      <p:stCondLst>
-                        <p:cond delay="indefinite"/>
-                      </p:stCondLst>
-                      <p:childTnLst>
-                        <p:par>
-                          <p:cTn id="14" fill="hold">
-                            <p:stCondLst>
-                              <p:cond delay="0"/>
-                            </p:stCondLst>
-                            <p:childTnLst>
-                              <p:par>
-                                <p:cTn id="15" presetID="10" presetClass="entr" presetSubtype="0" fill="hold" nodeType="clickEffect">
-                                  <p:stCondLst>
-                                    <p:cond delay="0"/>
-                                  </p:stCondLst>
-                                  <p:childTnLst>
-                                    <p:set>
-                                      <p:cBhvr>
-                                        <p:cTn id="16" dur="1" fill="hold">
-                                          <p:stCondLst>
-                                            <p:cond delay="0"/>
-                                          </p:stCondLst>
-                                        </p:cTn>
-                                        <p:tgtEl>
-                                          <p:spTgt spid="202">
-                                            <p:txEl>
-                                              <p:pRg st="2" end="2"/>
-                                            </p:txEl>
-                                          </p:spTgt>
-                                        </p:tgtEl>
-                                        <p:attrNameLst>
-                                          <p:attrName>style.visibility</p:attrName>
-                                        </p:attrNameLst>
-                                      </p:cBhvr>
-                                      <p:to>
-                                        <p:strVal val="visible"/>
-                                      </p:to>
-                                    </p:set>
-                                    <p:animEffect transition="in" filter="fade">
-                                      <p:cBhvr>
-                                        <p:cTn id="17" dur="100"/>
-                                        <p:tgtEl>
-                                          <p:spTgt spid="202">
-                                            <p:txEl>
-                                              <p:pRg st="2" end="2"/>
-                                            </p:txEl>
-                                          </p:spTgt>
-                                        </p:tgtEl>
-                                      </p:cBhvr>
-                                    </p:animEffect>
-                                  </p:childTnLst>
-                                </p:cTn>
-                              </p:par>
-                            </p:childTnLst>
-                          </p:cTn>
-                        </p:par>
-                      </p:childTnLst>
-                    </p:cTn>
-                  </p:par>
-                  <p:par>
-                    <p:cTn id="18" fill="hold">
-                      <p:stCondLst>
-                        <p:cond delay="indefinite"/>
-                      </p:stCondLst>
-                      <p:childTnLst>
-                        <p:par>
-                          <p:cTn id="19" fill="hold">
-                            <p:stCondLst>
-                              <p:cond delay="0"/>
-                            </p:stCondLst>
-                            <p:childTnLst>
-                              <p:par>
-                                <p:cTn id="20" presetID="10" presetClass="entr" presetSubtype="0" fill="hold" nodeType="clickEffect">
-                                  <p:stCondLst>
-                                    <p:cond delay="0"/>
-                                  </p:stCondLst>
-                                  <p:childTnLst>
-                                    <p:set>
-                                      <p:cBhvr>
-                                        <p:cTn id="21" dur="1" fill="hold">
-                                          <p:stCondLst>
-                                            <p:cond delay="0"/>
-                                          </p:stCondLst>
-                                        </p:cTn>
-                                        <p:tgtEl>
-                                          <p:spTgt spid="202">
-                                            <p:txEl>
-                                              <p:pRg st="3" end="3"/>
-                                            </p:txEl>
-                                          </p:spTgt>
-                                        </p:tgtEl>
-                                        <p:attrNameLst>
-                                          <p:attrName>style.visibility</p:attrName>
-                                        </p:attrNameLst>
-                                      </p:cBhvr>
-                                      <p:to>
-                                        <p:strVal val="visible"/>
-                                      </p:to>
-                                    </p:set>
-                                    <p:animEffect transition="in" filter="fade">
-                                      <p:cBhvr>
-                                        <p:cTn id="22" dur="100"/>
-                                        <p:tgtEl>
-                                          <p:spTgt spid="202">
-                                            <p:txEl>
-                                              <p:pRg st="3" end="3"/>
-                                            </p:txEl>
-                                          </p:spTgt>
-                                        </p:tgtEl>
-                                      </p:cBhvr>
-                                    </p:animEffect>
-                                  </p:childTnLst>
-                                </p:cTn>
-                              </p:par>
-                            </p:childTnLst>
-                          </p:cTn>
-                        </p:par>
-                      </p:childTnLst>
-                    </p:cTn>
-                  </p:par>
-                  <p:par>
-                    <p:cTn id="23" fill="hold">
-                      <p:stCondLst>
-                        <p:cond delay="indefinite"/>
-                      </p:stCondLst>
-                      <p:childTnLst>
-                        <p:par>
-                          <p:cTn id="24" fill="hold">
-                            <p:stCondLst>
-                              <p:cond delay="0"/>
-                            </p:stCondLst>
-                            <p:childTnLst>
-                              <p:par>
-                                <p:cTn id="25" presetID="10" presetClass="entr" presetSubtype="0" fill="hold" nodeType="clickEffect">
-                                  <p:stCondLst>
-                                    <p:cond delay="0"/>
-                                  </p:stCondLst>
-                                  <p:childTnLst>
-                                    <p:set>
-                                      <p:cBhvr>
-                                        <p:cTn id="26" dur="1" fill="hold">
-                                          <p:stCondLst>
-                                            <p:cond delay="0"/>
-                                          </p:stCondLst>
-                                        </p:cTn>
-                                        <p:tgtEl>
-                                          <p:spTgt spid="202">
-                                            <p:txEl>
-                                              <p:pRg st="4" end="4"/>
-                                            </p:txEl>
-                                          </p:spTgt>
-                                        </p:tgtEl>
-                                        <p:attrNameLst>
-                                          <p:attrName>style.visibility</p:attrName>
-                                        </p:attrNameLst>
-                                      </p:cBhvr>
-                                      <p:to>
-                                        <p:strVal val="visible"/>
-                                      </p:to>
-                                    </p:set>
-                                    <p:animEffect transition="in" filter="fade">
-                                      <p:cBhvr>
-                                        <p:cTn id="27" dur="100"/>
-                                        <p:tgtEl>
-                                          <p:spTgt spid="202">
-                                            <p:txEl>
-                                              <p:pRg st="4" end="4"/>
-                                            </p:txEl>
-                                          </p:spTgt>
-                                        </p:tgtEl>
-                                      </p:cBhvr>
-                                    </p:animEffect>
-                                  </p:childTnLst>
-                                </p:cTn>
-                              </p:par>
-                            </p:childTnLst>
-                          </p:cTn>
-                        </p:par>
-                      </p:childTnLst>
-                    </p:cTn>
-                  </p:par>
-                  <p:par>
-                    <p:cTn id="28" fill="hold">
-                      <p:stCondLst>
-                        <p:cond delay="indefinite"/>
-                      </p:stCondLst>
-                      <p:childTnLst>
-                        <p:par>
-                          <p:cTn id="29" fill="hold">
-                            <p:stCondLst>
-                              <p:cond delay="0"/>
-                            </p:stCondLst>
-                            <p:childTnLst>
-                              <p:par>
-                                <p:cTn id="30" presetID="10" presetClass="entr" presetSubtype="0" fill="hold" nodeType="clickEffect">
-                                  <p:stCondLst>
-                                    <p:cond delay="0"/>
-                                  </p:stCondLst>
-                                  <p:childTnLst>
-                                    <p:set>
-                                      <p:cBhvr>
-                                        <p:cTn id="31" dur="1" fill="hold">
-                                          <p:stCondLst>
-                                            <p:cond delay="0"/>
-                                          </p:stCondLst>
-                                        </p:cTn>
-                                        <p:tgtEl>
-                                          <p:spTgt spid="202">
-                                            <p:txEl>
-                                              <p:pRg st="5" end="5"/>
-                                            </p:txEl>
-                                          </p:spTgt>
-                                        </p:tgtEl>
-                                        <p:attrNameLst>
-                                          <p:attrName>style.visibility</p:attrName>
-                                        </p:attrNameLst>
-                                      </p:cBhvr>
-                                      <p:to>
-                                        <p:strVal val="visible"/>
-                                      </p:to>
-                                    </p:set>
-                                    <p:animEffect transition="in" filter="fade">
-                                      <p:cBhvr>
-                                        <p:cTn id="32" dur="100"/>
-                                        <p:tgtEl>
-                                          <p:spTgt spid="202">
-                                            <p:txEl>
-                                              <p:pRg st="5" end="5"/>
-                                            </p:txEl>
-                                          </p:spTgt>
-                                        </p:tgtEl>
-                                      </p:cBhvr>
-                                    </p:animEffect>
-                                  </p:childTnLst>
-                                </p:cTn>
-                              </p:par>
-                            </p:childTnLst>
-                          </p:cTn>
-                        </p:par>
-                      </p:childTnLst>
-                    </p:cTn>
-                  </p:par>
-                  <p:par>
-                    <p:cTn id="33" fill="hold">
-                      <p:stCondLst>
-                        <p:cond delay="indefinite"/>
-                      </p:stCondLst>
-                      <p:childTnLst>
-                        <p:par>
-                          <p:cTn id="34" fill="hold">
-                            <p:stCondLst>
-                              <p:cond delay="0"/>
-                            </p:stCondLst>
-                            <p:childTnLst>
-                              <p:par>
-                                <p:cTn id="35" presetID="10" presetClass="entr" presetSubtype="0" fill="hold" nodeType="clickEffect">
-                                  <p:stCondLst>
-                                    <p:cond delay="0"/>
-                                  </p:stCondLst>
-                                  <p:childTnLst>
-                                    <p:set>
-                                      <p:cBhvr>
-                                        <p:cTn id="36" dur="1" fill="hold">
-                                          <p:stCondLst>
-                                            <p:cond delay="0"/>
-                                          </p:stCondLst>
-                                        </p:cTn>
-                                        <p:tgtEl>
-                                          <p:spTgt spid="202">
-                                            <p:txEl>
-                                              <p:pRg st="6" end="6"/>
-                                            </p:txEl>
-                                          </p:spTgt>
-                                        </p:tgtEl>
-                                        <p:attrNameLst>
-                                          <p:attrName>style.visibility</p:attrName>
-                                        </p:attrNameLst>
-                                      </p:cBhvr>
-                                      <p:to>
-                                        <p:strVal val="visible"/>
-                                      </p:to>
-                                    </p:set>
-                                    <p:animEffect transition="in" filter="fade">
-                                      <p:cBhvr>
-                                        <p:cTn id="37" dur="100"/>
-                                        <p:tgtEl>
-                                          <p:spTgt spid="202">
-                                            <p:txEl>
-                                              <p:pRg st="6" end="6"/>
-                                            </p:txEl>
-                                          </p:spTgt>
-                                        </p:tgtEl>
-                                      </p:cBhvr>
-                                    </p:animEffect>
-                                  </p:childTnLst>
-                                </p:cTn>
-                              </p:par>
-                            </p:childTnLst>
-                          </p:cTn>
-                        </p:par>
-                      </p:childTnLst>
-                    </p:cTn>
-                  </p:par>
-                  <p:par>
-                    <p:cTn id="38" fill="hold">
-                      <p:stCondLst>
-                        <p:cond delay="indefinite"/>
-                      </p:stCondLst>
-                      <p:childTnLst>
-                        <p:par>
-                          <p:cTn id="39" fill="hold">
-                            <p:stCondLst>
-                              <p:cond delay="0"/>
-                            </p:stCondLst>
-                            <p:childTnLst>
-                              <p:par>
-                                <p:cTn id="40" presetID="10" presetClass="entr" presetSubtype="0" fill="hold" nodeType="clickEffect">
-                                  <p:stCondLst>
-                                    <p:cond delay="0"/>
-                                  </p:stCondLst>
-                                  <p:childTnLst>
-                                    <p:set>
-                                      <p:cBhvr>
-                                        <p:cTn id="41" dur="1" fill="hold">
-                                          <p:stCondLst>
-                                            <p:cond delay="0"/>
-                                          </p:stCondLst>
-                                        </p:cTn>
-                                        <p:tgtEl>
-                                          <p:spTgt spid="202">
-                                            <p:txEl>
-                                              <p:pRg st="7" end="7"/>
-                                            </p:txEl>
-                                          </p:spTgt>
-                                        </p:tgtEl>
-                                        <p:attrNameLst>
-                                          <p:attrName>style.visibility</p:attrName>
-                                        </p:attrNameLst>
-                                      </p:cBhvr>
-                                      <p:to>
-                                        <p:strVal val="visible"/>
-                                      </p:to>
-                                    </p:set>
-                                    <p:animEffect transition="in" filter="fade">
-                                      <p:cBhvr>
-                                        <p:cTn id="42" dur="100"/>
-                                        <p:tgtEl>
-                                          <p:spTgt spid="202">
-                                            <p:txEl>
-                                              <p:pRg st="7" end="7"/>
-                                            </p:txEl>
-                                          </p:spTgt>
-                                        </p:tgtEl>
-                                      </p:cBhvr>
-                                    </p:animEffect>
-                                  </p:childTnLst>
-                                </p:cTn>
-                              </p:par>
-                            </p:childTnLst>
-                          </p:cTn>
-                        </p:par>
-                      </p:childTnLst>
-                    </p:cTn>
-                  </p:par>
-                </p:childTnLst>
-              </p:cTn>
-              <p:prevCondLst>
-                <p:cond evt="onPrev" delay="0">
-                  <p:tgtEl>
-                    <p:sldTgt/>
-                  </p:tgtEl>
-                </p:cond>
-              </p:prevCondLst>
-              <p:nextCondLst>
-                <p:cond evt="onNext" delay="0">
-                  <p:tgtEl>
-                    <p:sldTgt/>
-                  </p:tgtEl>
-                </p:cond>
-              </p:nextCondLst>
-            </p:seq>
-          </p:childTnLst>
-        </p:cTn>
-      </p:par>
-    </p:tnLst>
-  </p:timing>
-</p:sld>
-</file>
-
-<file path=ppt/slides/slide15.xml><?xml version="1.0" encoding="utf-8"?>
-<p:sld xmlns:a="http://schemas.openxmlformats.org/drawingml/2006/main" xmlns:r="http://schemas.openxmlformats.org/officeDocument/2006/relationships" xmlns:p="http://schemas.openxmlformats.org/presentationml/2006/main">
-  <p:cSld>
-    <p:spTree>
-      <p:nvGrpSpPr>
-        <p:cNvPr id="1" name="Shape 248"/>
-        <p:cNvGrpSpPr/>
-        <p:nvPr/>
-      </p:nvGrpSpPr>
-      <p:grpSpPr>
-        <a:xfrm>
-          <a:off x="0" y="0"/>
-          <a:ext cx="0" cy="0"/>
-          <a:chOff x="0" y="0"/>
-          <a:chExt cx="0" cy="0"/>
-        </a:xfrm>
-      </p:grpSpPr>
-      <p:sp>
-        <p:nvSpPr>
-          <p:cNvPr id="250" name="Google Shape;250;p31"/>
-          <p:cNvSpPr txBox="1">
-            <a:spLocks noGrp="1"/>
-          </p:cNvSpPr>
-          <p:nvPr>
-            <p:ph type="title"/>
-          </p:nvPr>
-        </p:nvSpPr>
-        <p:spPr>
-          <a:prstGeom prst="rect">
-            <a:avLst/>
-          </a:prstGeom>
-        </p:spPr>
-        <p:txBody>
-          <a:bodyPr spcFirstLastPara="1" wrap="square" lIns="100779" tIns="100779" rIns="100779" bIns="100779" anchor="b" anchorCtr="0">
-            <a:noAutofit/>
-          </a:bodyPr>
-          <a:lstStyle/>
-          <a:p>
-            <a:r>
-              <a:rPr lang="en"/>
-              <a:t>Quick algorithm analysis</a:t>
-            </a:r>
-            <a:endParaRPr/>
-          </a:p>
-        </p:txBody>
-      </p:sp>
-      <p:sp>
-        <p:nvSpPr>
-          <p:cNvPr id="249" name="Google Shape;249;p31"/>
-          <p:cNvSpPr txBox="1">
-            <a:spLocks noGrp="1"/>
-          </p:cNvSpPr>
-          <p:nvPr>
-            <p:ph idx="1"/>
-          </p:nvPr>
-        </p:nvSpPr>
-        <p:spPr>
-          <a:prstGeom prst="rect">
-            <a:avLst/>
-          </a:prstGeom>
-        </p:spPr>
-        <p:txBody>
-          <a:bodyPr spcFirstLastPara="1" wrap="square" lIns="100779" tIns="100779" rIns="100779" bIns="100779" anchor="t" anchorCtr="0">
-            <a:noAutofit/>
-          </a:bodyPr>
-          <a:lstStyle/>
-          <a:p>
-            <a:pPr>
-              <a:lnSpc>
-                <a:spcPct val="200000"/>
-              </a:lnSpc>
-            </a:pPr>
-            <a:r>
-              <a:rPr lang="en">
-                <a:solidFill>
-                  <a:srgbClr val="002B5E"/>
-                </a:solidFill>
-              </a:rPr>
-              <a:t>Ignore multiplicative constants and lower terms</a:t>
-            </a:r>
-            <a:endParaRPr>
-              <a:solidFill>
-                <a:srgbClr val="002B5E"/>
-              </a:solidFill>
-            </a:endParaRPr>
-          </a:p>
-        </p:txBody>
-      </p:sp>
-      <p:sp>
-        <p:nvSpPr>
-          <p:cNvPr id="251" name="Google Shape;251;p31"/>
-          <p:cNvSpPr txBox="1">
-            <a:spLocks noGrp="1"/>
-          </p:cNvSpPr>
-          <p:nvPr>
-            <p:ph type="sldNum" idx="12"/>
-          </p:nvPr>
-        </p:nvSpPr>
-        <p:spPr>
-          <a:prstGeom prst="rect">
-            <a:avLst/>
-          </a:prstGeom>
-        </p:spPr>
-        <p:txBody>
-          <a:bodyPr spcFirstLastPara="1" wrap="square" lIns="100779" tIns="100779" rIns="100779" bIns="100779" anchor="ctr" anchorCtr="0">
-            <a:noAutofit/>
-          </a:bodyPr>
-          <a:lstStyle/>
-          <a:p>
-            <a:pPr defTabSz="1007943" fontAlgn="auto" hangingPunct="1">
-              <a:lnSpc>
-                <a:spcPct val="100000"/>
-              </a:lnSpc>
-              <a:spcBef>
-                <a:spcPts val="0"/>
-              </a:spcBef>
-              <a:spcAft>
-                <a:spcPts val="0"/>
-              </a:spcAft>
-              <a:buSzTx/>
-            </a:pPr>
-            <a:fld id="{00000000-1234-1234-1234-123412341234}" type="slidenum">
-              <a:rPr lang="en" kern="0"/>
-              <a:pPr defTabSz="1007943" fontAlgn="auto" hangingPunct="1">
-                <a:lnSpc>
-                  <a:spcPct val="100000"/>
-                </a:lnSpc>
-                <a:spcBef>
-                  <a:spcPts val="0"/>
-                </a:spcBef>
-                <a:spcAft>
-                  <a:spcPts val="0"/>
-                </a:spcAft>
-                <a:buSzTx/>
-              </a:pPr>
-              <a:t>15</a:t>
-            </a:fld>
-            <a:endParaRPr kern="0"/>
-          </a:p>
-        </p:txBody>
-      </p:sp>
-      <p:sp>
-        <p:nvSpPr>
-          <p:cNvPr id="3" name="Footer Placeholder 2">
-            <a:extLst>
-              <a:ext uri="{FF2B5EF4-FFF2-40B4-BE49-F238E27FC236}">
-                <a16:creationId xmlns:a16="http://schemas.microsoft.com/office/drawing/2014/main" id="{61A36F34-F1CE-DA4A-B5AA-71D88E5ACD1B}"/>
-              </a:ext>
-            </a:extLst>
-          </p:cNvPr>
-          <p:cNvSpPr>
-            <a:spLocks noGrp="1"/>
-          </p:cNvSpPr>
-          <p:nvPr>
-            <p:ph type="ftr" idx="11"/>
-          </p:nvPr>
-        </p:nvSpPr>
-        <p:spPr/>
-        <p:txBody>
-          <a:bodyPr/>
-          <a:lstStyle/>
-          <a:p>
-            <a:pPr>
-              <a:defRPr/>
-            </a:pPr>
-            <a:r>
-              <a:rPr lang="en-US">
-                <a:latin typeface="+mn-lt"/>
-              </a:rPr>
-              <a:t>CS 1501 – Algorithm Implementation – Sherif Khattab</a:t>
-            </a:r>
-            <a:endParaRPr lang="en-GB"/>
-          </a:p>
-        </p:txBody>
-      </p:sp>
-    </p:spTree>
-    <p:extLst>
-      <p:ext uri="{BB962C8B-B14F-4D97-AF65-F5344CB8AC3E}">
-        <p14:creationId xmlns:p14="http://schemas.microsoft.com/office/powerpoint/2010/main" val="3108092000"/>
-      </p:ext>
-    </p:extLst>
-  </p:cSld>
-  <p:clrMapOvr>
-    <a:masterClrMapping/>
-  </p:clrMapOvr>
-  <p:timing>
-    <p:tnLst>
-      <p:par>
-        <p:cTn id="1" dur="indefinite" restart="never" nodeType="tmRoot">
-          <p:childTnLst>
-            <p:seq concurrent="1" nextAc="seek">
-              <p:cTn id="2" dur="indefinite" nodeType="mainSeq">
-                <p:childTnLst>
-                  <p:par>
-                    <p:cTn id="3" fill="hold">
-                      <p:stCondLst>
-                        <p:cond delay="indefinite"/>
-                      </p:stCondLst>
-                      <p:childTnLst>
-                        <p:par>
-                          <p:cTn id="4" fill="hold">
-                            <p:stCondLst>
-                              <p:cond delay="0"/>
-                            </p:stCondLst>
-                            <p:childTnLst>
-                              <p:par>
-                                <p:cTn id="5" presetID="10" presetClass="entr" presetSubtype="0" fill="hold" nodeType="clickEffect">
-                                  <p:stCondLst>
-                                    <p:cond delay="0"/>
-                                  </p:stCondLst>
-                                  <p:childTnLst>
-                                    <p:set>
-                                      <p:cBhvr>
-                                        <p:cTn id="6" dur="1" fill="hold">
-                                          <p:stCondLst>
-                                            <p:cond delay="0"/>
-                                          </p:stCondLst>
-                                        </p:cTn>
-                                        <p:tgtEl>
-                                          <p:spTgt spid="249">
-                                            <p:txEl>
-                                              <p:pRg st="0" end="0"/>
-                                            </p:txEl>
-                                          </p:spTgt>
-                                        </p:tgtEl>
-                                        <p:attrNameLst>
-                                          <p:attrName>style.visibility</p:attrName>
-                                        </p:attrNameLst>
-                                      </p:cBhvr>
-                                      <p:to>
-                                        <p:strVal val="visible"/>
-                                      </p:to>
-                                    </p:set>
-                                    <p:animEffect transition="in" filter="fade">
-                                      <p:cBhvr>
-                                        <p:cTn id="7" dur="100"/>
-                                        <p:tgtEl>
-                                          <p:spTgt spid="249">
-                                            <p:txEl>
-                                              <p:pRg st="0" end="0"/>
-                                            </p:txEl>
-                                          </p:spTgt>
-                                        </p:tgtEl>
-                                      </p:cBhvr>
-                                    </p:animEffect>
-                                  </p:childTnLst>
-                                </p:cTn>
-                              </p:par>
-                            </p:childTnLst>
-                          </p:cTn>
-                        </p:par>
-                      </p:childTnLst>
-                    </p:cTn>
-                  </p:par>
-                </p:childTnLst>
-              </p:cTn>
-              <p:prevCondLst>
-                <p:cond evt="onPrev" delay="0">
-                  <p:tgtEl>
-                    <p:sldTgt/>
-                  </p:tgtEl>
-                </p:cond>
-              </p:prevCondLst>
-              <p:nextCondLst>
-                <p:cond evt="onNext" delay="0">
-                  <p:tgtEl>
-                    <p:sldTgt/>
-                  </p:tgtEl>
-                </p:cond>
-              </p:nextCondLst>
-            </p:seq>
-          </p:childTnLst>
-        </p:cTn>
-      </p:par>
-    </p:tnLst>
-  </p:timing>
-</p:sld>
-</file>
-
-<file path=ppt/slides/slide16.xml><?xml version="1.0" encoding="utf-8"?>
-<p:sld xmlns:a="http://schemas.openxmlformats.org/drawingml/2006/main" xmlns:r="http://schemas.openxmlformats.org/officeDocument/2006/relationships" xmlns:p="http://schemas.openxmlformats.org/presentationml/2006/main">
-  <p:cSld>
-    <p:spTree>
-      <p:nvGrpSpPr>
-        <p:cNvPr id="1" name="Shape 120"/>
-        <p:cNvGrpSpPr/>
-        <p:nvPr/>
-      </p:nvGrpSpPr>
-      <p:grpSpPr>
-        <a:xfrm>
-          <a:off x="0" y="0"/>
-          <a:ext cx="0" cy="0"/>
-          <a:chOff x="0" y="0"/>
-          <a:chExt cx="0" cy="0"/>
-        </a:xfrm>
-      </p:grpSpPr>
-      <p:sp>
-        <p:nvSpPr>
-          <p:cNvPr id="122" name="Google Shape;122;p20"/>
-          <p:cNvSpPr txBox="1">
-            <a:spLocks noGrp="1"/>
-          </p:cNvSpPr>
-          <p:nvPr>
-            <p:ph type="title"/>
-          </p:nvPr>
-        </p:nvSpPr>
-        <p:spPr>
-          <a:prstGeom prst="rect">
-            <a:avLst/>
-          </a:prstGeom>
-        </p:spPr>
-        <p:txBody>
-          <a:bodyPr spcFirstLastPara="1" wrap="square" lIns="100779" tIns="100779" rIns="100779" bIns="100779" anchor="b" anchorCtr="0">
-            <a:noAutofit/>
-          </a:bodyPr>
-          <a:lstStyle/>
-          <a:p>
-            <a:r>
-              <a:rPr lang="en"/>
-              <a:t>Definition of Big O?</a:t>
-            </a:r>
-            <a:endParaRPr/>
-          </a:p>
-        </p:txBody>
-      </p:sp>
-      <p:sp>
-        <p:nvSpPr>
-          <p:cNvPr id="121" name="Google Shape;121;p20"/>
-          <p:cNvSpPr txBox="1">
-            <a:spLocks noGrp="1"/>
-          </p:cNvSpPr>
-          <p:nvPr>
-            <p:ph idx="1"/>
-          </p:nvPr>
-        </p:nvSpPr>
-        <p:spPr>
-          <a:prstGeom prst="rect">
-            <a:avLst/>
-          </a:prstGeom>
-        </p:spPr>
-        <p:txBody>
-          <a:bodyPr spcFirstLastPara="1" wrap="square" lIns="100779" tIns="100779" rIns="100779" bIns="100779" anchor="t" anchorCtr="0">
-            <a:noAutofit/>
-          </a:bodyPr>
-          <a:lstStyle/>
-          <a:p>
-            <a:pPr>
-              <a:lnSpc>
-                <a:spcPct val="150000"/>
-              </a:lnSpc>
-            </a:pPr>
-            <a:r>
-              <a:rPr lang="en">
-                <a:solidFill>
-                  <a:srgbClr val="002B5E"/>
-                </a:solidFill>
-              </a:rPr>
-              <a:t>Big O</a:t>
-            </a:r>
-            <a:endParaRPr>
-              <a:solidFill>
-                <a:srgbClr val="002B5E"/>
-              </a:solidFill>
-            </a:endParaRPr>
-          </a:p>
-          <a:p>
-            <a:pPr lvl="1">
-              <a:lnSpc>
-                <a:spcPct val="150000"/>
-              </a:lnSpc>
-            </a:pPr>
-            <a:r>
-              <a:rPr lang="en">
-                <a:solidFill>
-                  <a:srgbClr val="002B5E"/>
-                </a:solidFill>
-              </a:rPr>
-              <a:t>Upper bound on asymptotic performance</a:t>
-            </a:r>
-            <a:endParaRPr/>
-          </a:p>
-          <a:p>
-            <a:pPr lvl="2">
-              <a:lnSpc>
-                <a:spcPct val="150000"/>
-              </a:lnSpc>
-            </a:pPr>
-            <a:r>
-              <a:rPr lang="en"/>
-              <a:t>As we go to infinity, function representing resource consumption will not exceed specified function</a:t>
-            </a:r>
-            <a:endParaRPr/>
-          </a:p>
-          <a:p>
-            <a:pPr lvl="3">
-              <a:lnSpc>
-                <a:spcPct val="150000"/>
-              </a:lnSpc>
-            </a:pPr>
-            <a:r>
-              <a:rPr lang="en"/>
-              <a:t>E.g., Saying runtime is O(n</a:t>
-            </a:r>
-            <a:r>
-              <a:rPr lang="en" baseline="30000"/>
-              <a:t>3</a:t>
-            </a:r>
-            <a:r>
-              <a:rPr lang="en"/>
-              <a:t>) means that as input size (n) approaches infinity, actual runtime will not exceed n</a:t>
-            </a:r>
-            <a:r>
-              <a:rPr lang="en" baseline="30000"/>
-              <a:t>3</a:t>
-            </a:r>
-            <a:endParaRPr/>
-          </a:p>
-        </p:txBody>
-      </p:sp>
-      <p:sp>
-        <p:nvSpPr>
-          <p:cNvPr id="123" name="Google Shape;123;p20"/>
-          <p:cNvSpPr txBox="1">
-            <a:spLocks noGrp="1"/>
-          </p:cNvSpPr>
-          <p:nvPr>
-            <p:ph type="sldNum" idx="12"/>
-          </p:nvPr>
-        </p:nvSpPr>
-        <p:spPr>
-          <a:prstGeom prst="rect">
-            <a:avLst/>
-          </a:prstGeom>
-        </p:spPr>
-        <p:txBody>
-          <a:bodyPr spcFirstLastPara="1" wrap="square" lIns="100779" tIns="100779" rIns="100779" bIns="100779" anchor="ctr" anchorCtr="0">
-            <a:noAutofit/>
-          </a:bodyPr>
-          <a:lstStyle/>
-          <a:p>
-            <a:pPr defTabSz="1007943" fontAlgn="auto" hangingPunct="1">
-              <a:lnSpc>
-                <a:spcPct val="100000"/>
-              </a:lnSpc>
-              <a:spcBef>
-                <a:spcPts val="0"/>
-              </a:spcBef>
-              <a:spcAft>
-                <a:spcPts val="0"/>
-              </a:spcAft>
-              <a:buSzTx/>
-            </a:pPr>
-            <a:fld id="{00000000-1234-1234-1234-123412341234}" type="slidenum">
-              <a:rPr lang="en" kern="0"/>
-              <a:pPr defTabSz="1007943" fontAlgn="auto" hangingPunct="1">
-                <a:lnSpc>
-                  <a:spcPct val="100000"/>
-                </a:lnSpc>
-                <a:spcBef>
-                  <a:spcPts val="0"/>
-                </a:spcBef>
-                <a:spcAft>
-                  <a:spcPts val="0"/>
-                </a:spcAft>
-                <a:buSzTx/>
-              </a:pPr>
-              <a:t>16</a:t>
-            </a:fld>
-            <a:endParaRPr kern="0"/>
-          </a:p>
-        </p:txBody>
-      </p:sp>
-      <p:sp>
-        <p:nvSpPr>
-          <p:cNvPr id="3" name="Footer Placeholder 2">
-            <a:extLst>
-              <a:ext uri="{FF2B5EF4-FFF2-40B4-BE49-F238E27FC236}">
-                <a16:creationId xmlns:a16="http://schemas.microsoft.com/office/drawing/2014/main" id="{1B8E2A14-BB89-F043-8B8C-2DD053A8470C}"/>
-              </a:ext>
-            </a:extLst>
-          </p:cNvPr>
-          <p:cNvSpPr>
-            <a:spLocks noGrp="1"/>
-          </p:cNvSpPr>
-          <p:nvPr>
-            <p:ph type="ftr" idx="11"/>
-          </p:nvPr>
-        </p:nvSpPr>
-        <p:spPr/>
-        <p:txBody>
-          <a:bodyPr/>
-          <a:lstStyle/>
-          <a:p>
-            <a:pPr>
-              <a:defRPr/>
-            </a:pPr>
-            <a:r>
-              <a:rPr lang="en-US">
-                <a:latin typeface="+mn-lt"/>
-              </a:rPr>
-              <a:t>CS 1501 – Algorithm Implementation – Sherif Khattab</a:t>
-            </a:r>
-            <a:endParaRPr lang="en-GB"/>
-          </a:p>
-        </p:txBody>
-      </p:sp>
-    </p:spTree>
-    <p:extLst>
-      <p:ext uri="{BB962C8B-B14F-4D97-AF65-F5344CB8AC3E}">
-        <p14:creationId xmlns:p14="http://schemas.microsoft.com/office/powerpoint/2010/main" val="3584211977"/>
-      </p:ext>
-    </p:extLst>
-  </p:cSld>
-  <p:clrMapOvr>
-    <a:masterClrMapping/>
-  </p:clrMapOvr>
-  <p:timing>
-    <p:tnLst>
-      <p:par>
-        <p:cTn id="1" dur="indefinite" restart="never" nodeType="tmRoot">
-          <p:childTnLst>
-            <p:seq concurrent="1" nextAc="seek">
-              <p:cTn id="2" dur="indefinite" nodeType="mainSeq">
-                <p:childTnLst>
-                  <p:par>
-                    <p:cTn id="3" fill="hold">
-                      <p:stCondLst>
-                        <p:cond delay="indefinite"/>
-                      </p:stCondLst>
-                      <p:childTnLst>
-                        <p:par>
-                          <p:cTn id="4" fill="hold">
-                            <p:stCondLst>
-                              <p:cond delay="0"/>
-                            </p:stCondLst>
-                            <p:childTnLst>
-                              <p:par>
-                                <p:cTn id="5" presetID="10" presetClass="entr" presetSubtype="0" fill="hold" nodeType="clickEffect">
-                                  <p:stCondLst>
-                                    <p:cond delay="0"/>
-                                  </p:stCondLst>
-                                  <p:childTnLst>
-                                    <p:set>
-                                      <p:cBhvr>
-                                        <p:cTn id="6" dur="1" fill="hold">
-                                          <p:stCondLst>
-                                            <p:cond delay="0"/>
-                                          </p:stCondLst>
-                                        </p:cTn>
-                                        <p:tgtEl>
-                                          <p:spTgt spid="121">
-                                            <p:txEl>
-                                              <p:pRg st="0" end="0"/>
-                                            </p:txEl>
-                                          </p:spTgt>
-                                        </p:tgtEl>
-                                        <p:attrNameLst>
-                                          <p:attrName>style.visibility</p:attrName>
-                                        </p:attrNameLst>
-                                      </p:cBhvr>
-                                      <p:to>
-                                        <p:strVal val="visible"/>
-                                      </p:to>
-                                    </p:set>
-                                    <p:animEffect transition="in" filter="fade">
-                                      <p:cBhvr>
-                                        <p:cTn id="7" dur="100"/>
-                                        <p:tgtEl>
-                                          <p:spTgt spid="121">
-                                            <p:txEl>
-                                              <p:pRg st="0" end="0"/>
-                                            </p:txEl>
-                                          </p:spTgt>
-                                        </p:tgtEl>
-                                      </p:cBhvr>
-                                    </p:animEffect>
-                                  </p:childTnLst>
-                                </p:cTn>
-                              </p:par>
-                            </p:childTnLst>
-                          </p:cTn>
-                        </p:par>
-                      </p:childTnLst>
-                    </p:cTn>
-                  </p:par>
-                  <p:par>
-                    <p:cTn id="8" fill="hold">
-                      <p:stCondLst>
-                        <p:cond delay="indefinite"/>
-                      </p:stCondLst>
-                      <p:childTnLst>
-                        <p:par>
-                          <p:cTn id="9" fill="hold">
-                            <p:stCondLst>
-                              <p:cond delay="0"/>
-                            </p:stCondLst>
-                            <p:childTnLst>
-                              <p:par>
-                                <p:cTn id="10" presetID="10" presetClass="entr" presetSubtype="0" fill="hold" nodeType="clickEffect">
-                                  <p:stCondLst>
-                                    <p:cond delay="0"/>
-                                  </p:stCondLst>
-                                  <p:childTnLst>
-                                    <p:set>
-                                      <p:cBhvr>
-                                        <p:cTn id="11" dur="1" fill="hold">
-                                          <p:stCondLst>
-                                            <p:cond delay="0"/>
-                                          </p:stCondLst>
-                                        </p:cTn>
-                                        <p:tgtEl>
-                                          <p:spTgt spid="121">
-                                            <p:txEl>
-                                              <p:pRg st="1" end="1"/>
-                                            </p:txEl>
-                                          </p:spTgt>
-                                        </p:tgtEl>
-                                        <p:attrNameLst>
-                                          <p:attrName>style.visibility</p:attrName>
-                                        </p:attrNameLst>
-                                      </p:cBhvr>
-                                      <p:to>
-                                        <p:strVal val="visible"/>
-                                      </p:to>
-                                    </p:set>
-                                    <p:animEffect transition="in" filter="fade">
-                                      <p:cBhvr>
-                                        <p:cTn id="12" dur="100"/>
-                                        <p:tgtEl>
-                                          <p:spTgt spid="121">
-                                            <p:txEl>
-                                              <p:pRg st="1" end="1"/>
-                                            </p:txEl>
-                                          </p:spTgt>
-                                        </p:tgtEl>
-                                      </p:cBhvr>
-                                    </p:animEffect>
-                                  </p:childTnLst>
-                                </p:cTn>
-                              </p:par>
-                            </p:childTnLst>
-                          </p:cTn>
-                        </p:par>
-                      </p:childTnLst>
-                    </p:cTn>
-                  </p:par>
-                  <p:par>
-                    <p:cTn id="13" fill="hold">
-                      <p:stCondLst>
-                        <p:cond delay="indefinite"/>
-                      </p:stCondLst>
-                      <p:childTnLst>
-                        <p:par>
-                          <p:cTn id="14" fill="hold">
-                            <p:stCondLst>
-                              <p:cond delay="0"/>
-                            </p:stCondLst>
-                            <p:childTnLst>
-                              <p:par>
-                                <p:cTn id="15" presetID="10" presetClass="entr" presetSubtype="0" fill="hold" nodeType="clickEffect">
-                                  <p:stCondLst>
-                                    <p:cond delay="0"/>
-                                  </p:stCondLst>
-                                  <p:childTnLst>
-                                    <p:set>
-                                      <p:cBhvr>
-                                        <p:cTn id="16" dur="1" fill="hold">
-                                          <p:stCondLst>
-                                            <p:cond delay="0"/>
-                                          </p:stCondLst>
-                                        </p:cTn>
-                                        <p:tgtEl>
-                                          <p:spTgt spid="121">
-                                            <p:txEl>
-                                              <p:pRg st="2" end="2"/>
-                                            </p:txEl>
-                                          </p:spTgt>
-                                        </p:tgtEl>
-                                        <p:attrNameLst>
-                                          <p:attrName>style.visibility</p:attrName>
-                                        </p:attrNameLst>
-                                      </p:cBhvr>
-                                      <p:to>
-                                        <p:strVal val="visible"/>
-                                      </p:to>
-                                    </p:set>
-                                    <p:animEffect transition="in" filter="fade">
-                                      <p:cBhvr>
-                                        <p:cTn id="17" dur="100"/>
-                                        <p:tgtEl>
-                                          <p:spTgt spid="121">
-                                            <p:txEl>
-                                              <p:pRg st="2" end="2"/>
-                                            </p:txEl>
-                                          </p:spTgt>
-                                        </p:tgtEl>
-                                      </p:cBhvr>
-                                    </p:animEffect>
-                                  </p:childTnLst>
-                                </p:cTn>
-                              </p:par>
-                            </p:childTnLst>
-                          </p:cTn>
-                        </p:par>
-                      </p:childTnLst>
-                    </p:cTn>
-                  </p:par>
-                  <p:par>
-                    <p:cTn id="18" fill="hold">
-                      <p:stCondLst>
-                        <p:cond delay="indefinite"/>
-                      </p:stCondLst>
-                      <p:childTnLst>
-                        <p:par>
-                          <p:cTn id="19" fill="hold">
-                            <p:stCondLst>
-                              <p:cond delay="0"/>
-                            </p:stCondLst>
-                            <p:childTnLst>
-                              <p:par>
-                                <p:cTn id="20" presetID="10" presetClass="entr" presetSubtype="0" fill="hold" nodeType="clickEffect">
-                                  <p:stCondLst>
-                                    <p:cond delay="0"/>
-                                  </p:stCondLst>
-                                  <p:childTnLst>
-                                    <p:set>
-                                      <p:cBhvr>
-                                        <p:cTn id="21" dur="1" fill="hold">
-                                          <p:stCondLst>
-                                            <p:cond delay="0"/>
-                                          </p:stCondLst>
-                                        </p:cTn>
-                                        <p:tgtEl>
-                                          <p:spTgt spid="121">
-                                            <p:txEl>
-                                              <p:pRg st="3" end="3"/>
-                                            </p:txEl>
-                                          </p:spTgt>
-                                        </p:tgtEl>
-                                        <p:attrNameLst>
-                                          <p:attrName>style.visibility</p:attrName>
-                                        </p:attrNameLst>
-                                      </p:cBhvr>
-                                      <p:to>
-                                        <p:strVal val="visible"/>
-                                      </p:to>
-                                    </p:set>
-                                    <p:animEffect transition="in" filter="fade">
-                                      <p:cBhvr>
-                                        <p:cTn id="22" dur="100"/>
-                                        <p:tgtEl>
-                                          <p:spTgt spid="121">
-                                            <p:txEl>
-                                              <p:pRg st="3" end="3"/>
-                                            </p:txEl>
-                                          </p:spTgt>
-                                        </p:tgtEl>
-                                      </p:cBhvr>
-                                    </p:animEffect>
-                                  </p:childTnLst>
-                                </p:cTn>
-                              </p:par>
-                            </p:childTnLst>
-                          </p:cTn>
-                        </p:par>
-                      </p:childTnLst>
-                    </p:cTn>
-                  </p:par>
-                </p:childTnLst>
-              </p:cTn>
-              <p:prevCondLst>
-                <p:cond evt="onPrev" delay="0">
-                  <p:tgtEl>
-                    <p:sldTgt/>
-                  </p:tgtEl>
-                </p:cond>
-              </p:prevCondLst>
-              <p:nextCondLst>
-                <p:cond evt="onNext" delay="0">
-                  <p:tgtEl>
-                    <p:sldTgt/>
-                  </p:tgtEl>
-                </p:cond>
-              </p:nextCondLst>
-            </p:seq>
-          </p:childTnLst>
-        </p:cTn>
-      </p:par>
-    </p:tnLst>
-  </p:timing>
-</p:sld>
-</file>
-
-<file path=ppt/slides/slide17.xml><?xml version="1.0" encoding="utf-8"?>
-<p:sld xmlns:a="http://schemas.openxmlformats.org/drawingml/2006/main" xmlns:r="http://schemas.openxmlformats.org/officeDocument/2006/relationships" xmlns:p="http://schemas.openxmlformats.org/presentationml/2006/main">
-  <p:cSld>
-    <p:spTree>
-      <p:nvGrpSpPr>
-        <p:cNvPr id="1" name="Shape 134"/>
-        <p:cNvGrpSpPr/>
-        <p:nvPr/>
-      </p:nvGrpSpPr>
-      <p:grpSpPr>
-        <a:xfrm>
-          <a:off x="0" y="0"/>
-          <a:ext cx="0" cy="0"/>
-          <a:chOff x="0" y="0"/>
-          <a:chExt cx="0" cy="0"/>
-        </a:xfrm>
-      </p:grpSpPr>
-      <p:sp>
-        <p:nvSpPr>
-          <p:cNvPr id="136" name="Google Shape;136;p22"/>
-          <p:cNvSpPr txBox="1">
-            <a:spLocks noGrp="1"/>
-          </p:cNvSpPr>
-          <p:nvPr>
-            <p:ph type="title"/>
-          </p:nvPr>
-        </p:nvSpPr>
-        <p:spPr>
-          <a:prstGeom prst="rect">
-            <a:avLst/>
-          </a:prstGeom>
-        </p:spPr>
-        <p:txBody>
-          <a:bodyPr spcFirstLastPara="1" wrap="square" lIns="100779" tIns="100779" rIns="100779" bIns="100779" anchor="b" anchorCtr="0">
-            <a:noAutofit/>
-          </a:bodyPr>
-          <a:lstStyle/>
-          <a:p>
-            <a:r>
-              <a:rPr lang="en"/>
-              <a:t>Big O isn't the whole story</a:t>
-            </a:r>
-            <a:endParaRPr/>
-          </a:p>
-        </p:txBody>
-      </p:sp>
-      <p:sp>
-        <p:nvSpPr>
-          <p:cNvPr id="135" name="Google Shape;135;p22"/>
-          <p:cNvSpPr txBox="1">
-            <a:spLocks noGrp="1"/>
-          </p:cNvSpPr>
-          <p:nvPr>
-            <p:ph idx="1"/>
-          </p:nvPr>
-        </p:nvSpPr>
-        <p:spPr>
-          <a:prstGeom prst="rect">
-            <a:avLst/>
-          </a:prstGeom>
-        </p:spPr>
-        <p:txBody>
-          <a:bodyPr spcFirstLastPara="1" wrap="square" lIns="100779" tIns="100779" rIns="100779" bIns="100779" anchor="t" anchorCtr="0">
-            <a:noAutofit/>
-          </a:bodyPr>
-          <a:lstStyle/>
-          <a:p>
-            <a:pPr>
-              <a:lnSpc>
-                <a:spcPct val="150000"/>
-              </a:lnSpc>
-            </a:pPr>
-            <a:r>
-              <a:rPr lang="en" dirty="0">
-                <a:solidFill>
-                  <a:srgbClr val="002B5E"/>
-                </a:solidFill>
-              </a:rPr>
-              <a:t>Big Omega</a:t>
-            </a:r>
-            <a:endParaRPr dirty="0">
-              <a:solidFill>
-                <a:srgbClr val="002B5E"/>
-              </a:solidFill>
-            </a:endParaRPr>
-          </a:p>
-          <a:p>
-            <a:pPr lvl="1">
-              <a:lnSpc>
-                <a:spcPct val="150000"/>
-              </a:lnSpc>
-            </a:pPr>
-            <a:r>
-              <a:rPr lang="en" dirty="0">
-                <a:solidFill>
-                  <a:srgbClr val="002B5E"/>
-                </a:solidFill>
-              </a:rPr>
-              <a:t>Lower bound on asymptotic performance</a:t>
-            </a:r>
-            <a:endParaRPr dirty="0">
-              <a:solidFill>
-                <a:srgbClr val="002B5E"/>
-              </a:solidFill>
-            </a:endParaRPr>
-          </a:p>
-          <a:p>
-            <a:pPr>
-              <a:lnSpc>
-                <a:spcPct val="150000"/>
-              </a:lnSpc>
-              <a:spcBef>
-                <a:spcPts val="0"/>
-              </a:spcBef>
-            </a:pPr>
-            <a:r>
-              <a:rPr lang="en" dirty="0">
-                <a:solidFill>
-                  <a:srgbClr val="002B5E"/>
-                </a:solidFill>
-              </a:rPr>
-              <a:t>Theta</a:t>
-            </a:r>
-            <a:endParaRPr dirty="0">
-              <a:solidFill>
-                <a:srgbClr val="002B5E"/>
-              </a:solidFill>
-            </a:endParaRPr>
-          </a:p>
-          <a:p>
-            <a:pPr lvl="1">
-              <a:lnSpc>
-                <a:spcPct val="150000"/>
-              </a:lnSpc>
-            </a:pPr>
-            <a:r>
-              <a:rPr lang="en" dirty="0">
-                <a:solidFill>
-                  <a:srgbClr val="002B5E"/>
-                </a:solidFill>
-              </a:rPr>
-              <a:t>Upper and Lower bound on asymptotic performance</a:t>
-            </a:r>
-            <a:endParaRPr dirty="0">
-              <a:solidFill>
-                <a:srgbClr val="002B5E"/>
-              </a:solidFill>
-            </a:endParaRPr>
-          </a:p>
-          <a:p>
-            <a:pPr lvl="1">
-              <a:lnSpc>
-                <a:spcPct val="150000"/>
-              </a:lnSpc>
-            </a:pPr>
-            <a:r>
-              <a:rPr lang="en">
-                <a:solidFill>
-                  <a:srgbClr val="002B5E"/>
-                </a:solidFill>
-              </a:rPr>
-              <a:t>Exact bound</a:t>
-            </a:r>
-            <a:endParaRPr lang="en" dirty="0">
-              <a:solidFill>
-                <a:srgbClr val="002B5E"/>
-              </a:solidFill>
-            </a:endParaRPr>
-          </a:p>
-        </p:txBody>
-      </p:sp>
-      <p:sp>
-        <p:nvSpPr>
-          <p:cNvPr id="137" name="Google Shape;137;p22"/>
-          <p:cNvSpPr txBox="1">
-            <a:spLocks noGrp="1"/>
-          </p:cNvSpPr>
-          <p:nvPr>
-            <p:ph type="sldNum" idx="12"/>
-          </p:nvPr>
-        </p:nvSpPr>
-        <p:spPr>
-          <a:prstGeom prst="rect">
-            <a:avLst/>
-          </a:prstGeom>
-        </p:spPr>
-        <p:txBody>
-          <a:bodyPr spcFirstLastPara="1" wrap="square" lIns="100779" tIns="100779" rIns="100779" bIns="100779" anchor="ctr" anchorCtr="0">
-            <a:noAutofit/>
-          </a:bodyPr>
-          <a:lstStyle/>
-          <a:p>
-            <a:pPr defTabSz="1007943" fontAlgn="auto" hangingPunct="1">
-              <a:lnSpc>
-                <a:spcPct val="100000"/>
-              </a:lnSpc>
-              <a:spcBef>
-                <a:spcPts val="0"/>
-              </a:spcBef>
-              <a:spcAft>
-                <a:spcPts val="0"/>
-              </a:spcAft>
-              <a:buSzTx/>
-            </a:pPr>
-            <a:fld id="{00000000-1234-1234-1234-123412341234}" type="slidenum">
-              <a:rPr lang="en" kern="0"/>
-              <a:pPr defTabSz="1007943" fontAlgn="auto" hangingPunct="1">
-                <a:lnSpc>
-                  <a:spcPct val="100000"/>
-                </a:lnSpc>
-                <a:spcBef>
-                  <a:spcPts val="0"/>
-                </a:spcBef>
-                <a:spcAft>
-                  <a:spcPts val="0"/>
-                </a:spcAft>
-                <a:buSzTx/>
-              </a:pPr>
-              <a:t>17</a:t>
-            </a:fld>
-            <a:endParaRPr kern="0"/>
-          </a:p>
-        </p:txBody>
-      </p:sp>
-      <p:sp>
-        <p:nvSpPr>
-          <p:cNvPr id="3" name="Footer Placeholder 2">
-            <a:extLst>
-              <a:ext uri="{FF2B5EF4-FFF2-40B4-BE49-F238E27FC236}">
-                <a16:creationId xmlns:a16="http://schemas.microsoft.com/office/drawing/2014/main" id="{FD487C98-E829-CB41-97B4-8AC126D24650}"/>
-              </a:ext>
-            </a:extLst>
-          </p:cNvPr>
-          <p:cNvSpPr>
-            <a:spLocks noGrp="1"/>
-          </p:cNvSpPr>
-          <p:nvPr>
-            <p:ph type="ftr" idx="11"/>
-          </p:nvPr>
-        </p:nvSpPr>
-        <p:spPr/>
-        <p:txBody>
-          <a:bodyPr/>
-          <a:lstStyle/>
-          <a:p>
-            <a:pPr>
-              <a:defRPr/>
-            </a:pPr>
-            <a:r>
-              <a:rPr lang="en-US">
-                <a:latin typeface="+mn-lt"/>
-              </a:rPr>
-              <a:t>CS 1501 – Algorithm Implementation – Sherif Khattab</a:t>
-            </a:r>
-            <a:endParaRPr lang="en-GB"/>
-          </a:p>
-        </p:txBody>
-      </p:sp>
-    </p:spTree>
-    <p:extLst>
-      <p:ext uri="{BB962C8B-B14F-4D97-AF65-F5344CB8AC3E}">
-        <p14:creationId xmlns:p14="http://schemas.microsoft.com/office/powerpoint/2010/main" val="2649896979"/>
-      </p:ext>
-    </p:extLst>
-  </p:cSld>
-  <p:clrMapOvr>
-    <a:masterClrMapping/>
-  </p:clrMapOvr>
-  <p:timing>
-    <p:tnLst>
-      <p:par>
-        <p:cTn id="1" dur="indefinite" restart="never" nodeType="tmRoot">
-          <p:childTnLst>
-            <p:seq concurrent="1" nextAc="seek">
-              <p:cTn id="2" dur="indefinite" nodeType="mainSeq">
-                <p:childTnLst>
-                  <p:par>
-                    <p:cTn id="3" fill="hold">
-                      <p:stCondLst>
-                        <p:cond delay="indefinite"/>
-                      </p:stCondLst>
-                      <p:childTnLst>
-                        <p:par>
-                          <p:cTn id="4" fill="hold">
-                            <p:stCondLst>
-                              <p:cond delay="0"/>
-                            </p:stCondLst>
-                            <p:childTnLst>
-                              <p:par>
-                                <p:cTn id="5" presetID="10" presetClass="entr" presetSubtype="0" fill="hold" nodeType="clickEffect">
-                                  <p:stCondLst>
-                                    <p:cond delay="0"/>
-                                  </p:stCondLst>
-                                  <p:childTnLst>
-                                    <p:set>
-                                      <p:cBhvr>
-                                        <p:cTn id="6" dur="1" fill="hold">
-                                          <p:stCondLst>
-                                            <p:cond delay="0"/>
-                                          </p:stCondLst>
-                                        </p:cTn>
-                                        <p:tgtEl>
-                                          <p:spTgt spid="135">
-                                            <p:txEl>
-                                              <p:pRg st="0" end="0"/>
-                                            </p:txEl>
-                                          </p:spTgt>
-                                        </p:tgtEl>
-                                        <p:attrNameLst>
-                                          <p:attrName>style.visibility</p:attrName>
-                                        </p:attrNameLst>
-                                      </p:cBhvr>
-                                      <p:to>
-                                        <p:strVal val="visible"/>
-                                      </p:to>
-                                    </p:set>
-                                    <p:animEffect transition="in" filter="fade">
-                                      <p:cBhvr>
-                                        <p:cTn id="7" dur="100"/>
-                                        <p:tgtEl>
-                                          <p:spTgt spid="135">
-                                            <p:txEl>
-                                              <p:pRg st="0" end="0"/>
-                                            </p:txEl>
-                                          </p:spTgt>
-                                        </p:tgtEl>
-                                      </p:cBhvr>
-                                    </p:animEffect>
-                                  </p:childTnLst>
-                                </p:cTn>
-                              </p:par>
-                            </p:childTnLst>
-                          </p:cTn>
-                        </p:par>
-                      </p:childTnLst>
-                    </p:cTn>
-                  </p:par>
-                  <p:par>
-                    <p:cTn id="8" fill="hold">
-                      <p:stCondLst>
-                        <p:cond delay="indefinite"/>
-                      </p:stCondLst>
-                      <p:childTnLst>
-                        <p:par>
-                          <p:cTn id="9" fill="hold">
-                            <p:stCondLst>
-                              <p:cond delay="0"/>
-                            </p:stCondLst>
-                            <p:childTnLst>
-                              <p:par>
-                                <p:cTn id="10" presetID="10" presetClass="entr" presetSubtype="0" fill="hold" nodeType="clickEffect">
-                                  <p:stCondLst>
-                                    <p:cond delay="0"/>
-                                  </p:stCondLst>
-                                  <p:childTnLst>
-                                    <p:set>
-                                      <p:cBhvr>
-                                        <p:cTn id="11" dur="1" fill="hold">
-                                          <p:stCondLst>
-                                            <p:cond delay="0"/>
-                                          </p:stCondLst>
-                                        </p:cTn>
-                                        <p:tgtEl>
-                                          <p:spTgt spid="135">
-                                            <p:txEl>
-                                              <p:pRg st="1" end="1"/>
-                                            </p:txEl>
-                                          </p:spTgt>
-                                        </p:tgtEl>
-                                        <p:attrNameLst>
-                                          <p:attrName>style.visibility</p:attrName>
-                                        </p:attrNameLst>
-                                      </p:cBhvr>
-                                      <p:to>
-                                        <p:strVal val="visible"/>
-                                      </p:to>
-                                    </p:set>
-                                    <p:animEffect transition="in" filter="fade">
-                                      <p:cBhvr>
-                                        <p:cTn id="12" dur="100"/>
-                                        <p:tgtEl>
-                                          <p:spTgt spid="135">
-                                            <p:txEl>
-                                              <p:pRg st="1" end="1"/>
-                                            </p:txEl>
-                                          </p:spTgt>
-                                        </p:tgtEl>
-                                      </p:cBhvr>
-                                    </p:animEffect>
-                                  </p:childTnLst>
-                                </p:cTn>
-                              </p:par>
-                            </p:childTnLst>
-                          </p:cTn>
-                        </p:par>
-                      </p:childTnLst>
-                    </p:cTn>
-                  </p:par>
-                  <p:par>
-                    <p:cTn id="13" fill="hold">
-                      <p:stCondLst>
-                        <p:cond delay="indefinite"/>
-                      </p:stCondLst>
-                      <p:childTnLst>
-                        <p:par>
-                          <p:cTn id="14" fill="hold">
-                            <p:stCondLst>
-                              <p:cond delay="0"/>
-                            </p:stCondLst>
-                            <p:childTnLst>
-                              <p:par>
-                                <p:cTn id="15" presetID="10" presetClass="entr" presetSubtype="0" fill="hold" nodeType="clickEffect">
-                                  <p:stCondLst>
-                                    <p:cond delay="0"/>
-                                  </p:stCondLst>
-                                  <p:childTnLst>
-                                    <p:set>
-                                      <p:cBhvr>
-                                        <p:cTn id="16" dur="1" fill="hold">
-                                          <p:stCondLst>
-                                            <p:cond delay="0"/>
-                                          </p:stCondLst>
-                                        </p:cTn>
-                                        <p:tgtEl>
-                                          <p:spTgt spid="135">
-                                            <p:txEl>
-                                              <p:pRg st="2" end="2"/>
-                                            </p:txEl>
-                                          </p:spTgt>
-                                        </p:tgtEl>
-                                        <p:attrNameLst>
-                                          <p:attrName>style.visibility</p:attrName>
-                                        </p:attrNameLst>
-                                      </p:cBhvr>
-                                      <p:to>
-                                        <p:strVal val="visible"/>
-                                      </p:to>
-                                    </p:set>
-                                    <p:animEffect transition="in" filter="fade">
-                                      <p:cBhvr>
-                                        <p:cTn id="17" dur="100"/>
-                                        <p:tgtEl>
-                                          <p:spTgt spid="135">
-                                            <p:txEl>
-                                              <p:pRg st="2" end="2"/>
-                                            </p:txEl>
-                                          </p:spTgt>
-                                        </p:tgtEl>
-                                      </p:cBhvr>
-                                    </p:animEffect>
-                                  </p:childTnLst>
-                                </p:cTn>
-                              </p:par>
-                            </p:childTnLst>
-                          </p:cTn>
-                        </p:par>
-                      </p:childTnLst>
-                    </p:cTn>
-                  </p:par>
-                  <p:par>
-                    <p:cTn id="18" fill="hold">
-                      <p:stCondLst>
-                        <p:cond delay="indefinite"/>
-                      </p:stCondLst>
-                      <p:childTnLst>
-                        <p:par>
-                          <p:cTn id="19" fill="hold">
-                            <p:stCondLst>
-                              <p:cond delay="0"/>
-                            </p:stCondLst>
-                            <p:childTnLst>
-                              <p:par>
-                                <p:cTn id="20" presetID="10" presetClass="entr" presetSubtype="0" fill="hold" nodeType="clickEffect">
-                                  <p:stCondLst>
-                                    <p:cond delay="0"/>
-                                  </p:stCondLst>
-                                  <p:childTnLst>
-                                    <p:set>
-                                      <p:cBhvr>
-                                        <p:cTn id="21" dur="1" fill="hold">
-                                          <p:stCondLst>
-                                            <p:cond delay="0"/>
-                                          </p:stCondLst>
-                                        </p:cTn>
-                                        <p:tgtEl>
-                                          <p:spTgt spid="135">
-                                            <p:txEl>
-                                              <p:pRg st="3" end="3"/>
-                                            </p:txEl>
-                                          </p:spTgt>
-                                        </p:tgtEl>
-                                        <p:attrNameLst>
-                                          <p:attrName>style.visibility</p:attrName>
-                                        </p:attrNameLst>
-                                      </p:cBhvr>
-                                      <p:to>
-                                        <p:strVal val="visible"/>
-                                      </p:to>
-                                    </p:set>
-                                    <p:animEffect transition="in" filter="fade">
-                                      <p:cBhvr>
-                                        <p:cTn id="22" dur="100"/>
-                                        <p:tgtEl>
-                                          <p:spTgt spid="135">
-                                            <p:txEl>
-                                              <p:pRg st="3" end="3"/>
-                                            </p:txEl>
-                                          </p:spTgt>
-                                        </p:tgtEl>
-                                      </p:cBhvr>
-                                    </p:animEffect>
-                                  </p:childTnLst>
-                                </p:cTn>
-                              </p:par>
-                            </p:childTnLst>
-                          </p:cTn>
-                        </p:par>
-                      </p:childTnLst>
-                    </p:cTn>
-                  </p:par>
-                  <p:par>
-                    <p:cTn id="23" fill="hold">
-                      <p:stCondLst>
-                        <p:cond delay="indefinite"/>
-                      </p:stCondLst>
-                      <p:childTnLst>
-                        <p:par>
-                          <p:cTn id="24" fill="hold">
-                            <p:stCondLst>
-                              <p:cond delay="0"/>
-                            </p:stCondLst>
-                            <p:childTnLst>
-                              <p:par>
-                                <p:cTn id="25" presetID="10" presetClass="entr" presetSubtype="0" fill="hold" nodeType="clickEffect">
-                                  <p:stCondLst>
-                                    <p:cond delay="0"/>
-                                  </p:stCondLst>
-                                  <p:childTnLst>
-                                    <p:set>
-                                      <p:cBhvr>
-                                        <p:cTn id="26" dur="1" fill="hold">
-                                          <p:stCondLst>
-                                            <p:cond delay="0"/>
-                                          </p:stCondLst>
-                                        </p:cTn>
-                                        <p:tgtEl>
-                                          <p:spTgt spid="135">
-                                            <p:txEl>
-                                              <p:pRg st="4" end="4"/>
-                                            </p:txEl>
-                                          </p:spTgt>
-                                        </p:tgtEl>
-                                        <p:attrNameLst>
-                                          <p:attrName>style.visibility</p:attrName>
-                                        </p:attrNameLst>
-                                      </p:cBhvr>
-                                      <p:to>
-                                        <p:strVal val="visible"/>
-                                      </p:to>
-                                    </p:set>
-                                    <p:animEffect transition="in" filter="fade">
-                                      <p:cBhvr>
-                                        <p:cTn id="27" dur="100"/>
-                                        <p:tgtEl>
-                                          <p:spTgt spid="135">
-                                            <p:txEl>
-                                              <p:pRg st="4" end="4"/>
-                                            </p:txEl>
-                                          </p:spTgt>
-                                        </p:tgtEl>
-                                      </p:cBhvr>
-                                    </p:animEffect>
-                                  </p:childTnLst>
-                                </p:cTn>
-                              </p:par>
-                            </p:childTnLst>
-                          </p:cTn>
-                        </p:par>
-                      </p:childTnLst>
-                    </p:cTn>
-                  </p:par>
-                </p:childTnLst>
-              </p:cTn>
-              <p:prevCondLst>
-                <p:cond evt="onPrev" delay="0">
-                  <p:tgtEl>
-                    <p:sldTgt/>
-                  </p:tgtEl>
-                </p:cond>
-              </p:prevCondLst>
-              <p:nextCondLst>
-                <p:cond evt="onNext" delay="0">
-                  <p:tgtEl>
-                    <p:sldTgt/>
-                  </p:tgtEl>
-                </p:cond>
-              </p:nextCondLst>
-            </p:seq>
-          </p:childTnLst>
-        </p:cTn>
-      </p:par>
-    </p:tnLst>
-  </p:timing>
-</p:sld>
-</file>
-
-<file path=ppt/slides/slide18.xml><?xml version="1.0" encoding="utf-8"?>
-<p:sld xmlns:a="http://schemas.openxmlformats.org/drawingml/2006/main" xmlns:r="http://schemas.openxmlformats.org/officeDocument/2006/relationships" xmlns:p="http://schemas.openxmlformats.org/presentationml/2006/main">
-  <p:cSld>
-    <p:spTree>
-      <p:nvGrpSpPr>
-        <p:cNvPr id="1" name=""/>
-        <p:cNvGrpSpPr/>
-        <p:nvPr/>
-      </p:nvGrpSpPr>
-      <p:grpSpPr>
-        <a:xfrm>
-          <a:off x="0" y="0"/>
-          <a:ext cx="0" cy="0"/>
-          <a:chOff x="0" y="0"/>
-          <a:chExt cx="0" cy="0"/>
-        </a:xfrm>
-      </p:grpSpPr>
-      <p:sp>
-        <p:nvSpPr>
-          <p:cNvPr id="2" name="Title 1">
-            <a:extLst>
-              <a:ext uri="{FF2B5EF4-FFF2-40B4-BE49-F238E27FC236}">
-                <a16:creationId xmlns:a16="http://schemas.microsoft.com/office/drawing/2014/main" id="{49E974AB-1953-6841-8366-82CC96161065}"/>
-              </a:ext>
-            </a:extLst>
-          </p:cNvPr>
-          <p:cNvSpPr>
-            <a:spLocks noGrp="1"/>
-          </p:cNvSpPr>
-          <p:nvPr>
-            <p:ph type="title"/>
-          </p:nvPr>
-        </p:nvSpPr>
-        <p:spPr/>
-        <p:txBody>
-          <a:bodyPr/>
-          <a:lstStyle/>
-          <a:p>
-            <a:r>
-              <a:rPr lang="en-US"/>
-              <a:t>The Big O Family</a:t>
-            </a:r>
-          </a:p>
-        </p:txBody>
-      </p:sp>
-      <mc:AlternateContent xmlns:mc="http://schemas.openxmlformats.org/markup-compatibility/2006" xmlns:a14="http://schemas.microsoft.com/office/drawing/2010/main">
-        <mc:Choice Requires="a14">
-          <p:sp>
-            <p:nvSpPr>
-              <p:cNvPr id="3" name="Content Placeholder 2">
-                <a:extLst>
-                  <a:ext uri="{FF2B5EF4-FFF2-40B4-BE49-F238E27FC236}">
-                    <a16:creationId xmlns:a16="http://schemas.microsoft.com/office/drawing/2014/main" id="{3767FED5-4D71-4244-AE6D-E2F584A2CAF2}"/>
-                  </a:ext>
-                </a:extLst>
-              </p:cNvPr>
-              <p:cNvSpPr>
-                <a:spLocks noGrp="1"/>
-              </p:cNvSpPr>
-              <p:nvPr>
-                <p:ph idx="1"/>
-              </p:nvPr>
-            </p:nvSpPr>
-            <p:spPr/>
-            <p:txBody>
-              <a:bodyPr/>
-              <a:lstStyle/>
-              <a:p>
-                <a:r>
-                  <a:rPr lang="en-US" dirty="0"/>
-                  <a:t>O roughly means </a:t>
-                </a:r>
-                <a14:m>
-                  <m:oMath xmlns:m="http://schemas.openxmlformats.org/officeDocument/2006/math">
-                    <m:r>
-                      <a:rPr lang="en-US" i="1" smtClean="0">
-                        <a:latin typeface="Cambria Math" panose="02040503050406030204" pitchFamily="18" charset="0"/>
-                        <a:ea typeface="Cambria Math" panose="02040503050406030204" pitchFamily="18" charset="0"/>
-                      </a:rPr>
-                      <m:t>≤</m:t>
-                    </m:r>
-                  </m:oMath>
-                </a14:m>
-                <a:endParaRPr lang="en-US" dirty="0"/>
-              </a:p>
-              <a:p>
-                <a:r>
-                  <a:rPr lang="en-US" dirty="0"/>
-                  <a:t>o roughly means </a:t>
-                </a:r>
-                <a14:m>
-                  <m:oMath xmlns:m="http://schemas.openxmlformats.org/officeDocument/2006/math">
-                    <m:r>
-                      <a:rPr lang="en-US" i="1" smtClean="0">
-                        <a:latin typeface="Cambria Math" panose="02040503050406030204" pitchFamily="18" charset="0"/>
-                        <a:ea typeface="Cambria Math" panose="02040503050406030204" pitchFamily="18" charset="0"/>
-                      </a:rPr>
-                      <m:t>&lt;</m:t>
-                    </m:r>
-                  </m:oMath>
-                </a14:m>
-                <a:endParaRPr lang="en-US" dirty="0"/>
-              </a:p>
-              <a:p>
-                <a:r>
-                  <a:rPr lang="en-US" dirty="0" err="1"/>
-                  <a:t>Ω</a:t>
-                </a:r>
-                <a:r>
-                  <a:rPr lang="en-US" dirty="0"/>
-                  <a:t> roughly means </a:t>
-                </a:r>
-                <a14:m>
-                  <m:oMath xmlns:m="http://schemas.openxmlformats.org/officeDocument/2006/math">
-                    <m:r>
-                      <a:rPr lang="en-US" i="1" smtClean="0">
-                        <a:latin typeface="Cambria Math" panose="02040503050406030204" pitchFamily="18" charset="0"/>
-                        <a:ea typeface="Cambria Math" panose="02040503050406030204" pitchFamily="18" charset="0"/>
-                      </a:rPr>
-                      <m:t>≥</m:t>
-                    </m:r>
-                  </m:oMath>
-                </a14:m>
-                <a:endParaRPr lang="en-US" dirty="0"/>
-              </a:p>
-              <a:p>
-                <a:r>
-                  <a:rPr lang="en-US" dirty="0" err="1"/>
-                  <a:t>ω</a:t>
-                </a:r>
-                <a:r>
-                  <a:rPr lang="en-US" dirty="0"/>
-                  <a:t> roughly means </a:t>
-                </a:r>
-                <a14:m>
-                  <m:oMath xmlns:m="http://schemas.openxmlformats.org/officeDocument/2006/math">
-                    <m:r>
-                      <a:rPr lang="en-US" i="1" smtClean="0">
-                        <a:latin typeface="Cambria Math" panose="02040503050406030204" pitchFamily="18" charset="0"/>
-                        <a:ea typeface="Cambria Math" panose="02040503050406030204" pitchFamily="18" charset="0"/>
-                      </a:rPr>
-                      <m:t>&gt;</m:t>
-                    </m:r>
-                  </m:oMath>
-                </a14:m>
-                <a:endParaRPr lang="en-US" dirty="0"/>
-              </a:p>
-              <a:p>
-                <a:r>
-                  <a:rPr lang="en-US" dirty="0"/>
-                  <a:t>ϴ roughly means =</a:t>
-                </a:r>
-              </a:p>
-              <a:p>
-                <a:endParaRPr lang="en-US" dirty="0"/>
-              </a:p>
-              <a:p>
-                <a:r>
-                  <a:rPr lang="en-US" dirty="0"/>
-                  <a:t>Example: </a:t>
-                </a:r>
-                <a14:m>
-                  <m:oMath xmlns:m="http://schemas.openxmlformats.org/officeDocument/2006/math">
-                    <m:r>
-                      <a:rPr lang="en-US" b="0" i="1" smtClean="0">
-                        <a:latin typeface="Cambria Math" panose="02040503050406030204" pitchFamily="18" charset="0"/>
-                      </a:rPr>
-                      <m:t>5</m:t>
-                    </m:r>
-                    <m:sSup>
-                      <m:sSupPr>
-                        <m:ctrlPr>
-                          <a:rPr lang="en-US" b="0" i="1" smtClean="0">
-                            <a:latin typeface="Cambria Math" panose="02040503050406030204" pitchFamily="18" charset="0"/>
-                          </a:rPr>
-                        </m:ctrlPr>
-                      </m:sSupPr>
-                      <m:e>
-                        <m:r>
-                          <a:rPr lang="en-US" b="0" i="1" smtClean="0">
-                            <a:latin typeface="Cambria Math" panose="02040503050406030204" pitchFamily="18" charset="0"/>
-                          </a:rPr>
-                          <m:t>𝑛</m:t>
-                        </m:r>
-                      </m:e>
-                      <m:sup>
-                        <m:r>
-                          <a:rPr lang="en-US" b="0" i="1" smtClean="0">
-                            <a:latin typeface="Cambria Math" panose="02040503050406030204" pitchFamily="18" charset="0"/>
-                          </a:rPr>
-                          <m:t>3</m:t>
-                        </m:r>
-                      </m:sup>
-                    </m:sSup>
-                    <m:r>
-                      <a:rPr lang="en-US" b="0" i="1" smtClean="0">
-                        <a:latin typeface="Cambria Math" panose="02040503050406030204" pitchFamily="18" charset="0"/>
-                      </a:rPr>
-                      <m:t>+53</m:t>
-                    </m:r>
-                    <m:r>
-                      <a:rPr lang="en-US" b="0" i="1" smtClean="0">
-                        <a:latin typeface="Cambria Math" panose="02040503050406030204" pitchFamily="18" charset="0"/>
-                      </a:rPr>
-                      <m:t>𝑛</m:t>
-                    </m:r>
-                    <m:r>
-                      <a:rPr lang="en-US" b="0" i="1" smtClean="0">
-                        <a:latin typeface="Cambria Math" panose="02040503050406030204" pitchFamily="18" charset="0"/>
-                      </a:rPr>
-                      <m:t>+7 </m:t>
-                    </m:r>
-                    <m:r>
-                      <a:rPr lang="en-US" b="0" i="1" smtClean="0">
-                        <a:latin typeface="Cambria Math" panose="02040503050406030204" pitchFamily="18" charset="0"/>
-                      </a:rPr>
-                      <m:t>𝑖𝑠</m:t>
-                    </m:r>
-                    <m:r>
-                      <a:rPr lang="en-US" b="0" i="1" smtClean="0">
-                        <a:latin typeface="Cambria Math" panose="02040503050406030204" pitchFamily="18" charset="0"/>
-                      </a:rPr>
-                      <m:t> </m:t>
-                    </m:r>
-                    <m:r>
-                      <a:rPr lang="en-US" b="0" i="1" smtClean="0">
-                        <a:latin typeface="Cambria Math" panose="02040503050406030204" pitchFamily="18" charset="0"/>
-                      </a:rPr>
-                      <m:t>𝑂</m:t>
-                    </m:r>
-                    <m:d>
-                      <m:dPr>
-                        <m:ctrlPr>
-                          <a:rPr lang="en-US" b="0" i="1" smtClean="0">
-                            <a:latin typeface="Cambria Math" panose="02040503050406030204" pitchFamily="18" charset="0"/>
-                          </a:rPr>
-                        </m:ctrlPr>
-                      </m:dPr>
-                      <m:e>
-                        <m:sSup>
-                          <m:sSupPr>
-                            <m:ctrlPr>
-                              <a:rPr lang="en-US" b="0" i="1" smtClean="0">
-                                <a:latin typeface="Cambria Math" panose="02040503050406030204" pitchFamily="18" charset="0"/>
-                              </a:rPr>
-                            </m:ctrlPr>
-                          </m:sSupPr>
-                          <m:e>
-                            <m:r>
-                              <a:rPr lang="en-US" b="0" i="1" smtClean="0">
-                                <a:latin typeface="Cambria Math" panose="02040503050406030204" pitchFamily="18" charset="0"/>
-                              </a:rPr>
-                              <m:t>𝑛</m:t>
-                            </m:r>
-                          </m:e>
-                          <m:sup>
-                            <m:r>
-                              <a:rPr lang="en-US" b="0" i="1" smtClean="0">
-                                <a:latin typeface="Cambria Math" panose="02040503050406030204" pitchFamily="18" charset="0"/>
-                              </a:rPr>
-                              <m:t>3</m:t>
-                            </m:r>
-                          </m:sup>
-                        </m:sSup>
-                      </m:e>
-                    </m:d>
-                  </m:oMath>
-                </a14:m>
-                <a:endParaRPr lang="en-US" b="0" dirty="0"/>
-              </a:p>
-              <a:p>
-                <a:pPr lvl="1"/>
-                <a:r>
-                  <a:rPr lang="en-US" dirty="0"/>
-                  <a:t>The rate of growth of </a:t>
-                </a:r>
-                <a14:m>
-                  <m:oMath xmlns:m="http://schemas.openxmlformats.org/officeDocument/2006/math">
-                    <m:r>
-                      <a:rPr lang="en-US" i="1">
-                        <a:latin typeface="Cambria Math" panose="02040503050406030204" pitchFamily="18" charset="0"/>
-                      </a:rPr>
-                      <m:t>5</m:t>
-                    </m:r>
-                    <m:sSup>
-                      <m:sSupPr>
-                        <m:ctrlPr>
-                          <a:rPr lang="en-US" i="1">
-                            <a:latin typeface="Cambria Math" panose="02040503050406030204" pitchFamily="18" charset="0"/>
-                          </a:rPr>
-                        </m:ctrlPr>
-                      </m:sSupPr>
-                      <m:e>
-                        <m:r>
-                          <a:rPr lang="en-US" i="1">
-                            <a:latin typeface="Cambria Math" panose="02040503050406030204" pitchFamily="18" charset="0"/>
-                          </a:rPr>
-                          <m:t>𝑛</m:t>
-                        </m:r>
-                      </m:e>
-                      <m:sup>
-                        <m:r>
-                          <a:rPr lang="en-US" i="1">
-                            <a:latin typeface="Cambria Math" panose="02040503050406030204" pitchFamily="18" charset="0"/>
-                          </a:rPr>
-                          <m:t>3</m:t>
-                        </m:r>
-                      </m:sup>
-                    </m:sSup>
-                    <m:r>
-                      <a:rPr lang="en-US" i="1">
-                        <a:latin typeface="Cambria Math" panose="02040503050406030204" pitchFamily="18" charset="0"/>
-                      </a:rPr>
-                      <m:t>+53</m:t>
-                    </m:r>
-                    <m:r>
-                      <a:rPr lang="en-US" i="1">
-                        <a:latin typeface="Cambria Math" panose="02040503050406030204" pitchFamily="18" charset="0"/>
-                      </a:rPr>
-                      <m:t>𝑛</m:t>
-                    </m:r>
-                    <m:r>
-                      <a:rPr lang="en-US" i="1">
-                        <a:latin typeface="Cambria Math" panose="02040503050406030204" pitchFamily="18" charset="0"/>
-                      </a:rPr>
-                      <m:t>+7</m:t>
-                    </m:r>
-                  </m:oMath>
-                </a14:m>
-                <a:r>
-                  <a:rPr lang="en-US"/>
-                  <a:t> </a:t>
-                </a:r>
-                <a:r>
-                  <a:rPr lang="en-US" dirty="0"/>
-                  <a:t>is no more than (</a:t>
-                </a:r>
-                <a14:m>
-                  <m:oMath xmlns:m="http://schemas.openxmlformats.org/officeDocument/2006/math">
-                    <m:r>
-                      <a:rPr lang="en-US" i="1">
-                        <a:latin typeface="Cambria Math" panose="02040503050406030204" pitchFamily="18" charset="0"/>
-                        <a:ea typeface="Cambria Math" panose="02040503050406030204" pitchFamily="18" charset="0"/>
-                      </a:rPr>
-                      <m:t>≤ </m:t>
-                    </m:r>
-                  </m:oMath>
-                </a14:m>
-                <a:r>
-                  <a:rPr lang="en-US" dirty="0"/>
-                  <a:t>) the rate of growth of </a:t>
-                </a:r>
-                <a14:m>
-                  <m:oMath xmlns:m="http://schemas.openxmlformats.org/officeDocument/2006/math">
-                    <m:sSup>
-                      <m:sSupPr>
-                        <m:ctrlPr>
-                          <a:rPr lang="en-US" i="1">
-                            <a:latin typeface="Cambria Math" panose="02040503050406030204" pitchFamily="18" charset="0"/>
-                          </a:rPr>
-                        </m:ctrlPr>
-                      </m:sSupPr>
-                      <m:e>
-                        <m:r>
-                          <a:rPr lang="en-US" i="1">
-                            <a:latin typeface="Cambria Math" panose="02040503050406030204" pitchFamily="18" charset="0"/>
-                          </a:rPr>
-                          <m:t>𝑛</m:t>
-                        </m:r>
-                      </m:e>
-                      <m:sup>
-                        <m:r>
-                          <a:rPr lang="en-US" i="1">
-                            <a:latin typeface="Cambria Math" panose="02040503050406030204" pitchFamily="18" charset="0"/>
-                          </a:rPr>
-                          <m:t>3</m:t>
-                        </m:r>
-                      </m:sup>
-                    </m:sSup>
-                  </m:oMath>
-                </a14:m>
-                <a:endParaRPr lang="en-US" dirty="0"/>
-              </a:p>
-            </p:txBody>
-          </p:sp>
-        </mc:Choice>
-        <mc:Fallback xmlns="">
-          <p:sp>
-            <p:nvSpPr>
-              <p:cNvPr id="3" name="Content Placeholder 2">
-                <a:extLst>
-                  <a:ext uri="{FF2B5EF4-FFF2-40B4-BE49-F238E27FC236}">
-                    <a16:creationId xmlns:a16="http://schemas.microsoft.com/office/drawing/2014/main" id="{3767FED5-4D71-4244-AE6D-E2F584A2CAF2}"/>
-                  </a:ext>
-                </a:extLst>
-              </p:cNvPr>
-              <p:cNvSpPr>
-                <a:spLocks noGrp="1" noRot="1" noChangeAspect="1" noMove="1" noResize="1" noEditPoints="1" noAdjustHandles="1" noChangeArrowheads="1" noChangeShapeType="1" noTextEdit="1"/>
-              </p:cNvSpPr>
-              <p:nvPr>
-                <p:ph idx="1"/>
-              </p:nvPr>
-            </p:nvSpPr>
-            <p:spPr>
-              <a:blipFill>
-                <a:blip r:embed="rId2"/>
-                <a:stretch>
-                  <a:fillRect l="-2390" t="-1919"/>
-                </a:stretch>
-              </a:blipFill>
-            </p:spPr>
-            <p:txBody>
-              <a:bodyPr/>
-              <a:lstStyle/>
-              <a:p>
-                <a:r>
-                  <a:rPr lang="en-US">
-                    <a:noFill/>
-                  </a:rPr>
-                  <a:t> </a:t>
-                </a:r>
-              </a:p>
-            </p:txBody>
-          </p:sp>
-        </mc:Fallback>
-      </mc:AlternateContent>
-      <p:sp>
-        <p:nvSpPr>
-          <p:cNvPr id="4" name="Footer Placeholder 3">
-            <a:extLst>
-              <a:ext uri="{FF2B5EF4-FFF2-40B4-BE49-F238E27FC236}">
-                <a16:creationId xmlns:a16="http://schemas.microsoft.com/office/drawing/2014/main" id="{54768B69-4310-9746-83AE-F3A5EEC65DC1}"/>
-              </a:ext>
-            </a:extLst>
-          </p:cNvPr>
-          <p:cNvSpPr>
-            <a:spLocks noGrp="1"/>
-          </p:cNvSpPr>
-          <p:nvPr>
-            <p:ph type="ftr" idx="11"/>
-          </p:nvPr>
-        </p:nvSpPr>
-        <p:spPr/>
-        <p:txBody>
-          <a:bodyPr/>
-          <a:lstStyle/>
-          <a:p>
-            <a:pPr>
-              <a:defRPr/>
-            </a:pPr>
-            <a:r>
-              <a:rPr lang="en-US">
-                <a:latin typeface="+mn-lt"/>
-              </a:rPr>
-              <a:t>CS 1501 – Algorithm Implementation – Sherif Khattab</a:t>
-            </a:r>
-            <a:endParaRPr lang="en-GB"/>
-          </a:p>
-        </p:txBody>
-      </p:sp>
-      <p:sp>
-        <p:nvSpPr>
-          <p:cNvPr id="5" name="Slide Number Placeholder 4">
-            <a:extLst>
-              <a:ext uri="{FF2B5EF4-FFF2-40B4-BE49-F238E27FC236}">
-                <a16:creationId xmlns:a16="http://schemas.microsoft.com/office/drawing/2014/main" id="{18C354D6-0C28-214F-A8EE-7EF40F5F1E13}"/>
-              </a:ext>
-            </a:extLst>
-          </p:cNvPr>
-          <p:cNvSpPr>
-            <a:spLocks noGrp="1"/>
-          </p:cNvSpPr>
-          <p:nvPr>
-            <p:ph type="sldNum" idx="12"/>
-          </p:nvPr>
-        </p:nvSpPr>
-        <p:spPr/>
-        <p:txBody>
-          <a:bodyPr/>
-          <a:lstStyle/>
-          <a:p>
-            <a:fld id="{65E435D9-63B0-4660-8D04-E83F5E2CA2AE}" type="slidenum">
-              <a:rPr lang="en-GB" altLang="en-US" smtClean="0"/>
-              <a:pPr/>
-              <a:t>18</a:t>
-            </a:fld>
-            <a:endParaRPr lang="en-GB" altLang="en-US"/>
-          </a:p>
-        </p:txBody>
-      </p:sp>
-    </p:spTree>
-    <p:extLst>
-      <p:ext uri="{BB962C8B-B14F-4D97-AF65-F5344CB8AC3E}">
-        <p14:creationId xmlns:p14="http://schemas.microsoft.com/office/powerpoint/2010/main" val="3096182758"/>
       </p:ext>
     </p:extLst>
   </p:cSld>
@@ -21109,7 +16372,7 @@
         </p:spPr>
         <p:txBody>
           <a:bodyPr>
-            <a:normAutofit fontScale="85000" lnSpcReduction="20000"/>
+            <a:normAutofit fontScale="77500" lnSpcReduction="20000"/>
           </a:bodyPr>
           <a:lstStyle/>
           <a:p>
@@ -21121,22 +16384,22 @@
               <a:buChar char="•"/>
             </a:pPr>
             <a:r>
-              <a:rPr lang="en-US" altLang="en-US" b="1" dirty="0"/>
+              <a:rPr lang="en-US" altLang="en-US" b="1"/>
               <a:t>Course website: </a:t>
             </a:r>
             <a:r>
-              <a:rPr lang="en-US" altLang="en-US" dirty="0"/>
+              <a:rPr lang="en-US" altLang="en-US"/>
               <a:t>http://</a:t>
             </a:r>
             <a:r>
-              <a:rPr lang="en-US" altLang="en-US" dirty="0">
+              <a:rPr lang="en-US" altLang="en-US">
                 <a:solidFill>
                   <a:schemeClr val="tx1"/>
                 </a:solidFill>
               </a:rPr>
               <a:t>www.cs.pitt.edu/~skhattab/cs1501/</a:t>
             </a:r>
-            <a:endParaRPr lang="en-US" altLang="en-US" b="1" dirty="0"/>
+            <a:endParaRPr lang="en-US" altLang="en-US" b="1"/>
           </a:p>
           <a:p>
             <a:pPr>
@@ -21147,11 +16410,11 @@
               <a:buChar char="•"/>
             </a:pPr>
             <a:r>
-              <a:rPr lang="en-US" altLang="en-US" b="1" dirty="0"/>
+              <a:rPr lang="en-US" altLang="en-US" b="1"/>
               <a:t>Instructor: </a:t>
             </a:r>
             <a:r>
-              <a:rPr lang="en-US" altLang="en-US" dirty="0"/>
+              <a:rPr lang="en-US" altLang="en-US"/>
               <a:t>Sherif Khattab  ksm73@pitt.edu</a:t>
             </a:r>
           </a:p>
@@ -21162,9 +16425,37 @@
               </a:lnSpc>
             </a:pPr>
             <a:r>
-              <a:rPr lang="en-US" altLang="en-US" dirty="0"/>
+              <a:rPr lang="en-US" altLang="en-US"/>
               <a:t>OH: https://khattab.youcanbook.me</a:t>
             </a:r>
+          </a:p>
+          <a:p>
+            <a:pPr lvl="1"/>
+            <a:r>
+              <a:rPr lang="en-US" err="1"/>
+              <a:t>TuTh</a:t>
+            </a:r>
+            <a:r>
+              <a:rPr lang="en-US"/>
+              <a:t>: 16:30-19:30 (remote until Jan 26 then in-person/remote)</a:t>
+            </a:r>
+            <a:endParaRPr lang="en-US" sz="2400"/>
+          </a:p>
+          <a:p>
+            <a:pPr lvl="1"/>
+            <a:r>
+              <a:rPr lang="en-US"/>
+              <a:t>F: 16:00-18:00 (</a:t>
+            </a:r>
+            <a:r>
+              <a:rPr lang="en-US" b="1"/>
+              <a:t>remote only for the entire term</a:t>
+            </a:r>
+            <a:r>
+              <a:rPr lang="en-US"/>
+              <a:t>)</a:t>
+            </a:r>
+            <a:endParaRPr lang="en-US" sz="2400"/>
           </a:p>
           <a:p>
             <a:pPr lvl="1">
@@ -21175,29 +16466,8 @@
               <a:buChar char="•"/>
             </a:pPr>
             <a:r>
-              <a:rPr lang="en-US" altLang="en-US" dirty="0"/>
-              <a:t>Tu: 10-noon; Th: 10-noon and 3-6; F: 8-10 and 3-4</a:t>
-            </a:r>
-          </a:p>
-          <a:p>
-            <a:pPr lvl="1">
-              <a:lnSpc>
-                <a:spcPct val="120000"/>
-              </a:lnSpc>
-              <a:buFont typeface="Arial" panose="020B0604020202020204" pitchFamily="34" charset="0"/>
-              <a:buChar char="•"/>
-            </a:pPr>
-            <a:r>
-              <a:rPr lang="en-US" altLang="en-US" dirty="0"/>
-              <a:t>6307 </a:t>
-            </a:r>
-            <a:r>
-              <a:rPr lang="en-US" altLang="en-US" dirty="0" err="1"/>
-              <a:t>Sennott</a:t>
-            </a:r>
-            <a:r>
-              <a:rPr lang="en-US" altLang="en-US" dirty="0"/>
-              <a:t> Square, Virtual Office: https://pitt.zoom.us/my/khattab</a:t>
+              <a:rPr lang="en-US" altLang="en-US"/>
+              <a:t>6307 Sennott Square, Virtual Office: https://pitt.zoom.us/my/khattab</a:t>
             </a:r>
           </a:p>
           <a:p>
@@ -21209,7 +16479,7 @@
               <a:buChar char="•"/>
             </a:pPr>
             <a:r>
-              <a:rPr lang="en-US" altLang="en-US" b="1" dirty="0"/>
+              <a:rPr lang="en-US" altLang="en-US" b="1"/>
               <a:t>Teaching Team:</a:t>
             </a:r>
           </a:p>
@@ -21220,7 +16490,7 @@
               </a:lnSpc>
             </a:pPr>
             <a:r>
-              <a:rPr lang="en-US" altLang="en-US" dirty="0"/>
+              <a:rPr lang="en-US" altLang="en-US"/>
               <a:t>TBD</a:t>
             </a:r>
           </a:p>
@@ -21233,7 +16503,7 @@
               <a:buChar char="•"/>
             </a:pPr>
             <a:r>
-              <a:rPr lang="en-US" dirty="0"/>
+              <a:rPr lang="en-US"/>
               <a:t>Recitations start this week!</a:t>
             </a:r>
           </a:p>
@@ -21246,7 +16516,7 @@
               <a:buChar char="•"/>
             </a:pPr>
             <a:r>
-              <a:rPr lang="en-US" altLang="en-US" b="1" dirty="0"/>
+              <a:rPr lang="en-US" altLang="en-US" b="1"/>
               <a:t>Communication</a:t>
             </a:r>
           </a:p>
@@ -21259,7 +16529,7 @@
               <a:buAutoNum type="arabicPeriod"/>
             </a:pPr>
             <a:r>
-              <a:rPr lang="en-US" altLang="en-US" dirty="0"/>
+              <a:rPr lang="en-US" altLang="en-US"/>
               <a:t>End of week newsletter</a:t>
             </a:r>
           </a:p>
@@ -21272,14 +16542,26 @@
               <a:buAutoNum type="arabicPeriod"/>
             </a:pPr>
             <a:r>
-              <a:rPr lang="en-US" altLang="en-US" dirty="0"/>
-              <a:t>Piazza, Canvas Messages, Email (</a:t>
-            </a:r>
-            <a:r>
-              <a:rPr lang="en-US" altLang="en-US" b="1" dirty="0"/>
+              <a:rPr lang="en-US" altLang="en-US"/>
+              <a:t>Piazza (</a:t>
+            </a:r>
+            <a:r>
+              <a:rPr lang="en-US" altLang="en-US" b="1"/>
               <a:t>Please expect a response within 72 hours)</a:t>
             </a:r>
-            <a:endParaRPr lang="en-US" altLang="en-US" dirty="0"/>
+          </a:p>
+          <a:p>
+            <a:pPr marL="1314450" lvl="2" indent="-514350">
+              <a:lnSpc>
+                <a:spcPct val="120000"/>
+              </a:lnSpc>
+              <a:buFont typeface="+mj-lt"/>
+              <a:buAutoNum type="arabicPeriod"/>
+            </a:pPr>
+            <a:r>
+              <a:rPr lang="en-US" altLang="en-US"/>
+              <a:t>Email not recommended!</a:t>
+            </a:r>
           </a:p>
         </p:txBody>
       </p:sp>
@@ -21358,7 +16640,647 @@
         <p:cTn id="1" dur="indefinite" restart="never" nodeType="tmRoot">
           <p:childTnLst>
             <p:seq concurrent="1" nextAc="seek">
-              <p:cTn id="2" dur="indefinite" nodeType="mainSeq"/>
+              <p:cTn id="2" dur="indefinite" nodeType="mainSeq">
+                <p:childTnLst>
+                  <p:par>
+                    <p:cTn id="3" fill="hold">
+                      <p:stCondLst>
+                        <p:cond delay="indefinite"/>
+                      </p:stCondLst>
+                      <p:childTnLst>
+                        <p:par>
+                          <p:cTn id="4" fill="hold">
+                            <p:stCondLst>
+                              <p:cond delay="0"/>
+                            </p:stCondLst>
+                            <p:childTnLst>
+                              <p:par>
+                                <p:cTn id="5" presetID="1" presetClass="entr" presetSubtype="0" fill="hold" nodeType="clickEffect">
+                                  <p:stCondLst>
+                                    <p:cond delay="0"/>
+                                  </p:stCondLst>
+                                  <p:childTnLst>
+                                    <p:set>
+                                      <p:cBhvr>
+                                        <p:cTn id="6" dur="1" fill="hold">
+                                          <p:stCondLst>
+                                            <p:cond delay="0"/>
+                                          </p:stCondLst>
+                                        </p:cTn>
+                                        <p:tgtEl>
+                                          <p:spTgt spid="4099">
+                                            <p:txEl>
+                                              <p:pRg st="0" end="0"/>
+                                            </p:txEl>
+                                          </p:spTgt>
+                                        </p:tgtEl>
+                                        <p:attrNameLst>
+                                          <p:attrName>style.visibility</p:attrName>
+                                        </p:attrNameLst>
+                                      </p:cBhvr>
+                                      <p:to>
+                                        <p:strVal val="visible"/>
+                                      </p:to>
+                                    </p:set>
+                                  </p:childTnLst>
+                                </p:cTn>
+                              </p:par>
+                            </p:childTnLst>
+                          </p:cTn>
+                        </p:par>
+                      </p:childTnLst>
+                    </p:cTn>
+                  </p:par>
+                  <p:par>
+                    <p:cTn id="7" fill="hold">
+                      <p:stCondLst>
+                        <p:cond delay="indefinite"/>
+                      </p:stCondLst>
+                      <p:childTnLst>
+                        <p:par>
+                          <p:cTn id="8" fill="hold">
+                            <p:stCondLst>
+                              <p:cond delay="0"/>
+                            </p:stCondLst>
+                            <p:childTnLst>
+                              <p:par>
+                                <p:cTn id="9" presetID="1" presetClass="entr" presetSubtype="0" fill="hold" nodeType="clickEffect">
+                                  <p:stCondLst>
+                                    <p:cond delay="0"/>
+                                  </p:stCondLst>
+                                  <p:childTnLst>
+                                    <p:set>
+                                      <p:cBhvr>
+                                        <p:cTn id="10" dur="1" fill="hold">
+                                          <p:stCondLst>
+                                            <p:cond delay="0"/>
+                                          </p:stCondLst>
+                                        </p:cTn>
+                                        <p:tgtEl>
+                                          <p:spTgt spid="4099">
+                                            <p:txEl>
+                                              <p:pRg st="1" end="1"/>
+                                            </p:txEl>
+                                          </p:spTgt>
+                                        </p:tgtEl>
+                                        <p:attrNameLst>
+                                          <p:attrName>style.visibility</p:attrName>
+                                        </p:attrNameLst>
+                                      </p:cBhvr>
+                                      <p:to>
+                                        <p:strVal val="visible"/>
+                                      </p:to>
+                                    </p:set>
+                                  </p:childTnLst>
+                                </p:cTn>
+                              </p:par>
+                            </p:childTnLst>
+                          </p:cTn>
+                        </p:par>
+                      </p:childTnLst>
+                    </p:cTn>
+                  </p:par>
+                  <p:par>
+                    <p:cTn id="11" fill="hold">
+                      <p:stCondLst>
+                        <p:cond delay="indefinite"/>
+                      </p:stCondLst>
+                      <p:childTnLst>
+                        <p:par>
+                          <p:cTn id="12" fill="hold">
+                            <p:stCondLst>
+                              <p:cond delay="0"/>
+                            </p:stCondLst>
+                            <p:childTnLst>
+                              <p:par>
+                                <p:cTn id="13" presetID="1" presetClass="entr" presetSubtype="0" fill="hold" nodeType="clickEffect">
+                                  <p:stCondLst>
+                                    <p:cond delay="0"/>
+                                  </p:stCondLst>
+                                  <p:childTnLst>
+                                    <p:set>
+                                      <p:cBhvr>
+                                        <p:cTn id="14" dur="1" fill="hold">
+                                          <p:stCondLst>
+                                            <p:cond delay="0"/>
+                                          </p:stCondLst>
+                                        </p:cTn>
+                                        <p:tgtEl>
+                                          <p:spTgt spid="4099">
+                                            <p:txEl>
+                                              <p:pRg st="2" end="2"/>
+                                            </p:txEl>
+                                          </p:spTgt>
+                                        </p:tgtEl>
+                                        <p:attrNameLst>
+                                          <p:attrName>style.visibility</p:attrName>
+                                        </p:attrNameLst>
+                                      </p:cBhvr>
+                                      <p:to>
+                                        <p:strVal val="visible"/>
+                                      </p:to>
+                                    </p:set>
+                                  </p:childTnLst>
+                                </p:cTn>
+                              </p:par>
+                            </p:childTnLst>
+                          </p:cTn>
+                        </p:par>
+                      </p:childTnLst>
+                    </p:cTn>
+                  </p:par>
+                  <p:par>
+                    <p:cTn id="15" fill="hold">
+                      <p:stCondLst>
+                        <p:cond delay="indefinite"/>
+                      </p:stCondLst>
+                      <p:childTnLst>
+                        <p:par>
+                          <p:cTn id="16" fill="hold">
+                            <p:stCondLst>
+                              <p:cond delay="0"/>
+                            </p:stCondLst>
+                            <p:childTnLst>
+                              <p:par>
+                                <p:cTn id="17" presetID="1" presetClass="entr" presetSubtype="0" fill="hold" nodeType="clickEffect">
+                                  <p:stCondLst>
+                                    <p:cond delay="0"/>
+                                  </p:stCondLst>
+                                  <p:childTnLst>
+                                    <p:set>
+                                      <p:cBhvr>
+                                        <p:cTn id="18" dur="1" fill="hold">
+                                          <p:stCondLst>
+                                            <p:cond delay="0"/>
+                                          </p:stCondLst>
+                                        </p:cTn>
+                                        <p:tgtEl>
+                                          <p:spTgt spid="4099">
+                                            <p:txEl>
+                                              <p:pRg st="3" end="3"/>
+                                            </p:txEl>
+                                          </p:spTgt>
+                                        </p:tgtEl>
+                                        <p:attrNameLst>
+                                          <p:attrName>style.visibility</p:attrName>
+                                        </p:attrNameLst>
+                                      </p:cBhvr>
+                                      <p:to>
+                                        <p:strVal val="visible"/>
+                                      </p:to>
+                                    </p:set>
+                                  </p:childTnLst>
+                                </p:cTn>
+                              </p:par>
+                            </p:childTnLst>
+                          </p:cTn>
+                        </p:par>
+                      </p:childTnLst>
+                    </p:cTn>
+                  </p:par>
+                  <p:par>
+                    <p:cTn id="19" fill="hold">
+                      <p:stCondLst>
+                        <p:cond delay="indefinite"/>
+                      </p:stCondLst>
+                      <p:childTnLst>
+                        <p:par>
+                          <p:cTn id="20" fill="hold">
+                            <p:stCondLst>
+                              <p:cond delay="0"/>
+                            </p:stCondLst>
+                            <p:childTnLst>
+                              <p:par>
+                                <p:cTn id="21" presetID="1" presetClass="entr" presetSubtype="0" fill="hold" nodeType="clickEffect">
+                                  <p:stCondLst>
+                                    <p:cond delay="0"/>
+                                  </p:stCondLst>
+                                  <p:childTnLst>
+                                    <p:set>
+                                      <p:cBhvr>
+                                        <p:cTn id="22" dur="1" fill="hold">
+                                          <p:stCondLst>
+                                            <p:cond delay="0"/>
+                                          </p:stCondLst>
+                                        </p:cTn>
+                                        <p:tgtEl>
+                                          <p:spTgt spid="4099">
+                                            <p:txEl>
+                                              <p:pRg st="4" end="4"/>
+                                            </p:txEl>
+                                          </p:spTgt>
+                                        </p:tgtEl>
+                                        <p:attrNameLst>
+                                          <p:attrName>style.visibility</p:attrName>
+                                        </p:attrNameLst>
+                                      </p:cBhvr>
+                                      <p:to>
+                                        <p:strVal val="visible"/>
+                                      </p:to>
+                                    </p:set>
+                                  </p:childTnLst>
+                                </p:cTn>
+                              </p:par>
+                            </p:childTnLst>
+                          </p:cTn>
+                        </p:par>
+                      </p:childTnLst>
+                    </p:cTn>
+                  </p:par>
+                  <p:par>
+                    <p:cTn id="23" fill="hold">
+                      <p:stCondLst>
+                        <p:cond delay="indefinite"/>
+                      </p:stCondLst>
+                      <p:childTnLst>
+                        <p:par>
+                          <p:cTn id="24" fill="hold">
+                            <p:stCondLst>
+                              <p:cond delay="0"/>
+                            </p:stCondLst>
+                            <p:childTnLst>
+                              <p:par>
+                                <p:cTn id="25" presetID="1" presetClass="entr" presetSubtype="0" fill="hold" nodeType="clickEffect">
+                                  <p:stCondLst>
+                                    <p:cond delay="0"/>
+                                  </p:stCondLst>
+                                  <p:childTnLst>
+                                    <p:set>
+                                      <p:cBhvr>
+                                        <p:cTn id="26" dur="1" fill="hold">
+                                          <p:stCondLst>
+                                            <p:cond delay="0"/>
+                                          </p:stCondLst>
+                                        </p:cTn>
+                                        <p:tgtEl>
+                                          <p:spTgt spid="4099">
+                                            <p:txEl>
+                                              <p:pRg st="5" end="5"/>
+                                            </p:txEl>
+                                          </p:spTgt>
+                                        </p:tgtEl>
+                                        <p:attrNameLst>
+                                          <p:attrName>style.visibility</p:attrName>
+                                        </p:attrNameLst>
+                                      </p:cBhvr>
+                                      <p:to>
+                                        <p:strVal val="visible"/>
+                                      </p:to>
+                                    </p:set>
+                                  </p:childTnLst>
+                                </p:cTn>
+                              </p:par>
+                            </p:childTnLst>
+                          </p:cTn>
+                        </p:par>
+                      </p:childTnLst>
+                    </p:cTn>
+                  </p:par>
+                  <p:par>
+                    <p:cTn id="27" fill="hold">
+                      <p:stCondLst>
+                        <p:cond delay="indefinite"/>
+                      </p:stCondLst>
+                      <p:childTnLst>
+                        <p:par>
+                          <p:cTn id="28" fill="hold">
+                            <p:stCondLst>
+                              <p:cond delay="0"/>
+                            </p:stCondLst>
+                            <p:childTnLst>
+                              <p:par>
+                                <p:cTn id="29" presetID="1" presetClass="entr" presetSubtype="0" fill="hold" nodeType="clickEffect">
+                                  <p:stCondLst>
+                                    <p:cond delay="0"/>
+                                  </p:stCondLst>
+                                  <p:childTnLst>
+                                    <p:set>
+                                      <p:cBhvr>
+                                        <p:cTn id="30" dur="1" fill="hold">
+                                          <p:stCondLst>
+                                            <p:cond delay="0"/>
+                                          </p:stCondLst>
+                                        </p:cTn>
+                                        <p:tgtEl>
+                                          <p:spTgt spid="4099">
+                                            <p:txEl>
+                                              <p:pRg st="6" end="6"/>
+                                            </p:txEl>
+                                          </p:spTgt>
+                                        </p:tgtEl>
+                                        <p:attrNameLst>
+                                          <p:attrName>style.visibility</p:attrName>
+                                        </p:attrNameLst>
+                                      </p:cBhvr>
+                                      <p:to>
+                                        <p:strVal val="visible"/>
+                                      </p:to>
+                                    </p:set>
+                                  </p:childTnLst>
+                                </p:cTn>
+                              </p:par>
+                            </p:childTnLst>
+                          </p:cTn>
+                        </p:par>
+                      </p:childTnLst>
+                    </p:cTn>
+                  </p:par>
+                  <p:par>
+                    <p:cTn id="31" fill="hold">
+                      <p:stCondLst>
+                        <p:cond delay="indefinite"/>
+                      </p:stCondLst>
+                      <p:childTnLst>
+                        <p:par>
+                          <p:cTn id="32" fill="hold">
+                            <p:stCondLst>
+                              <p:cond delay="0"/>
+                            </p:stCondLst>
+                            <p:childTnLst>
+                              <p:par>
+                                <p:cTn id="33" presetID="1" presetClass="entr" presetSubtype="0" fill="hold" nodeType="clickEffect">
+                                  <p:stCondLst>
+                                    <p:cond delay="0"/>
+                                  </p:stCondLst>
+                                  <p:childTnLst>
+                                    <p:set>
+                                      <p:cBhvr>
+                                        <p:cTn id="34" dur="1" fill="hold">
+                                          <p:stCondLst>
+                                            <p:cond delay="0"/>
+                                          </p:stCondLst>
+                                        </p:cTn>
+                                        <p:tgtEl>
+                                          <p:spTgt spid="4099">
+                                            <p:txEl>
+                                              <p:pRg st="7" end="7"/>
+                                            </p:txEl>
+                                          </p:spTgt>
+                                        </p:tgtEl>
+                                        <p:attrNameLst>
+                                          <p:attrName>style.visibility</p:attrName>
+                                        </p:attrNameLst>
+                                      </p:cBhvr>
+                                      <p:to>
+                                        <p:strVal val="visible"/>
+                                      </p:to>
+                                    </p:set>
+                                  </p:childTnLst>
+                                </p:cTn>
+                              </p:par>
+                            </p:childTnLst>
+                          </p:cTn>
+                        </p:par>
+                      </p:childTnLst>
+                    </p:cTn>
+                  </p:par>
+                  <p:par>
+                    <p:cTn id="35" fill="hold">
+                      <p:stCondLst>
+                        <p:cond delay="indefinite"/>
+                      </p:stCondLst>
+                      <p:childTnLst>
+                        <p:par>
+                          <p:cTn id="36" fill="hold">
+                            <p:stCondLst>
+                              <p:cond delay="0"/>
+                            </p:stCondLst>
+                            <p:childTnLst>
+                              <p:par>
+                                <p:cTn id="37" presetID="1" presetClass="entr" presetSubtype="0" fill="hold" nodeType="clickEffect">
+                                  <p:stCondLst>
+                                    <p:cond delay="0"/>
+                                  </p:stCondLst>
+                                  <p:childTnLst>
+                                    <p:set>
+                                      <p:cBhvr>
+                                        <p:cTn id="38" dur="1" fill="hold">
+                                          <p:stCondLst>
+                                            <p:cond delay="0"/>
+                                          </p:stCondLst>
+                                        </p:cTn>
+                                        <p:tgtEl>
+                                          <p:spTgt spid="4099">
+                                            <p:txEl>
+                                              <p:pRg st="8" end="8"/>
+                                            </p:txEl>
+                                          </p:spTgt>
+                                        </p:tgtEl>
+                                        <p:attrNameLst>
+                                          <p:attrName>style.visibility</p:attrName>
+                                        </p:attrNameLst>
+                                      </p:cBhvr>
+                                      <p:to>
+                                        <p:strVal val="visible"/>
+                                      </p:to>
+                                    </p:set>
+                                  </p:childTnLst>
+                                </p:cTn>
+                              </p:par>
+                            </p:childTnLst>
+                          </p:cTn>
+                        </p:par>
+                      </p:childTnLst>
+                    </p:cTn>
+                  </p:par>
+                  <p:par>
+                    <p:cTn id="39" fill="hold">
+                      <p:stCondLst>
+                        <p:cond delay="indefinite"/>
+                      </p:stCondLst>
+                      <p:childTnLst>
+                        <p:par>
+                          <p:cTn id="40" fill="hold">
+                            <p:stCondLst>
+                              <p:cond delay="0"/>
+                            </p:stCondLst>
+                            <p:childTnLst>
+                              <p:par>
+                                <p:cTn id="41" presetID="1" presetClass="entr" presetSubtype="0" fill="hold" nodeType="clickEffect">
+                                  <p:stCondLst>
+                                    <p:cond delay="0"/>
+                                  </p:stCondLst>
+                                  <p:childTnLst>
+                                    <p:set>
+                                      <p:cBhvr>
+                                        <p:cTn id="42" dur="1" fill="hold">
+                                          <p:stCondLst>
+                                            <p:cond delay="0"/>
+                                          </p:stCondLst>
+                                        </p:cTn>
+                                        <p:tgtEl>
+                                          <p:spTgt spid="4099">
+                                            <p:txEl>
+                                              <p:pRg st="9" end="9"/>
+                                            </p:txEl>
+                                          </p:spTgt>
+                                        </p:tgtEl>
+                                        <p:attrNameLst>
+                                          <p:attrName>style.visibility</p:attrName>
+                                        </p:attrNameLst>
+                                      </p:cBhvr>
+                                      <p:to>
+                                        <p:strVal val="visible"/>
+                                      </p:to>
+                                    </p:set>
+                                  </p:childTnLst>
+                                </p:cTn>
+                              </p:par>
+                            </p:childTnLst>
+                          </p:cTn>
+                        </p:par>
+                      </p:childTnLst>
+                    </p:cTn>
+                  </p:par>
+                  <p:par>
+                    <p:cTn id="43" fill="hold">
+                      <p:stCondLst>
+                        <p:cond delay="indefinite"/>
+                      </p:stCondLst>
+                      <p:childTnLst>
+                        <p:par>
+                          <p:cTn id="44" fill="hold">
+                            <p:stCondLst>
+                              <p:cond delay="0"/>
+                            </p:stCondLst>
+                            <p:childTnLst>
+                              <p:par>
+                                <p:cTn id="45" presetID="1" presetClass="entr" presetSubtype="0" fill="hold" nodeType="clickEffect">
+                                  <p:stCondLst>
+                                    <p:cond delay="0"/>
+                                  </p:stCondLst>
+                                  <p:childTnLst>
+                                    <p:set>
+                                      <p:cBhvr>
+                                        <p:cTn id="46" dur="1" fill="hold">
+                                          <p:stCondLst>
+                                            <p:cond delay="0"/>
+                                          </p:stCondLst>
+                                        </p:cTn>
+                                        <p:tgtEl>
+                                          <p:spTgt spid="4099">
+                                            <p:txEl>
+                                              <p:pRg st="10" end="10"/>
+                                            </p:txEl>
+                                          </p:spTgt>
+                                        </p:tgtEl>
+                                        <p:attrNameLst>
+                                          <p:attrName>style.visibility</p:attrName>
+                                        </p:attrNameLst>
+                                      </p:cBhvr>
+                                      <p:to>
+                                        <p:strVal val="visible"/>
+                                      </p:to>
+                                    </p:set>
+                                  </p:childTnLst>
+                                </p:cTn>
+                              </p:par>
+                            </p:childTnLst>
+                          </p:cTn>
+                        </p:par>
+                      </p:childTnLst>
+                    </p:cTn>
+                  </p:par>
+                  <p:par>
+                    <p:cTn id="47" fill="hold">
+                      <p:stCondLst>
+                        <p:cond delay="indefinite"/>
+                      </p:stCondLst>
+                      <p:childTnLst>
+                        <p:par>
+                          <p:cTn id="48" fill="hold">
+                            <p:stCondLst>
+                              <p:cond delay="0"/>
+                            </p:stCondLst>
+                            <p:childTnLst>
+                              <p:par>
+                                <p:cTn id="49" presetID="1" presetClass="entr" presetSubtype="0" fill="hold" nodeType="clickEffect">
+                                  <p:stCondLst>
+                                    <p:cond delay="0"/>
+                                  </p:stCondLst>
+                                  <p:childTnLst>
+                                    <p:set>
+                                      <p:cBhvr>
+                                        <p:cTn id="50" dur="1" fill="hold">
+                                          <p:stCondLst>
+                                            <p:cond delay="0"/>
+                                          </p:stCondLst>
+                                        </p:cTn>
+                                        <p:tgtEl>
+                                          <p:spTgt spid="4099">
+                                            <p:txEl>
+                                              <p:pRg st="11" end="11"/>
+                                            </p:txEl>
+                                          </p:spTgt>
+                                        </p:tgtEl>
+                                        <p:attrNameLst>
+                                          <p:attrName>style.visibility</p:attrName>
+                                        </p:attrNameLst>
+                                      </p:cBhvr>
+                                      <p:to>
+                                        <p:strVal val="visible"/>
+                                      </p:to>
+                                    </p:set>
+                                  </p:childTnLst>
+                                </p:cTn>
+                              </p:par>
+                            </p:childTnLst>
+                          </p:cTn>
+                        </p:par>
+                      </p:childTnLst>
+                    </p:cTn>
+                  </p:par>
+                  <p:par>
+                    <p:cTn id="51" fill="hold">
+                      <p:stCondLst>
+                        <p:cond delay="indefinite"/>
+                      </p:stCondLst>
+                      <p:childTnLst>
+                        <p:par>
+                          <p:cTn id="52" fill="hold">
+                            <p:stCondLst>
+                              <p:cond delay="0"/>
+                            </p:stCondLst>
+                            <p:childTnLst>
+                              <p:par>
+                                <p:cTn id="53" presetID="1" presetClass="entr" presetSubtype="0" fill="hold" nodeType="clickEffect">
+                                  <p:stCondLst>
+                                    <p:cond delay="0"/>
+                                  </p:stCondLst>
+                                  <p:childTnLst>
+                                    <p:set>
+                                      <p:cBhvr>
+                                        <p:cTn id="54" dur="1" fill="hold">
+                                          <p:stCondLst>
+                                            <p:cond delay="0"/>
+                                          </p:stCondLst>
+                                        </p:cTn>
+                                        <p:tgtEl>
+                                          <p:spTgt spid="4099">
+                                            <p:txEl>
+                                              <p:pRg st="12" end="12"/>
+                                            </p:txEl>
+                                          </p:spTgt>
+                                        </p:tgtEl>
+                                        <p:attrNameLst>
+                                          <p:attrName>style.visibility</p:attrName>
+                                        </p:attrNameLst>
+                                      </p:cBhvr>
+                                      <p:to>
+                                        <p:strVal val="visible"/>
+                                      </p:to>
+                                    </p:set>
+                                  </p:childTnLst>
+                                </p:cTn>
+                              </p:par>
+                            </p:childTnLst>
+                          </p:cTn>
+                        </p:par>
+                      </p:childTnLst>
+                    </p:cTn>
+                  </p:par>
+                </p:childTnLst>
+              </p:cTn>
               <p:prevCondLst>
                 <p:cond evt="onPrev" delay="0">
                   <p:tgtEl>
@@ -21812,7 +17734,7 @@
               <a:buChar char="•"/>
             </a:pPr>
             <a:r>
-              <a:rPr lang="en-US" altLang="en-US" dirty="0"/>
+              <a:rPr lang="en-US" altLang="en-US"/>
               <a:t>40% on best four out of five programming assignments</a:t>
             </a:r>
           </a:p>
@@ -21822,17 +17744,17 @@
               <a:buChar char="•"/>
             </a:pPr>
             <a:r>
-              <a:rPr lang="en-US" altLang="en-US" dirty="0"/>
+              <a:rPr lang="en-US" altLang="en-US"/>
               <a:t>posted on Canvas and submitted on </a:t>
             </a:r>
             <a:r>
-              <a:rPr lang="en-US" altLang="en-US" b="1" dirty="0"/>
+              <a:rPr lang="en-US" altLang="en-US" b="1"/>
               <a:t>Gradescope</a:t>
             </a:r>
           </a:p>
           <a:p>
             <a:r>
-              <a:rPr lang="en-US" altLang="en-US" dirty="0"/>
+              <a:rPr lang="en-US" altLang="en-US"/>
               <a:t>20% homework assignments on Gradescope</a:t>
             </a:r>
           </a:p>
@@ -21842,7 +17764,7 @@
               <a:buChar char="•"/>
             </a:pPr>
             <a:r>
-              <a:rPr lang="en-US" altLang="en-US" dirty="0"/>
+              <a:rPr lang="en-US" altLang="en-US"/>
               <a:t>20% exams: 12% on higher grade and 8% on lower</a:t>
             </a:r>
           </a:p>
@@ -21852,34 +17774,34 @@
               <a:buChar char="•"/>
             </a:pPr>
             <a:r>
-              <a:rPr lang="en-US" altLang="en-US" dirty="0"/>
+              <a:rPr lang="en-US" altLang="en-US"/>
               <a:t>10% lab exercises; mostly autograded</a:t>
             </a:r>
           </a:p>
           <a:p>
             <a:r>
-              <a:rPr lang="en-US" dirty="0"/>
+              <a:rPr lang="en-US"/>
               <a:t>10% mini-quizzes: on Top Hat during each lecture</a:t>
             </a:r>
           </a:p>
           <a:p>
             <a:r>
-              <a:rPr lang="en-US" dirty="0"/>
+              <a:rPr lang="en-US"/>
               <a:t>Bonus Opportunities</a:t>
             </a:r>
           </a:p>
           <a:p>
             <a:pPr lvl="1"/>
             <a:r>
-              <a:rPr lang="en-US" dirty="0"/>
+              <a:rPr lang="en-US"/>
               <a:t>1% Bonus on </a:t>
             </a:r>
             <a:r>
-              <a:rPr lang="en-US" dirty="0" err="1"/>
+              <a:rPr lang="en-US" err="1"/>
               <a:t>CourseMIRROR</a:t>
             </a:r>
             <a:r>
-              <a:rPr lang="en-US" dirty="0"/>
+              <a:rPr lang="en-US"/>
               <a:t> Reflections (to be explained later today)</a:t>
             </a:r>
           </a:p>
@@ -22024,8 +17946,8 @@
               <a:buChar char="•"/>
             </a:pPr>
             <a:r>
-              <a:rPr lang="en-US" dirty="0"/>
-              <a:t>Lectures posted on Tophat by end of each lecture day</a:t>
+              <a:rPr lang="en-US"/>
+              <a:t>Lectures posted on Tophat</a:t>
             </a:r>
           </a:p>
           <a:p>
@@ -22034,8 +17956,15 @@
               <a:buChar char="•"/>
             </a:pPr>
             <a:r>
-              <a:rPr lang="en-US" dirty="0"/>
-              <a:t>Lecture and recitation recordings under Panopto Video</a:t>
+              <a:rPr lang="en-US"/>
+              <a:t>Lecture and recitation recordings </a:t>
+            </a:r>
+          </a:p>
+          <a:p>
+            <a:pPr lvl="1"/>
+            <a:r>
+              <a:rPr lang="en-US"/>
+              <a:t>under Panopto Video</a:t>
             </a:r>
           </a:p>
           <a:p>
@@ -22044,11 +17973,11 @@
               <a:buChar char="•"/>
             </a:pPr>
             <a:r>
-              <a:rPr lang="en-US" dirty="0" err="1"/>
+              <a:rPr lang="en-US" err="1"/>
               <a:t>RedShelf</a:t>
             </a:r>
             <a:r>
-              <a:rPr lang="en-US" dirty="0"/>
+              <a:rPr lang="en-US"/>
               <a:t> Inclusive Access</a:t>
             </a:r>
           </a:p>
@@ -22058,8 +17987,8 @@
               <a:buChar char="•"/>
             </a:pPr>
             <a:r>
-              <a:rPr lang="en-US" dirty="0"/>
-              <a:t>Piazza for discussion</a:t>
+              <a:rPr lang="en-US"/>
+              <a:t>Piazza for discussion and communication</a:t>
             </a:r>
           </a:p>
           <a:p>
@@ -22068,7 +17997,7 @@
               <a:buChar char="•"/>
             </a:pPr>
             <a:r>
-              <a:rPr lang="en-US" dirty="0"/>
+              <a:rPr lang="en-US"/>
               <a:t>Gradescope and autograding policies</a:t>
             </a:r>
           </a:p>
@@ -22078,7 +18007,7 @@
               <a:buChar char="•"/>
             </a:pPr>
             <a:r>
-              <a:rPr lang="en-US" dirty="0"/>
+              <a:rPr lang="en-US"/>
               <a:t>Academic Integrity</a:t>
             </a:r>
           </a:p>
@@ -22088,10 +18017,10 @@
               <a:buChar char="•"/>
             </a:pPr>
             <a:r>
-              <a:rPr lang="en-US" dirty="0" err="1"/>
+              <a:rPr lang="en-US" err="1"/>
               <a:t>NameCoach</a:t>
             </a:r>
-            <a:endParaRPr lang="en-US" dirty="0"/>
+            <a:endParaRPr lang="en-US"/>
           </a:p>
         </p:txBody>
       </p:sp>
@@ -22429,7 +18358,7 @@
           <a:bodyPr/>
           <a:lstStyle/>
           <a:p>
-            <a:endParaRPr lang="en-US" dirty="0"/>
+            <a:endParaRPr lang="en-US"/>
           </a:p>
         </p:txBody>
       </p:sp>
@@ -22633,7 +18562,7 @@
                     <a:lstStyle/>
                     <a:p>
                       <a:r>
-                        <a:rPr lang="en-US" sz="2800" dirty="0"/>
+                        <a:rPr lang="en-US" sz="2800"/>
                         <a:t>~25 min</a:t>
                       </a:r>
                     </a:p>
@@ -22646,7 +18575,7 @@
                     <a:lstStyle/>
                     <a:p>
                       <a:r>
-                        <a:rPr lang="en-US" sz="2800" dirty="0"/>
+                        <a:rPr lang="en-US" sz="2800"/>
                         <a:t>Announcements, review of reflections, and QA on assignments/labs/homework problems</a:t>
                       </a:r>
                     </a:p>
@@ -22666,7 +18595,7 @@
                     <a:lstStyle/>
                     <a:p>
                       <a:r>
-                        <a:rPr lang="en-US" sz="2800" dirty="0"/>
+                        <a:rPr lang="en-US" sz="2800"/>
                         <a:t>~40 min</a:t>
                       </a:r>
                     </a:p>
@@ -22745,7 +18674,7 @@
                     <a:lstStyle/>
                     <a:p>
                       <a:r>
-                        <a:rPr lang="en-US" sz="2800" dirty="0"/>
+                        <a:rPr lang="en-US" sz="2800"/>
                         <a:t>QA and muddiest points/reflections</a:t>
                       </a:r>
                     </a:p>
